--- a/apresentacao/Apresentação.pptx
+++ b/apresentacao/Apresentação.pptx
@@ -7,11 +7,13 @@
   <p:sldIdLst>
     <p:sldId id="258" r:id="rId2"/>
     <p:sldId id="263" r:id="rId3"/>
-    <p:sldId id="268" r:id="rId4"/>
-    <p:sldId id="264" r:id="rId5"/>
-    <p:sldId id="265" r:id="rId6"/>
-    <p:sldId id="266" r:id="rId7"/>
-    <p:sldId id="267" r:id="rId8"/>
+    <p:sldId id="269" r:id="rId4"/>
+    <p:sldId id="270" r:id="rId5"/>
+    <p:sldId id="268" r:id="rId6"/>
+    <p:sldId id="264" r:id="rId7"/>
+    <p:sldId id="265" r:id="rId8"/>
+    <p:sldId id="266" r:id="rId9"/>
+    <p:sldId id="267" r:id="rId10"/>
   </p:sldIdLst>
   <p:sldSz cx="9144000" cy="6858000" type="screen4x3"/>
   <p:notesSz cx="9144000" cy="6858000"/>
@@ -135,12 +137,159 @@
     <p1510:client id="{51F78D83-41D9-09BB-BBAC-025B8751289E}" v="274" dt="2023-09-28T21:46:41.819"/>
     <p1510:client id="{65B4DA41-9987-FC42-8431-0E97356FBD16}" v="59" dt="2023-09-28T21:37:46.523"/>
     <p1510:client id="{A05BDA0A-B317-590B-5EE0-197CCC9F0CF0}" v="188" dt="2023-09-28T21:16:43.600"/>
+    <p1510:client id="{A69B79A4-AC71-2A91-C540-17A4CEBEFC47}" v="299" dt="2023-09-28T22:08:44.428"/>
   </p1510:revLst>
 </p1510:revInfo>
 </file>
 
 <file path=ppt/changesInfos/changesInfo1.xml><?xml version="1.0" encoding="utf-8"?>
 <pc:chgInfo xmlns:a="http://schemas.openxmlformats.org/drawingml/2006/main" xmlns:r="http://schemas.openxmlformats.org/officeDocument/2006/relationships" xmlns:ac="http://schemas.microsoft.com/office/drawing/2013/main/command" xmlns:pc="http://schemas.microsoft.com/office/powerpoint/2013/main/command">
+  <pc:docChgLst>
+    <pc:chgData name="Thiago Bastani Pontel Oliveira" userId="S::1486409@sga.pucminas.br::c0c4dfdf-66c4-4054-b08c-7a47dfa23e0d" providerId="AD" clId="Web-{A69B79A4-AC71-2A91-C540-17A4CEBEFC47}"/>
+    <pc:docChg chg="addSld delSld modSld">
+      <pc:chgData name="Thiago Bastani Pontel Oliveira" userId="S::1486409@sga.pucminas.br::c0c4dfdf-66c4-4054-b08c-7a47dfa23e0d" providerId="AD" clId="Web-{A69B79A4-AC71-2A91-C540-17A4CEBEFC47}" dt="2023-09-28T22:08:44.428" v="229" actId="14100"/>
+      <pc:docMkLst>
+        <pc:docMk/>
+      </pc:docMkLst>
+      <pc:sldChg chg="modSp">
+        <pc:chgData name="Thiago Bastani Pontel Oliveira" userId="S::1486409@sga.pucminas.br::c0c4dfdf-66c4-4054-b08c-7a47dfa23e0d" providerId="AD" clId="Web-{A69B79A4-AC71-2A91-C540-17A4CEBEFC47}" dt="2023-09-28T22:08:44.428" v="229" actId="14100"/>
+        <pc:sldMkLst>
+          <pc:docMk/>
+          <pc:sldMk cId="0" sldId="258"/>
+        </pc:sldMkLst>
+        <pc:spChg chg="mod">
+          <ac:chgData name="Thiago Bastani Pontel Oliveira" userId="S::1486409@sga.pucminas.br::c0c4dfdf-66c4-4054-b08c-7a47dfa23e0d" providerId="AD" clId="Web-{A69B79A4-AC71-2A91-C540-17A4CEBEFC47}" dt="2023-09-28T22:08:44.428" v="229" actId="14100"/>
+          <ac:spMkLst>
+            <pc:docMk/>
+            <pc:sldMk cId="0" sldId="258"/>
+            <ac:spMk id="2" creationId="{00000000-0000-0000-0000-000000000000}"/>
+          </ac:spMkLst>
+        </pc:spChg>
+      </pc:sldChg>
+      <pc:sldChg chg="modSp">
+        <pc:chgData name="Thiago Bastani Pontel Oliveira" userId="S::1486409@sga.pucminas.br::c0c4dfdf-66c4-4054-b08c-7a47dfa23e0d" providerId="AD" clId="Web-{A69B79A4-AC71-2A91-C540-17A4CEBEFC47}" dt="2023-09-28T21:55:51.561" v="29" actId="1076"/>
+        <pc:sldMkLst>
+          <pc:docMk/>
+          <pc:sldMk cId="0" sldId="263"/>
+        </pc:sldMkLst>
+        <pc:spChg chg="mod">
+          <ac:chgData name="Thiago Bastani Pontel Oliveira" userId="S::1486409@sga.pucminas.br::c0c4dfdf-66c4-4054-b08c-7a47dfa23e0d" providerId="AD" clId="Web-{A69B79A4-AC71-2A91-C540-17A4CEBEFC47}" dt="2023-09-28T21:55:51.561" v="29" actId="1076"/>
+          <ac:spMkLst>
+            <pc:docMk/>
+            <pc:sldMk cId="0" sldId="263"/>
+            <ac:spMk id="5" creationId="{00000000-0000-0000-0000-000000000000}"/>
+          </ac:spMkLst>
+        </pc:spChg>
+      </pc:sldChg>
+      <pc:sldChg chg="modSp">
+        <pc:chgData name="Thiago Bastani Pontel Oliveira" userId="S::1486409@sga.pucminas.br::c0c4dfdf-66c4-4054-b08c-7a47dfa23e0d" providerId="AD" clId="Web-{A69B79A4-AC71-2A91-C540-17A4CEBEFC47}" dt="2023-09-28T22:07:14.128" v="208" actId="1076"/>
+        <pc:sldMkLst>
+          <pc:docMk/>
+          <pc:sldMk cId="4143567108" sldId="268"/>
+        </pc:sldMkLst>
+        <pc:spChg chg="mod">
+          <ac:chgData name="Thiago Bastani Pontel Oliveira" userId="S::1486409@sga.pucminas.br::c0c4dfdf-66c4-4054-b08c-7a47dfa23e0d" providerId="AD" clId="Web-{A69B79A4-AC71-2A91-C540-17A4CEBEFC47}" dt="2023-09-28T22:07:14.128" v="208" actId="1076"/>
+          <ac:spMkLst>
+            <pc:docMk/>
+            <pc:sldMk cId="4143567108" sldId="268"/>
+            <ac:spMk id="6" creationId="{3BFB96A0-E7F8-1629-BAF2-701746F61333}"/>
+          </ac:spMkLst>
+        </pc:spChg>
+      </pc:sldChg>
+      <pc:sldChg chg="addSp modSp add replId">
+        <pc:chgData name="Thiago Bastani Pontel Oliveira" userId="S::1486409@sga.pucminas.br::c0c4dfdf-66c4-4054-b08c-7a47dfa23e0d" providerId="AD" clId="Web-{A69B79A4-AC71-2A91-C540-17A4CEBEFC47}" dt="2023-09-28T22:06:08.908" v="199" actId="1076"/>
+        <pc:sldMkLst>
+          <pc:docMk/>
+          <pc:sldMk cId="501800597" sldId="269"/>
+        </pc:sldMkLst>
+        <pc:spChg chg="mod">
+          <ac:chgData name="Thiago Bastani Pontel Oliveira" userId="S::1486409@sga.pucminas.br::c0c4dfdf-66c4-4054-b08c-7a47dfa23e0d" providerId="AD" clId="Web-{A69B79A4-AC71-2A91-C540-17A4CEBEFC47}" dt="2023-09-28T22:02:16.119" v="144" actId="20577"/>
+          <ac:spMkLst>
+            <pc:docMk/>
+            <pc:sldMk cId="501800597" sldId="269"/>
+            <ac:spMk id="5" creationId="{00000000-0000-0000-0000-000000000000}"/>
+          </ac:spMkLst>
+        </pc:spChg>
+        <pc:spChg chg="add mod">
+          <ac:chgData name="Thiago Bastani Pontel Oliveira" userId="S::1486409@sga.pucminas.br::c0c4dfdf-66c4-4054-b08c-7a47dfa23e0d" providerId="AD" clId="Web-{A69B79A4-AC71-2A91-C540-17A4CEBEFC47}" dt="2023-09-28T22:02:23.948" v="147"/>
+          <ac:spMkLst>
+            <pc:docMk/>
+            <pc:sldMk cId="501800597" sldId="269"/>
+            <ac:spMk id="8" creationId="{C64F570B-590B-2D98-1B29-3F37F91AC0B7}"/>
+          </ac:spMkLst>
+        </pc:spChg>
+        <pc:graphicFrameChg chg="add mod modGraphic">
+          <ac:chgData name="Thiago Bastani Pontel Oliveira" userId="S::1486409@sga.pucminas.br::c0c4dfdf-66c4-4054-b08c-7a47dfa23e0d" providerId="AD" clId="Web-{A69B79A4-AC71-2A91-C540-17A4CEBEFC47}" dt="2023-09-28T22:06:08.908" v="199" actId="1076"/>
+          <ac:graphicFrameMkLst>
+            <pc:docMk/>
+            <pc:sldMk cId="501800597" sldId="269"/>
+            <ac:graphicFrameMk id="7" creationId="{0FD11FB4-7AFE-0FA7-DFC0-15556F65D496}"/>
+          </ac:graphicFrameMkLst>
+        </pc:graphicFrameChg>
+      </pc:sldChg>
+      <pc:sldChg chg="modSp add del replId">
+        <pc:chgData name="Thiago Bastani Pontel Oliveira" userId="S::1486409@sga.pucminas.br::c0c4dfdf-66c4-4054-b08c-7a47dfa23e0d" providerId="AD" clId="Web-{A69B79A4-AC71-2A91-C540-17A4CEBEFC47}" dt="2023-09-28T21:57:58.033" v="71"/>
+        <pc:sldMkLst>
+          <pc:docMk/>
+          <pc:sldMk cId="1164759404" sldId="270"/>
+        </pc:sldMkLst>
+        <pc:spChg chg="mod">
+          <ac:chgData name="Thiago Bastani Pontel Oliveira" userId="S::1486409@sga.pucminas.br::c0c4dfdf-66c4-4054-b08c-7a47dfa23e0d" providerId="AD" clId="Web-{A69B79A4-AC71-2A91-C540-17A4CEBEFC47}" dt="2023-09-28T21:57:56.549" v="70" actId="20577"/>
+          <ac:spMkLst>
+            <pc:docMk/>
+            <pc:sldMk cId="1164759404" sldId="270"/>
+            <ac:spMk id="5" creationId="{00000000-0000-0000-0000-000000000000}"/>
+          </ac:spMkLst>
+        </pc:spChg>
+      </pc:sldChg>
+      <pc:sldChg chg="addSp delSp modSp add replId">
+        <pc:chgData name="Thiago Bastani Pontel Oliveira" userId="S::1486409@sga.pucminas.br::c0c4dfdf-66c4-4054-b08c-7a47dfa23e0d" providerId="AD" clId="Web-{A69B79A4-AC71-2A91-C540-17A4CEBEFC47}" dt="2023-09-28T22:05:45.266" v="194"/>
+        <pc:sldMkLst>
+          <pc:docMk/>
+          <pc:sldMk cId="1283361217" sldId="270"/>
+        </pc:sldMkLst>
+        <pc:spChg chg="del">
+          <ac:chgData name="Thiago Bastani Pontel Oliveira" userId="S::1486409@sga.pucminas.br::c0c4dfdf-66c4-4054-b08c-7a47dfa23e0d" providerId="AD" clId="Web-{A69B79A4-AC71-2A91-C540-17A4CEBEFC47}" dt="2023-09-28T22:03:21.840" v="165"/>
+          <ac:spMkLst>
+            <pc:docMk/>
+            <pc:sldMk cId="1283361217" sldId="270"/>
+            <ac:spMk id="8" creationId="{C64F570B-590B-2D98-1B29-3F37F91AC0B7}"/>
+          </ac:spMkLst>
+        </pc:spChg>
+        <pc:graphicFrameChg chg="del">
+          <ac:chgData name="Thiago Bastani Pontel Oliveira" userId="S::1486409@sga.pucminas.br::c0c4dfdf-66c4-4054-b08c-7a47dfa23e0d" providerId="AD" clId="Web-{A69B79A4-AC71-2A91-C540-17A4CEBEFC47}" dt="2023-09-28T22:03:10.543" v="164"/>
+          <ac:graphicFrameMkLst>
+            <pc:docMk/>
+            <pc:sldMk cId="1283361217" sldId="270"/>
+            <ac:graphicFrameMk id="7" creationId="{0FD11FB4-7AFE-0FA7-DFC0-15556F65D496}"/>
+          </ac:graphicFrameMkLst>
+        </pc:graphicFrameChg>
+        <pc:graphicFrameChg chg="add mod modGraphic">
+          <ac:chgData name="Thiago Bastani Pontel Oliveira" userId="S::1486409@sga.pucminas.br::c0c4dfdf-66c4-4054-b08c-7a47dfa23e0d" providerId="AD" clId="Web-{A69B79A4-AC71-2A91-C540-17A4CEBEFC47}" dt="2023-09-28T22:05:45.266" v="194"/>
+          <ac:graphicFrameMkLst>
+            <pc:docMk/>
+            <pc:sldMk cId="1283361217" sldId="270"/>
+            <ac:graphicFrameMk id="9" creationId="{A209829F-A155-0F83-4394-934E6562DF3C}"/>
+          </ac:graphicFrameMkLst>
+        </pc:graphicFrameChg>
+      </pc:sldChg>
+      <pc:sldChg chg="modSp add del replId">
+        <pc:chgData name="Thiago Bastani Pontel Oliveira" userId="S::1486409@sga.pucminas.br::c0c4dfdf-66c4-4054-b08c-7a47dfa23e0d" providerId="AD" clId="Web-{A69B79A4-AC71-2A91-C540-17A4CEBEFC47}" dt="2023-09-28T22:02:11.463" v="142"/>
+        <pc:sldMkLst>
+          <pc:docMk/>
+          <pc:sldMk cId="4277298160" sldId="270"/>
+        </pc:sldMkLst>
+        <pc:spChg chg="mod">
+          <ac:chgData name="Thiago Bastani Pontel Oliveira" userId="S::1486409@sga.pucminas.br::c0c4dfdf-66c4-4054-b08c-7a47dfa23e0d" providerId="AD" clId="Web-{A69B79A4-AC71-2A91-C540-17A4CEBEFC47}" dt="2023-09-28T22:00:11.647" v="141" actId="20577"/>
+          <ac:spMkLst>
+            <pc:docMk/>
+            <pc:sldMk cId="4277298160" sldId="270"/>
+            <ac:spMk id="5" creationId="{00000000-0000-0000-0000-000000000000}"/>
+          </ac:spMkLst>
+        </pc:spChg>
+      </pc:sldChg>
+    </pc:docChg>
+  </pc:docChgLst>
   <pc:docChgLst>
     <pc:chgData name="Thiago Bastani Pontel Oliveira" userId="S::1486409@sga.pucminas.br::c0c4dfdf-66c4-4054-b08c-7a47dfa23e0d" providerId="AD" clId="Web-{A05BDA0A-B317-590B-5EE0-197CCC9F0CF0}"/>
     <pc:docChg chg="addSld delSld modSld">
@@ -275,13 +424,13 @@
         <pc:chgData name="Thiago Bastani Pontel Oliveira" userId="S::1486409@sga.pucminas.br::c0c4dfdf-66c4-4054-b08c-7a47dfa23e0d" providerId="AD" clId="Web-{A05BDA0A-B317-590B-5EE0-197CCC9F0CF0}" dt="2023-09-28T21:16:43.600" v="120" actId="20577"/>
         <pc:sldMkLst>
           <pc:docMk/>
-          <pc:sldMk cId="0" sldId="269"/>
+          <pc:sldMk cId="501800597" sldId="269"/>
         </pc:sldMkLst>
         <pc:spChg chg="mod">
           <ac:chgData name="Thiago Bastani Pontel Oliveira" userId="S::1486409@sga.pucminas.br::c0c4dfdf-66c4-4054-b08c-7a47dfa23e0d" providerId="AD" clId="Web-{A05BDA0A-B317-590B-5EE0-197CCC9F0CF0}" dt="2023-09-28T21:16:43.600" v="120" actId="20577"/>
           <ac:spMkLst>
             <pc:docMk/>
-            <pc:sldMk cId="0" sldId="269"/>
+            <pc:sldMk cId="501800597" sldId="269"/>
             <ac:spMk id="2" creationId="{00000000-0000-0000-0000-000000000000}"/>
           </ac:spMkLst>
         </pc:spChg>
@@ -396,7 +545,7 @@
         <pc:chgData name="Thiago Bastani Pontel Oliveira" userId="S::1486409@sga.pucminas.br::c0c4dfdf-66c4-4054-b08c-7a47dfa23e0d" providerId="AD" clId="Web-{65B4DA41-9987-FC42-8431-0E97356FBD16}" dt="2023-09-28T21:33:27.842" v="0"/>
         <pc:sldMkLst>
           <pc:docMk/>
-          <pc:sldMk cId="0" sldId="269"/>
+          <pc:sldMk cId="501800597" sldId="269"/>
         </pc:sldMkLst>
       </pc:sldChg>
     </pc:docChg>
@@ -1768,8 +1917,8 @@
         </p:nvSpPr>
         <p:spPr>
           <a:xfrm>
-            <a:off x="433811" y="2157504"/>
-            <a:ext cx="8248243" cy="1528624"/>
+            <a:off x="2844" y="1417365"/>
+            <a:ext cx="9138283" cy="3744615"/>
           </a:xfrm>
           <a:prstGeom prst="rect">
             <a:avLst/>
@@ -1781,7 +1930,7 @@
           </a:bodyPr>
           <a:lstStyle/>
           <a:p>
-            <a:pPr marL="12700" marR="5080">
+            <a:pPr marL="12700" marR="5080" algn="ctr">
               <a:spcBef>
                 <a:spcPts val="100"/>
               </a:spcBef>
@@ -1795,230 +1944,14 @@
                 <a:tab pos="6675120" algn="l"/>
               </a:tabLst>
             </a:pPr>
-            <a:r>
-              <a:rPr lang="en-US" sz="1600" spc="-5" dirty="0">
-                <a:latin typeface="Arial"/>
-                <a:ea typeface="+mn-lt"/>
-                <a:cs typeface="+mn-lt"/>
-              </a:rPr>
-              <a:t>No </a:t>
-            </a:r>
-            <a:r>
-              <a:rPr lang="en-US" sz="1600" spc="-5" dirty="0" err="1">
-                <a:latin typeface="Arial"/>
-                <a:ea typeface="+mn-lt"/>
-                <a:cs typeface="+mn-lt"/>
-              </a:rPr>
-              <a:t>mundo</a:t>
-            </a:r>
-            <a:r>
-              <a:rPr lang="en-US" sz="1600" spc="-5" dirty="0">
-                <a:latin typeface="Arial"/>
-                <a:ea typeface="+mn-lt"/>
-                <a:cs typeface="+mn-lt"/>
-              </a:rPr>
-              <a:t> digital </a:t>
-            </a:r>
-            <a:r>
-              <a:rPr lang="en-US" sz="1600" spc="-5" dirty="0" err="1">
-                <a:latin typeface="Arial"/>
-                <a:ea typeface="+mn-lt"/>
-                <a:cs typeface="+mn-lt"/>
-              </a:rPr>
-              <a:t>existe</a:t>
-            </a:r>
-            <a:r>
-              <a:rPr lang="en-US" sz="1600" spc="-5" dirty="0">
-                <a:latin typeface="Arial"/>
-                <a:ea typeface="+mn-lt"/>
-                <a:cs typeface="+mn-lt"/>
-              </a:rPr>
-              <a:t> </a:t>
-            </a:r>
-            <a:r>
-              <a:rPr lang="en-US" sz="1600" spc="-5" dirty="0" err="1">
-                <a:latin typeface="Arial"/>
-                <a:ea typeface="+mn-lt"/>
-                <a:cs typeface="+mn-lt"/>
-              </a:rPr>
-              <a:t>uma</a:t>
-            </a:r>
-            <a:r>
-              <a:rPr lang="en-US" sz="1600" spc="-5" dirty="0">
-                <a:latin typeface="Arial"/>
-                <a:ea typeface="+mn-lt"/>
-                <a:cs typeface="+mn-lt"/>
-              </a:rPr>
-              <a:t> </a:t>
-            </a:r>
-            <a:r>
-              <a:rPr lang="en-US" sz="1600" spc="-5" dirty="0" err="1">
-                <a:latin typeface="Arial"/>
-                <a:ea typeface="+mn-lt"/>
-                <a:cs typeface="+mn-lt"/>
-              </a:rPr>
-              <a:t>certa</a:t>
-            </a:r>
-            <a:r>
-              <a:rPr lang="en-US" sz="1600" spc="-5" dirty="0">
-                <a:latin typeface="Arial"/>
-                <a:ea typeface="+mn-lt"/>
-                <a:cs typeface="+mn-lt"/>
-              </a:rPr>
-              <a:t> </a:t>
-            </a:r>
-            <a:r>
-              <a:rPr lang="en-US" sz="1600" spc="-5" dirty="0" err="1">
-                <a:latin typeface="Arial"/>
-                <a:ea typeface="+mn-lt"/>
-                <a:cs typeface="+mn-lt"/>
-              </a:rPr>
-              <a:t>escassez</a:t>
-            </a:r>
-            <a:r>
-              <a:rPr lang="en-US" sz="1600" spc="-5" dirty="0">
-                <a:latin typeface="Arial"/>
-                <a:ea typeface="+mn-lt"/>
-                <a:cs typeface="+mn-lt"/>
-              </a:rPr>
-              <a:t> de </a:t>
-            </a:r>
-            <a:r>
-              <a:rPr lang="en-US" sz="1600" spc="-5" dirty="0" err="1">
-                <a:latin typeface="Arial"/>
-                <a:ea typeface="+mn-lt"/>
-                <a:cs typeface="+mn-lt"/>
-              </a:rPr>
-              <a:t>produtos</a:t>
-            </a:r>
-            <a:r>
-              <a:rPr lang="en-US" sz="1600" spc="-5" dirty="0">
-                <a:latin typeface="Arial"/>
-                <a:ea typeface="+mn-lt"/>
-                <a:cs typeface="+mn-lt"/>
-              </a:rPr>
-              <a:t> </a:t>
-            </a:r>
-            <a:r>
-              <a:rPr lang="en-US" sz="1600" spc="-5" dirty="0" err="1">
-                <a:latin typeface="Arial"/>
-                <a:ea typeface="+mn-lt"/>
-                <a:cs typeface="+mn-lt"/>
-              </a:rPr>
-              <a:t>relácionados</a:t>
-            </a:r>
-            <a:r>
-              <a:rPr lang="en-US" sz="1600" spc="-5" dirty="0">
-                <a:latin typeface="Arial"/>
-                <a:ea typeface="+mn-lt"/>
-                <a:cs typeface="+mn-lt"/>
-              </a:rPr>
-              <a:t> à </a:t>
-            </a:r>
-            <a:r>
-              <a:rPr lang="en-US" sz="1600" spc="-5" dirty="0" err="1">
-                <a:latin typeface="Arial"/>
-                <a:ea typeface="+mn-lt"/>
-                <a:cs typeface="+mn-lt"/>
-              </a:rPr>
-              <a:t>organização</a:t>
-            </a:r>
-            <a:r>
-              <a:rPr lang="en-US" sz="1600" spc="-5" dirty="0">
-                <a:latin typeface="Arial"/>
-                <a:ea typeface="+mn-lt"/>
-                <a:cs typeface="+mn-lt"/>
-              </a:rPr>
-              <a:t> de </a:t>
-            </a:r>
-            <a:r>
-              <a:rPr lang="en-US" sz="1600" spc="-5" dirty="0" err="1">
-                <a:latin typeface="Arial"/>
-                <a:ea typeface="+mn-lt"/>
-                <a:cs typeface="+mn-lt"/>
-              </a:rPr>
-              <a:t>leituras</a:t>
-            </a:r>
-            <a:r>
-              <a:rPr lang="en-US" sz="1600" spc="-5" dirty="0">
-                <a:latin typeface="Arial"/>
-                <a:ea typeface="+mn-lt"/>
-                <a:cs typeface="+mn-lt"/>
-              </a:rPr>
-              <a:t> para o </a:t>
-            </a:r>
-            <a:r>
-              <a:rPr lang="en-US" sz="1600" spc="-5" dirty="0" err="1">
-                <a:latin typeface="Arial"/>
-                <a:ea typeface="+mn-lt"/>
-                <a:cs typeface="+mn-lt"/>
-              </a:rPr>
-              <a:t>seguimento</a:t>
-            </a:r>
-            <a:r>
-              <a:rPr lang="en-US" sz="1600" spc="-5" dirty="0">
-                <a:latin typeface="Arial"/>
-                <a:ea typeface="+mn-lt"/>
-                <a:cs typeface="+mn-lt"/>
-              </a:rPr>
-              <a:t> de </a:t>
-            </a:r>
-            <a:r>
-              <a:rPr lang="en-US" sz="1600" spc="-5" dirty="0" err="1">
-                <a:latin typeface="Arial"/>
-                <a:ea typeface="+mn-lt"/>
-                <a:cs typeface="+mn-lt"/>
-              </a:rPr>
-              <a:t>quadrinhos</a:t>
-            </a:r>
-            <a:r>
-              <a:rPr lang="en-US" sz="1600" spc="-5" dirty="0">
-                <a:latin typeface="Arial"/>
-                <a:ea typeface="+mn-lt"/>
-                <a:cs typeface="+mn-lt"/>
-              </a:rPr>
-              <a:t> </a:t>
-            </a:r>
-            <a:r>
-              <a:rPr lang="en-US" sz="1600" spc="-5" dirty="0" err="1">
-                <a:latin typeface="Arial"/>
-                <a:ea typeface="+mn-lt"/>
-                <a:cs typeface="+mn-lt"/>
-              </a:rPr>
-              <a:t>na</a:t>
-            </a:r>
-            <a:r>
-              <a:rPr lang="en-US" sz="1600" spc="-5" dirty="0">
-                <a:latin typeface="Arial"/>
-                <a:ea typeface="+mn-lt"/>
-                <a:cs typeface="+mn-lt"/>
-              </a:rPr>
-              <a:t> lingua </a:t>
-            </a:r>
-            <a:r>
-              <a:rPr lang="en-US" sz="1600" spc="-5" dirty="0" err="1">
-                <a:latin typeface="Arial"/>
-                <a:ea typeface="+mn-lt"/>
-                <a:cs typeface="+mn-lt"/>
-              </a:rPr>
-              <a:t>portuguesa</a:t>
-            </a:r>
-            <a:r>
-              <a:rPr lang="en-US" sz="1600" spc="-5" dirty="0">
-                <a:latin typeface="Arial"/>
-                <a:ea typeface="+mn-lt"/>
-                <a:cs typeface="+mn-lt"/>
-              </a:rPr>
-              <a:t>.</a:t>
-            </a:r>
-            <a:endParaRPr lang="pt-BR" sz="1600" dirty="0">
+            <a:endParaRPr lang="en-US" sz="3000" spc="-5" dirty="0">
               <a:latin typeface="Arial"/>
               <a:ea typeface="+mn-lt"/>
-              <a:cs typeface="Arial"/>
+              <a:cs typeface="Calibri"/>
             </a:endParaRPr>
           </a:p>
           <a:p>
-            <a:pPr marL="12700" marR="5080">
+            <a:pPr marL="12700" marR="5080" algn="ctr">
               <a:spcBef>
                 <a:spcPts val="100"/>
               </a:spcBef>
@@ -2033,7 +1966,7 @@
               </a:tabLst>
             </a:pPr>
             <a:r>
-              <a:rPr lang="en-US" sz="1600" spc="-5" dirty="0">
+              <a:rPr lang="en-US" sz="3000" spc="-5" dirty="0">
                 <a:latin typeface="Arial"/>
                 <a:ea typeface="+mn-lt"/>
                 <a:cs typeface="+mn-lt"/>
@@ -2041,7 +1974,7 @@
               <a:t>Este </a:t>
             </a:r>
             <a:r>
-              <a:rPr lang="en-US" sz="1600" spc="-5" dirty="0" err="1">
+              <a:rPr lang="en-US" sz="3000" spc="-5" dirty="0" err="1">
                 <a:latin typeface="Arial"/>
                 <a:ea typeface="+mn-lt"/>
                 <a:cs typeface="+mn-lt"/>
@@ -2049,7 +1982,7 @@
               <a:t>projeto</a:t>
             </a:r>
             <a:r>
-              <a:rPr lang="en-US" sz="1600" spc="-5" dirty="0">
+              <a:rPr lang="en-US" sz="3000" spc="-5" dirty="0">
                 <a:latin typeface="Arial"/>
                 <a:ea typeface="+mn-lt"/>
                 <a:cs typeface="+mn-lt"/>
@@ -2057,7 +1990,7 @@
               <a:t> </a:t>
             </a:r>
             <a:r>
-              <a:rPr lang="en-US" sz="1600" spc="-5" dirty="0" err="1">
+              <a:rPr lang="en-US" sz="3000" spc="-5" dirty="0" err="1">
                 <a:latin typeface="Arial"/>
                 <a:ea typeface="+mn-lt"/>
                 <a:cs typeface="+mn-lt"/>
@@ -2065,7 +1998,7 @@
               <a:t>pretende</a:t>
             </a:r>
             <a:r>
-              <a:rPr lang="en-US" sz="1600" spc="-5" dirty="0">
+              <a:rPr lang="en-US" sz="3000" spc="-5" dirty="0">
                 <a:latin typeface="Arial"/>
                 <a:ea typeface="+mn-lt"/>
                 <a:cs typeface="+mn-lt"/>
@@ -2073,7 +2006,7 @@
               <a:t> </a:t>
             </a:r>
             <a:r>
-              <a:rPr lang="en-US" sz="1600" spc="-5" dirty="0" err="1">
+              <a:rPr lang="en-US" sz="3000" spc="-5" dirty="0" err="1">
                 <a:latin typeface="Arial"/>
                 <a:ea typeface="+mn-lt"/>
                 <a:cs typeface="+mn-lt"/>
@@ -2081,7 +2014,7 @@
               <a:t>atacar</a:t>
             </a:r>
             <a:r>
-              <a:rPr lang="en-US" sz="1600" spc="-5" dirty="0">
+              <a:rPr lang="en-US" sz="3000" spc="-5" dirty="0">
                 <a:latin typeface="Arial"/>
                 <a:ea typeface="+mn-lt"/>
                 <a:cs typeface="+mn-lt"/>
@@ -2089,253 +2022,21 @@
               <a:t> as </a:t>
             </a:r>
             <a:r>
-              <a:rPr lang="en-US" sz="1600" spc="-5" dirty="0" err="1">
+              <a:rPr lang="en-US" sz="3000" spc="-5" dirty="0" err="1">
                 <a:latin typeface="Arial"/>
                 <a:ea typeface="+mn-lt"/>
                 <a:cs typeface="+mn-lt"/>
               </a:rPr>
               <a:t>dificuldades</a:t>
             </a:r>
-            <a:r>
-              <a:rPr lang="en-US" sz="1600" spc="-5" dirty="0">
-                <a:latin typeface="Arial"/>
-                <a:ea typeface="+mn-lt"/>
-                <a:cs typeface="+mn-lt"/>
-              </a:rPr>
-              <a:t> </a:t>
-            </a:r>
-            <a:r>
-              <a:rPr lang="en-US" sz="1600" spc="-5" dirty="0" err="1">
-                <a:latin typeface="Arial"/>
-                <a:ea typeface="+mn-lt"/>
-                <a:cs typeface="+mn-lt"/>
-              </a:rPr>
-              <a:t>encontradas</a:t>
-            </a:r>
-            <a:r>
-              <a:rPr lang="en-US" sz="1600" spc="-5" dirty="0">
-                <a:latin typeface="Arial"/>
-                <a:ea typeface="+mn-lt"/>
-                <a:cs typeface="+mn-lt"/>
-              </a:rPr>
-              <a:t> </a:t>
-            </a:r>
-            <a:r>
-              <a:rPr lang="en-US" sz="1600" spc="-5" dirty="0" err="1">
-                <a:latin typeface="Arial"/>
-                <a:ea typeface="+mn-lt"/>
-                <a:cs typeface="+mn-lt"/>
-              </a:rPr>
-              <a:t>por</a:t>
-            </a:r>
-            <a:r>
-              <a:rPr lang="en-US" sz="1600" spc="-5" dirty="0">
-                <a:latin typeface="Arial"/>
-                <a:ea typeface="+mn-lt"/>
-                <a:cs typeface="+mn-lt"/>
-              </a:rPr>
-              <a:t> </a:t>
-            </a:r>
-            <a:r>
-              <a:rPr lang="en-US" sz="1600" spc="-5" dirty="0" err="1">
-                <a:latin typeface="Arial"/>
-                <a:ea typeface="+mn-lt"/>
-                <a:cs typeface="+mn-lt"/>
-              </a:rPr>
-              <a:t>leitores</a:t>
-            </a:r>
-            <a:r>
-              <a:rPr lang="en-US" sz="1600" spc="-5" dirty="0">
-                <a:latin typeface="Arial"/>
-                <a:ea typeface="+mn-lt"/>
-                <a:cs typeface="+mn-lt"/>
-              </a:rPr>
-              <a:t> </a:t>
-            </a:r>
-            <a:r>
-              <a:rPr lang="en-US" sz="1600" spc="-5" dirty="0" err="1">
-                <a:latin typeface="Arial"/>
-                <a:ea typeface="+mn-lt"/>
-                <a:cs typeface="+mn-lt"/>
-              </a:rPr>
-              <a:t>ávidos</a:t>
-            </a:r>
-            <a:r>
-              <a:rPr lang="pt-BR" sz="1600" spc="-5" dirty="0">
-                <a:latin typeface="Arial"/>
-                <a:ea typeface="+mn-lt"/>
-                <a:cs typeface="+mn-lt"/>
-              </a:rPr>
-              <a:t> </a:t>
-            </a:r>
-            <a:r>
-              <a:rPr lang="en-US" sz="1600" spc="-5" dirty="0">
-                <a:latin typeface="Arial"/>
-                <a:ea typeface="+mn-lt"/>
-                <a:cs typeface="+mn-lt"/>
-              </a:rPr>
-              <a:t> </a:t>
-            </a:r>
-            <a:r>
-              <a:rPr lang="en-US" sz="1600" spc="-5" dirty="0" err="1">
-                <a:latin typeface="Arial"/>
-                <a:ea typeface="+mn-lt"/>
-                <a:cs typeface="+mn-lt"/>
-              </a:rPr>
-              <a:t>deste</a:t>
-            </a:r>
-            <a:r>
-              <a:rPr lang="en-US" sz="1600" spc="-5" dirty="0">
-                <a:latin typeface="Arial"/>
-                <a:ea typeface="+mn-lt"/>
-                <a:cs typeface="+mn-lt"/>
-              </a:rPr>
-              <a:t> </a:t>
-            </a:r>
-            <a:r>
-              <a:rPr lang="en-US" sz="1600" spc="-5" dirty="0" err="1">
-                <a:latin typeface="Arial"/>
-                <a:ea typeface="+mn-lt"/>
-                <a:cs typeface="+mn-lt"/>
-              </a:rPr>
-              <a:t>nicho</a:t>
-            </a:r>
-            <a:r>
-              <a:rPr lang="en-US" sz="1600" spc="-5" dirty="0">
-                <a:latin typeface="Arial"/>
-                <a:ea typeface="+mn-lt"/>
-                <a:cs typeface="+mn-lt"/>
-              </a:rPr>
-              <a:t> </a:t>
-            </a:r>
-            <a:r>
-              <a:rPr lang="en-US" sz="1600" spc="-5" dirty="0" err="1">
-                <a:latin typeface="Arial"/>
-                <a:ea typeface="+mn-lt"/>
-                <a:cs typeface="+mn-lt"/>
-              </a:rPr>
-              <a:t>nomomento</a:t>
-            </a:r>
-            <a:r>
-              <a:rPr lang="en-US" sz="1600" spc="-5" dirty="0">
-                <a:latin typeface="Arial"/>
-                <a:ea typeface="+mn-lt"/>
-                <a:cs typeface="+mn-lt"/>
-              </a:rPr>
-              <a:t> de </a:t>
-            </a:r>
-            <a:r>
-              <a:rPr lang="en-US" sz="1600" spc="-5" dirty="0" err="1">
-                <a:latin typeface="Arial"/>
-                <a:ea typeface="+mn-lt"/>
-                <a:cs typeface="+mn-lt"/>
-              </a:rPr>
-              <a:t>organização</a:t>
-            </a:r>
-            <a:r>
-              <a:rPr lang="en-US" sz="1600" spc="-5" dirty="0">
-                <a:latin typeface="Arial"/>
-                <a:ea typeface="+mn-lt"/>
-                <a:cs typeface="+mn-lt"/>
-              </a:rPr>
-              <a:t> de </a:t>
-            </a:r>
-            <a:r>
-              <a:rPr lang="en-US" sz="1600" spc="-5" dirty="0" err="1">
-                <a:latin typeface="Arial"/>
-                <a:ea typeface="+mn-lt"/>
-                <a:cs typeface="+mn-lt"/>
-              </a:rPr>
-              <a:t>suas</a:t>
-            </a:r>
-            <a:r>
-              <a:rPr lang="en-US" sz="1600" spc="-5" dirty="0">
-                <a:latin typeface="Arial"/>
-                <a:ea typeface="+mn-lt"/>
-                <a:cs typeface="+mn-lt"/>
-              </a:rPr>
-              <a:t> </a:t>
-            </a:r>
-            <a:r>
-              <a:rPr lang="en-US" sz="1600" spc="-5" dirty="0" err="1">
-                <a:latin typeface="Arial"/>
-                <a:ea typeface="+mn-lt"/>
-                <a:cs typeface="+mn-lt"/>
-              </a:rPr>
-              <a:t>leituras</a:t>
-            </a:r>
-            <a:r>
-              <a:rPr lang="en-US" sz="1600" spc="-5" dirty="0">
-                <a:latin typeface="Arial"/>
-                <a:ea typeface="+mn-lt"/>
-                <a:cs typeface="+mn-lt"/>
-              </a:rPr>
-              <a:t>, visto que com o</a:t>
-            </a:r>
-            <a:r>
-              <a:rPr lang="pt-BR" sz="1600" spc="-5" dirty="0">
-                <a:latin typeface="Arial"/>
-                <a:ea typeface="+mn-lt"/>
-                <a:cs typeface="+mn-lt"/>
-              </a:rPr>
-              <a:t> </a:t>
-            </a:r>
-            <a:r>
-              <a:rPr lang="en-US" sz="1600" spc="-5" dirty="0" err="1">
-                <a:latin typeface="Arial"/>
-                <a:ea typeface="+mn-lt"/>
-                <a:cs typeface="+mn-lt"/>
-              </a:rPr>
-              <a:t>crescimento</a:t>
-            </a:r>
-            <a:r>
-              <a:rPr lang="en-US" sz="1600" spc="-5" dirty="0">
-                <a:latin typeface="Arial"/>
-                <a:ea typeface="+mn-lt"/>
-                <a:cs typeface="+mn-lt"/>
-              </a:rPr>
-              <a:t> de </a:t>
-            </a:r>
-            <a:r>
-              <a:rPr lang="en-US" sz="1600" spc="-5" dirty="0" err="1">
-                <a:latin typeface="Arial"/>
-                <a:ea typeface="+mn-lt"/>
-                <a:cs typeface="+mn-lt"/>
-              </a:rPr>
-              <a:t>suas</a:t>
-            </a:r>
-            <a:r>
-              <a:rPr lang="en-US" sz="1600" spc="-5" dirty="0">
-                <a:latin typeface="Arial"/>
-                <a:ea typeface="+mn-lt"/>
-                <a:cs typeface="+mn-lt"/>
-              </a:rPr>
-              <a:t> </a:t>
-            </a:r>
-            <a:r>
-              <a:rPr lang="en-US" sz="1600" spc="-5" dirty="0" err="1">
-                <a:latin typeface="Arial"/>
-                <a:ea typeface="+mn-lt"/>
-                <a:cs typeface="+mn-lt"/>
-              </a:rPr>
-              <a:t>coleções</a:t>
-            </a:r>
-            <a:r>
-              <a:rPr lang="en-US" sz="1600" spc="-5" dirty="0">
-                <a:latin typeface="Arial"/>
-                <a:ea typeface="+mn-lt"/>
-                <a:cs typeface="+mn-lt"/>
-              </a:rPr>
-              <a:t>, </a:t>
-            </a:r>
-            <a:endParaRPr lang="pt-BR" sz="1600" dirty="0">
+            <a:endParaRPr lang="pt-BR" sz="3000" dirty="0" err="1">
               <a:latin typeface="Arial"/>
               <a:ea typeface="+mn-lt"/>
               <a:cs typeface="Arial"/>
             </a:endParaRPr>
           </a:p>
           <a:p>
-            <a:pPr marL="12700" marR="5080">
+            <a:pPr marL="12700" marR="5080" algn="ctr">
               <a:spcBef>
                 <a:spcPts val="100"/>
               </a:spcBef>
@@ -2350,61 +2051,173 @@
               </a:tabLst>
             </a:pPr>
             <a:r>
-              <a:rPr lang="en-US" sz="1600" spc="-5" dirty="0" err="1">
+              <a:rPr lang="en-US" sz="3000" spc="-5" dirty="0">
                 <a:latin typeface="Arial"/>
                 <a:ea typeface="+mn-lt"/>
                 <a:cs typeface="+mn-lt"/>
               </a:rPr>
-              <a:t>formas</a:t>
-            </a:r>
-            <a:r>
-              <a:rPr lang="en-US" sz="1600" spc="-5" dirty="0">
+              <a:t> </a:t>
+            </a:r>
+            <a:r>
+              <a:rPr lang="en-US" sz="3000" spc="-5" dirty="0" err="1">
                 <a:latin typeface="Arial"/>
                 <a:ea typeface="+mn-lt"/>
                 <a:cs typeface="+mn-lt"/>
               </a:rPr>
-              <a:t> </a:t>
-            </a:r>
-            <a:r>
-              <a:rPr lang="en-US" sz="1600" spc="-5" dirty="0" err="1">
+              <a:t>encontradas</a:t>
+            </a:r>
+            <a:r>
+              <a:rPr lang="en-US" sz="3000" spc="-5" dirty="0">
                 <a:latin typeface="Arial"/>
                 <a:ea typeface="+mn-lt"/>
                 <a:cs typeface="+mn-lt"/>
               </a:rPr>
-              <a:t>alternativas</a:t>
-            </a:r>
-            <a:r>
-              <a:rPr lang="en-US" sz="1600" spc="-5" dirty="0">
+              <a:t> </a:t>
+            </a:r>
+            <a:r>
+              <a:rPr lang="en-US" sz="3000" spc="-5" dirty="0" err="1">
                 <a:latin typeface="Arial"/>
                 <a:ea typeface="+mn-lt"/>
                 <a:cs typeface="+mn-lt"/>
               </a:rPr>
-              <a:t> de </a:t>
-            </a:r>
-            <a:r>
-              <a:rPr lang="en-US" sz="1600" spc="-5" dirty="0" err="1">
+              <a:t>por</a:t>
+            </a:r>
+            <a:r>
+              <a:rPr lang="en-US" sz="3000" spc="-5" dirty="0">
                 <a:latin typeface="Arial"/>
                 <a:ea typeface="+mn-lt"/>
                 <a:cs typeface="+mn-lt"/>
               </a:rPr>
-              <a:t>organização</a:t>
-            </a:r>
-            <a:r>
-              <a:rPr lang="en-US" sz="1600" spc="-5" dirty="0">
+              <a:t> </a:t>
+            </a:r>
+            <a:r>
+              <a:rPr lang="en-US" sz="3000" spc="-5" dirty="0" err="1">
                 <a:latin typeface="Arial"/>
                 <a:ea typeface="+mn-lt"/>
                 <a:cs typeface="+mn-lt"/>
               </a:rPr>
-              <a:t>,</a:t>
-            </a:r>
-            <a:endParaRPr lang="pt-BR" sz="1600" dirty="0">
+              <a:t>leitores</a:t>
+            </a:r>
+            <a:r>
+              <a:rPr lang="en-US" sz="3000" spc="-5" dirty="0">
+                <a:latin typeface="Arial"/>
+                <a:ea typeface="+mn-lt"/>
+                <a:cs typeface="+mn-lt"/>
+              </a:rPr>
+              <a:t> </a:t>
+            </a:r>
+            <a:r>
+              <a:rPr lang="en-US" sz="3000" spc="-5" dirty="0" err="1">
+                <a:latin typeface="Arial"/>
+                <a:ea typeface="+mn-lt"/>
+                <a:cs typeface="+mn-lt"/>
+              </a:rPr>
+              <a:t>ávidos</a:t>
+            </a:r>
+            <a:r>
+              <a:rPr lang="pt-BR" sz="3000" spc="-5" dirty="0">
+                <a:latin typeface="Arial"/>
+                <a:ea typeface="+mn-lt"/>
+                <a:cs typeface="+mn-lt"/>
+              </a:rPr>
+              <a:t> </a:t>
+            </a:r>
+            <a:r>
+              <a:rPr lang="en-US" sz="3000" spc="-5" dirty="0">
+                <a:latin typeface="Arial"/>
+                <a:ea typeface="+mn-lt"/>
+                <a:cs typeface="+mn-lt"/>
+              </a:rPr>
+              <a:t>de </a:t>
+            </a:r>
+            <a:r>
+              <a:rPr lang="en-US" sz="3000" spc="-5" dirty="0" err="1">
+                <a:latin typeface="Arial"/>
+                <a:ea typeface="+mn-lt"/>
+                <a:cs typeface="+mn-lt"/>
+              </a:rPr>
+              <a:t>quadrinhos</a:t>
+            </a:r>
+            <a:r>
+              <a:rPr lang="en-US" sz="3000" spc="-5" dirty="0">
+                <a:latin typeface="Arial"/>
+                <a:ea typeface="+mn-lt"/>
+                <a:cs typeface="+mn-lt"/>
+              </a:rPr>
+              <a:t> no </a:t>
+            </a:r>
+            <a:r>
+              <a:rPr lang="en-US" sz="3000" spc="-5" dirty="0" err="1">
+                <a:latin typeface="Arial"/>
+                <a:ea typeface="+mn-lt"/>
+                <a:cs typeface="+mn-lt"/>
+              </a:rPr>
+              <a:t>momento</a:t>
+            </a:r>
+            <a:r>
+              <a:rPr lang="en-US" sz="3000" spc="-5" dirty="0">
+                <a:latin typeface="Arial"/>
+                <a:ea typeface="+mn-lt"/>
+                <a:cs typeface="+mn-lt"/>
+              </a:rPr>
+              <a:t> de </a:t>
+            </a:r>
+            <a:r>
+              <a:rPr lang="en-US" sz="3000" spc="-5" dirty="0" err="1">
+                <a:latin typeface="Arial"/>
+                <a:ea typeface="+mn-lt"/>
+                <a:cs typeface="+mn-lt"/>
+              </a:rPr>
+              <a:t>organização</a:t>
+            </a:r>
+            <a:r>
+              <a:rPr lang="en-US" sz="3000" spc="-5" dirty="0">
+                <a:latin typeface="Arial"/>
+                <a:ea typeface="+mn-lt"/>
+                <a:cs typeface="+mn-lt"/>
+              </a:rPr>
+              <a:t> de </a:t>
+            </a:r>
+            <a:r>
+              <a:rPr lang="en-US" sz="3000" spc="-5" dirty="0" err="1">
+                <a:latin typeface="Arial"/>
+                <a:ea typeface="+mn-lt"/>
+                <a:cs typeface="+mn-lt"/>
+              </a:rPr>
+              <a:t>suas</a:t>
+            </a:r>
+            <a:r>
+              <a:rPr lang="en-US" sz="3000" spc="-5" dirty="0">
+                <a:latin typeface="Arial"/>
+                <a:ea typeface="+mn-lt"/>
+                <a:cs typeface="+mn-lt"/>
+              </a:rPr>
+              <a:t> </a:t>
+            </a:r>
+            <a:r>
+              <a:rPr lang="en-US" sz="3000" spc="-5" dirty="0" err="1">
+                <a:latin typeface="Arial"/>
+                <a:ea typeface="+mn-lt"/>
+                <a:cs typeface="+mn-lt"/>
+              </a:rPr>
+              <a:t>leituras</a:t>
+            </a:r>
+            <a:r>
+              <a:rPr lang="en-US" sz="3000" spc="-5" dirty="0">
+                <a:latin typeface="Arial"/>
+                <a:ea typeface="+mn-lt"/>
+                <a:cs typeface="+mn-lt"/>
+              </a:rPr>
+              <a:t>, visto que </a:t>
+            </a:r>
+            <a:endParaRPr lang="pt-BR" sz="3000" dirty="0">
               <a:latin typeface="Arial"/>
               <a:ea typeface="+mn-lt"/>
               <a:cs typeface="Arial"/>
             </a:endParaRPr>
           </a:p>
           <a:p>
-            <a:pPr marL="12700" marR="5080">
+            <a:pPr marL="12700" marR="5080" algn="ctr">
               <a:spcBef>
                 <a:spcPts val="100"/>
               </a:spcBef>
@@ -2419,47 +2232,47 @@
               </a:tabLst>
             </a:pPr>
             <a:r>
-              <a:rPr lang="en-US" sz="1600" spc="-5" err="1">
+              <a:rPr lang="en-US" sz="3000" spc="-5" dirty="0">
                 <a:latin typeface="Arial"/>
                 <a:ea typeface="+mn-lt"/>
                 <a:cs typeface="+mn-lt"/>
               </a:rPr>
-              <a:t>independente</a:t>
-            </a:r>
-            <a:r>
-              <a:rPr lang="en-US" sz="1600" spc="-5" dirty="0">
+              <a:t>com o</a:t>
+            </a:r>
+            <a:r>
+              <a:rPr lang="pt-BR" sz="3000" spc="-5" dirty="0">
                 <a:latin typeface="Arial"/>
                 <a:ea typeface="+mn-lt"/>
                 <a:cs typeface="+mn-lt"/>
               </a:rPr>
-              <a:t> do </a:t>
-            </a:r>
-            <a:r>
-              <a:rPr lang="en-US" sz="1600" spc="-5" err="1">
+              <a:t> </a:t>
+            </a:r>
+            <a:r>
+              <a:rPr lang="en-US" sz="3000" spc="-5" dirty="0" err="1">
                 <a:latin typeface="Arial"/>
                 <a:ea typeface="+mn-lt"/>
                 <a:cs typeface="+mn-lt"/>
               </a:rPr>
-              <a:t>conteúdo</a:t>
-            </a:r>
-            <a:r>
-              <a:rPr lang="en-US" sz="1600" spc="-5" dirty="0">
+              <a:t>crescimento</a:t>
+            </a:r>
+            <a:r>
+              <a:rPr lang="en-US" sz="3000" spc="-5" dirty="0">
                 <a:latin typeface="Arial"/>
                 <a:ea typeface="+mn-lt"/>
                 <a:cs typeface="+mn-lt"/>
               </a:rPr>
-              <a:t> ser </a:t>
-            </a:r>
-            <a:r>
-              <a:rPr lang="en-US" sz="1600" spc="-5" err="1">
+              <a:t> de </a:t>
+            </a:r>
+            <a:r>
+              <a:rPr lang="en-US" sz="3000" spc="-5" dirty="0" err="1">
                 <a:latin typeface="Arial"/>
                 <a:ea typeface="+mn-lt"/>
                 <a:cs typeface="+mn-lt"/>
               </a:rPr>
-              <a:t>impresso</a:t>
-            </a:r>
-            <a:r>
-              <a:rPr lang="en-US" sz="1600" spc="-5" dirty="0">
+              <a:t>suas</a:t>
+            </a:r>
+            <a:r>
+              <a:rPr lang="en-US" sz="3000" spc="-5" dirty="0">
                 <a:latin typeface="Arial"/>
                 <a:ea typeface="+mn-lt"/>
                 <a:cs typeface="+mn-lt"/>
@@ -2467,31 +2280,52 @@
               <a:t> </a:t>
             </a:r>
             <a:r>
-              <a:rPr lang="en-US" sz="1600" spc="-5" err="1">
+              <a:rPr lang="en-US" sz="3000" spc="-5" dirty="0" err="1">
                 <a:latin typeface="Arial"/>
                 <a:ea typeface="+mn-lt"/>
                 <a:cs typeface="+mn-lt"/>
               </a:rPr>
-              <a:t>ou</a:t>
-            </a:r>
-            <a:r>
-              <a:rPr lang="en-US" sz="1600" spc="-5" dirty="0">
+              <a:t>coleções</a:t>
+            </a:r>
+            <a:r>
+              <a:rPr lang="en-US" sz="3000" spc="-5" dirty="0">
                 <a:latin typeface="Arial"/>
                 <a:ea typeface="+mn-lt"/>
                 <a:cs typeface="+mn-lt"/>
               </a:rPr>
-              <a:t> digital, se </a:t>
-            </a:r>
-            <a:r>
-              <a:rPr lang="en-US" sz="1600" spc="-5" err="1">
+              <a:t>, </a:t>
+            </a:r>
+            <a:endParaRPr lang="pt-BR" sz="3000" dirty="0">
+              <a:latin typeface="Arial"/>
+              <a:ea typeface="+mn-lt"/>
+              <a:cs typeface="Arial"/>
+            </a:endParaRPr>
+          </a:p>
+          <a:p>
+            <a:pPr marL="12700" marR="5080" algn="ctr">
+              <a:spcBef>
+                <a:spcPts val="100"/>
+              </a:spcBef>
+              <a:tabLst>
+                <a:tab pos="1474470" algn="l"/>
+                <a:tab pos="1957070" algn="l"/>
+                <a:tab pos="2669540" algn="l"/>
+                <a:tab pos="3863975" algn="l"/>
+                <a:tab pos="4794250" algn="l"/>
+                <a:tab pos="6191885" algn="l"/>
+                <a:tab pos="6675120" algn="l"/>
+              </a:tabLst>
+            </a:pPr>
+            <a:r>
+              <a:rPr lang="en-US" sz="3000" spc="-5" dirty="0" err="1">
                 <a:latin typeface="Arial"/>
                 <a:ea typeface="+mn-lt"/>
                 <a:cs typeface="+mn-lt"/>
               </a:rPr>
-              <a:t>comprova</a:t>
-            </a:r>
-            <a:r>
-              <a:rPr lang="en-US" sz="1600" spc="-5" dirty="0">
+              <a:t>formas</a:t>
+            </a:r>
+            <a:r>
+              <a:rPr lang="en-US" sz="3000" spc="-5" dirty="0">
                 <a:latin typeface="Arial"/>
                 <a:ea typeface="+mn-lt"/>
                 <a:cs typeface="+mn-lt"/>
@@ -2499,30 +2333,163 @@
               <a:t> </a:t>
             </a:r>
             <a:r>
-              <a:rPr lang="en-US" sz="1600" spc="-5" err="1">
+              <a:rPr lang="en-US" sz="3000" spc="-5" dirty="0" err="1">
                 <a:latin typeface="Arial"/>
                 <a:ea typeface="+mn-lt"/>
                 <a:cs typeface="+mn-lt"/>
               </a:rPr>
-              <a:t>necessário</a:t>
-            </a:r>
-            <a:r>
-              <a:rPr lang="en-US" sz="1600" spc="-5" dirty="0">
+              <a:t>alternativas</a:t>
+            </a:r>
+            <a:r>
+              <a:rPr lang="en-US" sz="3000" spc="-5" dirty="0">
                 <a:latin typeface="Arial"/>
                 <a:ea typeface="+mn-lt"/>
                 <a:cs typeface="+mn-lt"/>
               </a:rPr>
-              <a:t>.</a:t>
-            </a:r>
-            <a:r>
-              <a:rPr lang="pt-BR" sz="1600" spc="-5" dirty="0">
+              <a:t> de </a:t>
+            </a:r>
+            <a:r>
+              <a:rPr lang="en-US" sz="3000" spc="-5" dirty="0" err="1">
                 <a:latin typeface="Arial"/>
                 <a:ea typeface="+mn-lt"/>
                 <a:cs typeface="+mn-lt"/>
               </a:rPr>
+              <a:t>organização</a:t>
+            </a:r>
+            <a:r>
+              <a:rPr lang="en-US" sz="3000" spc="-5" dirty="0">
+                <a:latin typeface="Arial"/>
+                <a:ea typeface="+mn-lt"/>
+                <a:cs typeface="+mn-lt"/>
+              </a:rPr>
+              <a:t>,</a:t>
+            </a:r>
+            <a:endParaRPr lang="pt-BR" sz="3000">
+              <a:latin typeface="Arial"/>
+              <a:ea typeface="+mn-lt"/>
+              <a:cs typeface="Arial"/>
+            </a:endParaRPr>
+          </a:p>
+          <a:p>
+            <a:pPr marL="12700" marR="5080" algn="ctr">
+              <a:spcBef>
+                <a:spcPts val="100"/>
+              </a:spcBef>
+              <a:tabLst>
+                <a:tab pos="1474470" algn="l"/>
+                <a:tab pos="1957070" algn="l"/>
+                <a:tab pos="2669540" algn="l"/>
+                <a:tab pos="3863975" algn="l"/>
+                <a:tab pos="4794250" algn="l"/>
+                <a:tab pos="6191885" algn="l"/>
+                <a:tab pos="6675120" algn="l"/>
+              </a:tabLst>
+            </a:pPr>
+            <a:r>
+              <a:rPr lang="en-US" sz="3000" spc="-5" dirty="0" err="1">
+                <a:latin typeface="Arial"/>
+                <a:ea typeface="+mn-lt"/>
+                <a:cs typeface="+mn-lt"/>
+              </a:rPr>
+              <a:t>independente</a:t>
+            </a:r>
+            <a:r>
+              <a:rPr lang="en-US" sz="3000" spc="-5" dirty="0">
+                <a:latin typeface="Arial"/>
+                <a:ea typeface="+mn-lt"/>
+                <a:cs typeface="+mn-lt"/>
+              </a:rPr>
+              <a:t> do </a:t>
+            </a:r>
+            <a:r>
+              <a:rPr lang="en-US" sz="3000" spc="-5" dirty="0" err="1">
+                <a:latin typeface="Arial"/>
+                <a:ea typeface="+mn-lt"/>
+                <a:cs typeface="+mn-lt"/>
+              </a:rPr>
+              <a:t>conteúdo</a:t>
+            </a:r>
+            <a:r>
+              <a:rPr lang="en-US" sz="3000" spc="-5" dirty="0">
+                <a:latin typeface="Arial"/>
+                <a:ea typeface="+mn-lt"/>
+                <a:cs typeface="+mn-lt"/>
+              </a:rPr>
+              <a:t> ser </a:t>
+            </a:r>
+            <a:r>
+              <a:rPr lang="en-US" sz="3000" spc="-5" dirty="0" err="1">
+                <a:latin typeface="Arial"/>
+                <a:ea typeface="+mn-lt"/>
+                <a:cs typeface="+mn-lt"/>
+              </a:rPr>
+              <a:t>impresso</a:t>
+            </a:r>
+            <a:r>
+              <a:rPr lang="en-US" sz="3000" spc="-5" dirty="0">
+                <a:latin typeface="Arial"/>
+                <a:ea typeface="+mn-lt"/>
+                <a:cs typeface="+mn-lt"/>
+              </a:rPr>
               <a:t> </a:t>
             </a:r>
-            <a:endParaRPr lang="pt-BR" sz="1600" dirty="0">
+            <a:r>
+              <a:rPr lang="en-US" sz="3000" spc="-5" dirty="0" err="1">
+                <a:latin typeface="Arial"/>
+                <a:ea typeface="+mn-lt"/>
+                <a:cs typeface="+mn-lt"/>
+              </a:rPr>
+              <a:t>ou</a:t>
+            </a:r>
+            <a:r>
+              <a:rPr lang="en-US" sz="3000" spc="-5" dirty="0">
+                <a:latin typeface="Arial"/>
+                <a:ea typeface="+mn-lt"/>
+                <a:cs typeface="+mn-lt"/>
+              </a:rPr>
+              <a:t> digital, se </a:t>
+            </a:r>
+            <a:r>
+              <a:rPr lang="en-US" sz="3000" spc="-5" dirty="0" err="1">
+                <a:latin typeface="Arial"/>
+                <a:ea typeface="+mn-lt"/>
+                <a:cs typeface="+mn-lt"/>
+              </a:rPr>
+              <a:t>comprovam</a:t>
+            </a:r>
+            <a:r>
+              <a:rPr lang="en-US" sz="3000" spc="-5" dirty="0">
+                <a:latin typeface="Arial"/>
+                <a:ea typeface="+mn-lt"/>
+                <a:cs typeface="+mn-lt"/>
+              </a:rPr>
+              <a:t> </a:t>
+            </a:r>
+            <a:r>
+              <a:rPr lang="en-US" sz="3000" spc="-5" dirty="0" err="1">
+                <a:latin typeface="Arial"/>
+                <a:ea typeface="+mn-lt"/>
+                <a:cs typeface="+mn-lt"/>
+              </a:rPr>
+              <a:t>necessárias</a:t>
+            </a:r>
+            <a:r>
+              <a:rPr lang="en-US" sz="3000" spc="-5" dirty="0">
+                <a:latin typeface="Arial"/>
+                <a:ea typeface="+mn-lt"/>
+                <a:cs typeface="+mn-lt"/>
+              </a:rPr>
+              <a:t>.</a:t>
+            </a:r>
+            <a:r>
+              <a:rPr lang="pt-BR" sz="3000" spc="-5" dirty="0">
+                <a:latin typeface="Arial"/>
+                <a:ea typeface="+mn-lt"/>
+                <a:cs typeface="+mn-lt"/>
+              </a:rPr>
+              <a:t> </a:t>
+            </a:r>
+            <a:endParaRPr lang="pt-BR" sz="3200" dirty="0">
               <a:latin typeface="Arial"/>
               <a:cs typeface="Arial"/>
             </a:endParaRPr>
@@ -2737,79 +2704,76 @@
         </p:nvSpPr>
         <p:spPr>
           <a:xfrm>
-            <a:off x="574344" y="1284478"/>
-            <a:ext cx="7757795" cy="5146675"/>
+            <a:off x="218328" y="1425011"/>
+            <a:ext cx="8778999" cy="4628831"/>
           </a:xfrm>
           <a:prstGeom prst="rect">
             <a:avLst/>
           </a:prstGeom>
         </p:spPr>
         <p:txBody>
-          <a:bodyPr vert="horz" wrap="square" lIns="0" tIns="12065" rIns="0" bIns="0" rtlCol="0">
+          <a:bodyPr vert="horz" wrap="square" lIns="0" tIns="12065" rIns="0" bIns="0" rtlCol="0" anchor="t">
             <a:spAutoFit/>
           </a:bodyPr>
           <a:lstStyle/>
           <a:p>
-            <a:pPr marL="12700" marR="5080" algn="just">
-              <a:lnSpc>
-                <a:spcPct val="100000"/>
-              </a:lnSpc>
+            <a:pPr marL="12700" marR="5080" algn="ctr">
               <a:spcBef>
                 <a:spcPts val="95"/>
               </a:spcBef>
             </a:pPr>
             <a:r>
-              <a:rPr sz="1600" spc="-5" dirty="0">
+              <a:rPr sz="3000" spc="-5" dirty="0">
                 <a:solidFill>
                   <a:srgbClr val="FFFFFF"/>
                 </a:solidFill>
                 <a:latin typeface="Arial MT"/>
                 <a:cs typeface="Arial MT"/>
               </a:rPr>
-              <a:t>O foco deste projeto está no público de leitores de quadrinhos brasileiros, entre faixas </a:t>
-            </a:r>
-            <a:r>
-              <a:rPr sz="1600" spc="-430" dirty="0">
+              <a:t>O foco deste projeto está no público de leitores de quadrinhos brasileiros, entre faixas</a:t>
+            </a:r>
+            <a:r>
+              <a:rPr lang="pt-BR" sz="3000" spc="-5" dirty="0">
                 <a:solidFill>
                   <a:srgbClr val="FFFFFF"/>
                 </a:solidFill>
                 <a:latin typeface="Arial MT"/>
                 <a:cs typeface="Arial MT"/>
               </a:rPr>
-              <a:t> </a:t>
-            </a:r>
-            <a:r>
-              <a:rPr sz="1600" spc="-5" dirty="0">
+              <a:t> </a:t>
+            </a:r>
+            <a:r>
+              <a:rPr sz="3000" spc="-430" dirty="0">
                 <a:solidFill>
                   <a:srgbClr val="FFFFFF"/>
                 </a:solidFill>
                 <a:latin typeface="Arial MT"/>
                 <a:cs typeface="Arial MT"/>
               </a:rPr>
-              <a:t>etárias diversas, que encontram dificuldades ou limitações na hora de organizar suas </a:t>
-            </a:r>
-            <a:r>
-              <a:rPr sz="1600" dirty="0">
+              <a:t> </a:t>
+            </a:r>
+            <a:r>
+              <a:rPr sz="3000" spc="-5" dirty="0">
                 <a:solidFill>
                   <a:srgbClr val="FFFFFF"/>
                 </a:solidFill>
                 <a:latin typeface="Arial MT"/>
                 <a:cs typeface="Arial MT"/>
               </a:rPr>
-              <a:t> </a:t>
-            </a:r>
-            <a:r>
-              <a:rPr sz="1600" spc="-5" dirty="0">
+              <a:t>etárias diversas, que encontram dificuldades ou limitações na hora de organizar suas</a:t>
+            </a:r>
+            <a:r>
+              <a:rPr lang="pt-BR" sz="3000" spc="-5" dirty="0">
                 <a:solidFill>
                   <a:srgbClr val="FFFFFF"/>
                 </a:solidFill>
                 <a:latin typeface="Arial MT"/>
                 <a:cs typeface="Arial MT"/>
               </a:rPr>
-              <a:t>coleções</a:t>
-            </a:r>
-            <a:r>
-              <a:rPr sz="1600" spc="-10" dirty="0">
+              <a:t> </a:t>
+            </a:r>
+            <a:r>
+              <a:rPr sz="3000" dirty="0">
                 <a:solidFill>
                   <a:srgbClr val="FFFFFF"/>
                 </a:solidFill>
@@ -2819,17 +2783,17 @@
               <a:t> </a:t>
             </a:r>
             <a:r>
-              <a:rPr sz="1600" spc="-5" dirty="0">
+              <a:rPr sz="3000" spc="-5" dirty="0">
                 <a:solidFill>
                   <a:srgbClr val="FFFFFF"/>
                 </a:solidFill>
                 <a:latin typeface="Arial MT"/>
                 <a:cs typeface="Arial MT"/>
               </a:rPr>
-              <a:t>de</a:t>
-            </a:r>
-            <a:r>
-              <a:rPr sz="1600" spc="20" dirty="0">
+              <a:t>coleções</a:t>
+            </a:r>
+            <a:r>
+              <a:rPr sz="3000" spc="-10" dirty="0">
                 <a:solidFill>
                   <a:srgbClr val="FFFFFF"/>
                 </a:solidFill>
@@ -2839,17 +2803,17 @@
               <a:t> </a:t>
             </a:r>
             <a:r>
-              <a:rPr sz="1600" spc="-5" dirty="0">
+              <a:rPr sz="3000" spc="-5" dirty="0">
                 <a:solidFill>
                   <a:srgbClr val="FFFFFF"/>
                 </a:solidFill>
                 <a:latin typeface="Arial MT"/>
                 <a:cs typeface="Arial MT"/>
               </a:rPr>
-              <a:t>quadrinhos,</a:t>
-            </a:r>
-            <a:r>
-              <a:rPr sz="1600" spc="5" dirty="0">
+              <a:t>de</a:t>
+            </a:r>
+            <a:r>
+              <a:rPr sz="3000" spc="20" dirty="0">
                 <a:solidFill>
                   <a:srgbClr val="FFFFFF"/>
                 </a:solidFill>
@@ -2859,17 +2823,17 @@
               <a:t> </a:t>
             </a:r>
             <a:r>
-              <a:rPr sz="1600" spc="-5" dirty="0">
+              <a:rPr sz="3000" spc="-5" dirty="0">
                 <a:solidFill>
                   <a:srgbClr val="FFFFFF"/>
                 </a:solidFill>
                 <a:latin typeface="Arial MT"/>
                 <a:cs typeface="Arial MT"/>
               </a:rPr>
-              <a:t>sejam</a:t>
-            </a:r>
-            <a:r>
-              <a:rPr sz="1600" spc="10" dirty="0">
+              <a:t>quadrinhos,</a:t>
+            </a:r>
+            <a:r>
+              <a:rPr sz="3000" spc="5" dirty="0">
                 <a:solidFill>
                   <a:srgbClr val="FFFFFF"/>
                 </a:solidFill>
@@ -2879,17 +2843,17 @@
               <a:t> </a:t>
             </a:r>
             <a:r>
-              <a:rPr sz="1600" spc="-5" dirty="0">
+              <a:rPr sz="3000" spc="-5" dirty="0">
                 <a:solidFill>
                   <a:srgbClr val="FFFFFF"/>
                 </a:solidFill>
                 <a:latin typeface="Arial MT"/>
                 <a:cs typeface="Arial MT"/>
               </a:rPr>
-              <a:t>esses</a:t>
-            </a:r>
-            <a:r>
-              <a:rPr sz="1600" dirty="0">
+              <a:t>sejam</a:t>
+            </a:r>
+            <a:r>
+              <a:rPr sz="3000" spc="10" dirty="0">
                 <a:solidFill>
                   <a:srgbClr val="FFFFFF"/>
                 </a:solidFill>
@@ -2899,17 +2863,17 @@
               <a:t> </a:t>
             </a:r>
             <a:r>
-              <a:rPr sz="1600" spc="-5" dirty="0">
+              <a:rPr sz="3000" spc="-5" dirty="0">
                 <a:solidFill>
                   <a:srgbClr val="FFFFFF"/>
                 </a:solidFill>
                 <a:latin typeface="Arial MT"/>
                 <a:cs typeface="Arial MT"/>
               </a:rPr>
-              <a:t>impressos</a:t>
-            </a:r>
-            <a:r>
-              <a:rPr sz="1600" spc="10" dirty="0">
+              <a:t>esses</a:t>
+            </a:r>
+            <a:r>
+              <a:rPr sz="3000" dirty="0">
                 <a:solidFill>
                   <a:srgbClr val="FFFFFF"/>
                 </a:solidFill>
@@ -2919,17 +2883,17 @@
               <a:t> </a:t>
             </a:r>
             <a:r>
-              <a:rPr sz="1600" spc="-5" dirty="0">
+              <a:rPr sz="3000" spc="-5" dirty="0">
                 <a:solidFill>
                   <a:srgbClr val="FFFFFF"/>
                 </a:solidFill>
                 <a:latin typeface="Arial MT"/>
                 <a:cs typeface="Arial MT"/>
               </a:rPr>
-              <a:t>ou</a:t>
-            </a:r>
-            <a:r>
-              <a:rPr sz="1600" spc="25" dirty="0">
+              <a:t>impressos</a:t>
+            </a:r>
+            <a:r>
+              <a:rPr sz="3000" spc="10" dirty="0">
                 <a:solidFill>
                   <a:srgbClr val="FFFFFF"/>
                 </a:solidFill>
@@ -2939,17 +2903,17 @@
               <a:t> </a:t>
             </a:r>
             <a:r>
-              <a:rPr sz="1600" spc="-5" dirty="0">
+              <a:rPr sz="3000" spc="-5" dirty="0">
                 <a:solidFill>
                   <a:srgbClr val="FFFFFF"/>
                 </a:solidFill>
                 <a:latin typeface="Arial MT"/>
                 <a:cs typeface="Arial MT"/>
               </a:rPr>
-              <a:t>digitais,</a:t>
-            </a:r>
-            <a:r>
-              <a:rPr sz="1600" spc="-15" dirty="0">
+              <a:t>ou</a:t>
+            </a:r>
+            <a:r>
+              <a:rPr sz="3000" spc="25" dirty="0">
                 <a:solidFill>
                   <a:srgbClr val="FFFFFF"/>
                 </a:solidFill>
@@ -2959,17 +2923,17 @@
               <a:t> </a:t>
             </a:r>
             <a:r>
-              <a:rPr sz="1600" spc="-5" dirty="0">
+              <a:rPr sz="3000" spc="-5" dirty="0">
                 <a:solidFill>
                   <a:srgbClr val="FFFFFF"/>
                 </a:solidFill>
                 <a:latin typeface="Arial MT"/>
                 <a:cs typeface="Arial MT"/>
               </a:rPr>
-              <a:t>e</a:t>
-            </a:r>
-            <a:r>
-              <a:rPr sz="1600" spc="25" dirty="0">
+              <a:t>digitais,</a:t>
+            </a:r>
+            <a:r>
+              <a:rPr sz="3000" spc="-15" dirty="0">
                 <a:solidFill>
                   <a:srgbClr val="FFFFFF"/>
                 </a:solidFill>
@@ -2979,17 +2943,17 @@
               <a:t> </a:t>
             </a:r>
             <a:r>
-              <a:rPr sz="1600" spc="-5" dirty="0">
+              <a:rPr sz="3000" spc="-5" dirty="0">
                 <a:solidFill>
                   <a:srgbClr val="FFFFFF"/>
                 </a:solidFill>
                 <a:latin typeface="Arial MT"/>
                 <a:cs typeface="Arial MT"/>
               </a:rPr>
-              <a:t>organizar</a:t>
-            </a:r>
-            <a:r>
-              <a:rPr sz="1600" spc="5" dirty="0">
+              <a:t>e</a:t>
+            </a:r>
+            <a:r>
+              <a:rPr sz="3000" spc="25" dirty="0">
                 <a:solidFill>
                   <a:srgbClr val="FFFFFF"/>
                 </a:solidFill>
@@ -2999,17 +2963,17 @@
               <a:t> </a:t>
             </a:r>
             <a:r>
-              <a:rPr sz="1600" spc="-5" dirty="0">
+              <a:rPr sz="3000" spc="-5" dirty="0">
                 <a:solidFill>
                   <a:srgbClr val="FFFFFF"/>
                 </a:solidFill>
                 <a:latin typeface="Arial MT"/>
                 <a:cs typeface="Arial MT"/>
               </a:rPr>
-              <a:t>suas</a:t>
-            </a:r>
-            <a:r>
-              <a:rPr sz="1600" spc="15" dirty="0">
+              <a:t>organizar</a:t>
+            </a:r>
+            <a:r>
+              <a:rPr sz="3000" spc="5" dirty="0">
                 <a:solidFill>
                   <a:srgbClr val="FFFFFF"/>
                 </a:solidFill>
@@ -3019,42 +2983,44 @@
               <a:t> </a:t>
             </a:r>
             <a:r>
-              <a:rPr sz="1600" spc="-5" dirty="0">
+              <a:rPr sz="3000" spc="-5" dirty="0">
                 <a:solidFill>
                   <a:srgbClr val="FFFFFF"/>
                 </a:solidFill>
                 <a:latin typeface="Arial MT"/>
                 <a:cs typeface="Arial MT"/>
               </a:rPr>
+              <a:t>suas</a:t>
+            </a:r>
+            <a:r>
+              <a:rPr sz="3000" spc="15" dirty="0">
+                <a:solidFill>
+                  <a:srgbClr val="FFFFFF"/>
+                </a:solidFill>
+                <a:latin typeface="Arial MT"/>
+                <a:cs typeface="Arial MT"/>
+              </a:rPr>
+              <a:t> </a:t>
+            </a:r>
+            <a:r>
+              <a:rPr sz="3000" spc="-5" dirty="0">
+                <a:solidFill>
+                  <a:srgbClr val="FFFFFF"/>
+                </a:solidFill>
+                <a:latin typeface="Arial MT"/>
+                <a:cs typeface="Arial MT"/>
+              </a:rPr>
               <a:t>leituras.</a:t>
             </a:r>
-            <a:endParaRPr sz="1600">
+            <a:endParaRPr lang="pt-BR" sz="3000" dirty="0">
               <a:latin typeface="Arial MT"/>
               <a:cs typeface="Arial MT"/>
             </a:endParaRPr>
           </a:p>
           <a:p>
-            <a:pPr>
-              <a:lnSpc>
-                <a:spcPct val="100000"/>
-              </a:lnSpc>
-              <a:spcBef>
-                <a:spcPts val="25"/>
-              </a:spcBef>
-            </a:pPr>
-            <a:endParaRPr sz="1650">
-              <a:latin typeface="Arial MT"/>
-              <a:cs typeface="Arial MT"/>
-            </a:endParaRPr>
-          </a:p>
-          <a:p>
-            <a:pPr marL="12700" marR="225425">
-              <a:lnSpc>
-                <a:spcPct val="100000"/>
-              </a:lnSpc>
-            </a:pPr>
-            <a:r>
-              <a:rPr sz="1600" spc="-5" dirty="0">
+            <a:pPr marL="12700" marR="225425" algn="ctr"/>
+            <a:r>
+              <a:rPr sz="3000" spc="-5" dirty="0">
                 <a:solidFill>
                   <a:srgbClr val="FFFFFF"/>
                 </a:solidFill>
@@ -3064,7 +3030,7 @@
               <a:t>De</a:t>
             </a:r>
             <a:r>
-              <a:rPr sz="1600" dirty="0">
+              <a:rPr sz="3000" dirty="0">
                 <a:solidFill>
                   <a:srgbClr val="FFFFFF"/>
                 </a:solidFill>
@@ -3074,7 +3040,7 @@
               <a:t> </a:t>
             </a:r>
             <a:r>
-              <a:rPr sz="1600" spc="-5" dirty="0">
+              <a:rPr sz="3000" spc="-5" dirty="0">
                 <a:solidFill>
                   <a:srgbClr val="FFFFFF"/>
                 </a:solidFill>
@@ -3084,7 +3050,7 @@
               <a:t>forma</a:t>
             </a:r>
             <a:r>
-              <a:rPr sz="1600" spc="30" dirty="0">
+              <a:rPr sz="3000" spc="30" dirty="0">
                 <a:solidFill>
                   <a:srgbClr val="FFFFFF"/>
                 </a:solidFill>
@@ -3094,7 +3060,7 @@
               <a:t> </a:t>
             </a:r>
             <a:r>
-              <a:rPr sz="1600" spc="-5" dirty="0">
+              <a:rPr sz="3000" spc="-5" dirty="0">
                 <a:solidFill>
                   <a:srgbClr val="FFFFFF"/>
                 </a:solidFill>
@@ -3104,7 +3070,7 @@
               <a:t>a</a:t>
             </a:r>
             <a:r>
-              <a:rPr sz="1600" spc="15" dirty="0">
+              <a:rPr sz="3000" spc="15" dirty="0">
                 <a:solidFill>
                   <a:srgbClr val="FFFFFF"/>
                 </a:solidFill>
@@ -3114,7 +3080,7 @@
               <a:t> </a:t>
             </a:r>
             <a:r>
-              <a:rPr sz="1600" spc="-5" dirty="0">
+              <a:rPr sz="3000" spc="-5" dirty="0" err="1">
                 <a:solidFill>
                   <a:srgbClr val="FFFFFF"/>
                 </a:solidFill>
@@ -3124,7 +3090,7 @@
               <a:t>conhecer</a:t>
             </a:r>
             <a:r>
-              <a:rPr sz="1600" spc="5" dirty="0">
+              <a:rPr sz="3000" spc="5" dirty="0">
                 <a:solidFill>
                   <a:srgbClr val="FFFFFF"/>
                 </a:solidFill>
@@ -3134,7 +3100,7 @@
               <a:t> </a:t>
             </a:r>
             <a:r>
-              <a:rPr sz="1600" spc="-5" dirty="0">
+              <a:rPr sz="3000" spc="-5" dirty="0" err="1">
                 <a:solidFill>
                   <a:srgbClr val="FFFFFF"/>
                 </a:solidFill>
@@ -3144,7 +3110,7 @@
               <a:t>melhor</a:t>
             </a:r>
             <a:r>
-              <a:rPr sz="1600" spc="10" dirty="0">
+              <a:rPr sz="3000" spc="10" dirty="0">
                 <a:solidFill>
                   <a:srgbClr val="FFFFFF"/>
                 </a:solidFill>
@@ -3154,7 +3120,7 @@
               <a:t> </a:t>
             </a:r>
             <a:r>
-              <a:rPr sz="1600" spc="-5" dirty="0">
+              <a:rPr sz="3000" spc="-5" dirty="0" err="1">
                 <a:solidFill>
                   <a:srgbClr val="FFFFFF"/>
                 </a:solidFill>
@@ -3164,7 +3130,7 @@
               <a:t>nosso</a:t>
             </a:r>
             <a:r>
-              <a:rPr sz="1600" spc="5" dirty="0">
+              <a:rPr sz="3000" spc="5" dirty="0">
                 <a:solidFill>
                   <a:srgbClr val="FFFFFF"/>
                 </a:solidFill>
@@ -3174,217 +3140,217 @@
               <a:t> </a:t>
             </a:r>
             <a:r>
-              <a:rPr sz="1600" dirty="0">
+              <a:rPr sz="3000" dirty="0" err="1">
                 <a:solidFill>
                   <a:srgbClr val="FFFFFF"/>
                 </a:solidFill>
                 <a:latin typeface="Arial MT"/>
                 <a:cs typeface="Arial MT"/>
               </a:rPr>
-              <a:t>público-alvo,</a:t>
-            </a:r>
-            <a:r>
-              <a:rPr sz="1600" spc="-20" dirty="0">
+              <a:t>público-alvo</a:t>
+            </a:r>
+            <a:r>
+              <a:rPr sz="3000" dirty="0">
                 <a:solidFill>
                   <a:srgbClr val="FFFFFF"/>
                 </a:solidFill>
                 <a:latin typeface="Arial MT"/>
                 <a:cs typeface="Arial MT"/>
               </a:rPr>
-              <a:t> </a:t>
-            </a:r>
-            <a:r>
-              <a:rPr sz="1600" spc="-5" dirty="0">
+              <a:t>,</a:t>
+            </a:r>
+            <a:r>
+              <a:rPr sz="3000" spc="-20" dirty="0">
                 <a:solidFill>
                   <a:srgbClr val="FFFFFF"/>
                 </a:solidFill>
                 <a:latin typeface="Arial MT"/>
                 <a:cs typeface="Arial MT"/>
               </a:rPr>
-              <a:t>suas</a:t>
-            </a:r>
-            <a:r>
-              <a:rPr sz="1600" spc="15" dirty="0">
+              <a:t> </a:t>
+            </a:r>
+            <a:r>
+              <a:rPr sz="3000" spc="-5" dirty="0" err="1">
                 <a:solidFill>
                   <a:srgbClr val="FFFFFF"/>
                 </a:solidFill>
                 <a:latin typeface="Arial MT"/>
                 <a:cs typeface="Arial MT"/>
               </a:rPr>
-              <a:t> </a:t>
-            </a:r>
-            <a:r>
-              <a:rPr sz="1600" spc="-5" dirty="0">
+              <a:t>realizamos</a:t>
+            </a:r>
+            <a:r>
+              <a:rPr sz="3000" spc="10" dirty="0">
                 <a:solidFill>
                   <a:srgbClr val="FFFFFF"/>
                 </a:solidFill>
                 <a:latin typeface="Arial MT"/>
                 <a:cs typeface="Arial MT"/>
               </a:rPr>
-              <a:t>necessidades,</a:t>
-            </a:r>
-            <a:r>
-              <a:rPr sz="1600" spc="-10" dirty="0">
+              <a:t> </a:t>
+            </a:r>
+            <a:r>
+              <a:rPr sz="3000" spc="-5" dirty="0" err="1">
                 <a:solidFill>
                   <a:srgbClr val="FFFFFF"/>
                 </a:solidFill>
                 <a:latin typeface="Arial MT"/>
                 <a:cs typeface="Arial MT"/>
               </a:rPr>
-              <a:t> </a:t>
-            </a:r>
-            <a:r>
-              <a:rPr sz="1600" spc="-5" dirty="0">
+              <a:t>uma</a:t>
+            </a:r>
+            <a:r>
+              <a:rPr sz="3000" spc="25" dirty="0">
                 <a:solidFill>
                   <a:srgbClr val="FFFFFF"/>
                 </a:solidFill>
                 <a:latin typeface="Arial MT"/>
                 <a:cs typeface="Arial MT"/>
               </a:rPr>
-              <a:t>costumes</a:t>
-            </a:r>
-            <a:r>
-              <a:rPr sz="1600" spc="10" dirty="0">
+              <a:t> </a:t>
+            </a:r>
+            <a:r>
+              <a:rPr sz="3000" spc="-5" dirty="0" err="1">
                 <a:solidFill>
                   <a:srgbClr val="FFFFFF"/>
                 </a:solidFill>
                 <a:latin typeface="Arial MT"/>
                 <a:cs typeface="Arial MT"/>
               </a:rPr>
-              <a:t> </a:t>
-            </a:r>
-            <a:r>
-              <a:rPr sz="1600" spc="-5" dirty="0">
+              <a:t>pesquisa</a:t>
+            </a:r>
+            <a:r>
+              <a:rPr sz="3000" dirty="0">
                 <a:solidFill>
                   <a:srgbClr val="FFFFFF"/>
                 </a:solidFill>
                 <a:latin typeface="Arial MT"/>
                 <a:cs typeface="Arial MT"/>
               </a:rPr>
-              <a:t>e </a:t>
-            </a:r>
-            <a:r>
-              <a:rPr sz="1600" dirty="0">
+              <a:t> </a:t>
+            </a:r>
+            <a:r>
+              <a:rPr sz="3000" spc="-5" dirty="0">
                 <a:solidFill>
                   <a:srgbClr val="FFFFFF"/>
                 </a:solidFill>
                 <a:latin typeface="Arial MT"/>
                 <a:cs typeface="Arial MT"/>
               </a:rPr>
-              <a:t> </a:t>
-            </a:r>
-            <a:r>
-              <a:rPr sz="1600" spc="-5" dirty="0">
+              <a:t>com</a:t>
+            </a:r>
+            <a:r>
+              <a:rPr sz="3000" spc="10" dirty="0">
                 <a:solidFill>
                   <a:srgbClr val="FFFFFF"/>
                 </a:solidFill>
                 <a:latin typeface="Arial MT"/>
                 <a:cs typeface="Arial MT"/>
               </a:rPr>
-              <a:t>opiniões, realizamos</a:t>
-            </a:r>
-            <a:r>
-              <a:rPr sz="1600" spc="10" dirty="0">
+              <a:t> </a:t>
+            </a:r>
+            <a:r>
+              <a:rPr sz="3000" spc="-5" dirty="0" err="1">
                 <a:solidFill>
                   <a:srgbClr val="FFFFFF"/>
                 </a:solidFill>
                 <a:latin typeface="Arial MT"/>
                 <a:cs typeface="Arial MT"/>
               </a:rPr>
-              <a:t> </a:t>
-            </a:r>
-            <a:r>
-              <a:rPr sz="1600" spc="-5" dirty="0">
+              <a:t>formulário</a:t>
+            </a:r>
+            <a:r>
+              <a:rPr sz="3000" spc="35" dirty="0">
                 <a:solidFill>
                   <a:srgbClr val="FFFFFF"/>
                 </a:solidFill>
                 <a:latin typeface="Arial MT"/>
                 <a:cs typeface="Arial MT"/>
               </a:rPr>
-              <a:t>uma</a:t>
-            </a:r>
-            <a:r>
-              <a:rPr sz="1600" spc="25" dirty="0">
+              <a:t> </a:t>
+            </a:r>
+            <a:r>
+              <a:rPr sz="3000" spc="-5" dirty="0">
                 <a:solidFill>
                   <a:srgbClr val="FFFFFF"/>
                 </a:solidFill>
                 <a:latin typeface="Arial MT"/>
                 <a:cs typeface="Arial MT"/>
               </a:rPr>
-              <a:t> </a:t>
-            </a:r>
-            <a:r>
-              <a:rPr sz="1600" spc="-5" dirty="0">
+              <a:t>e</a:t>
+            </a:r>
+            <a:r>
+              <a:rPr sz="3000" spc="40" dirty="0">
                 <a:solidFill>
                   <a:srgbClr val="FFFFFF"/>
                 </a:solidFill>
                 <a:latin typeface="Arial MT"/>
                 <a:cs typeface="Arial MT"/>
               </a:rPr>
-              <a:t>pesquisa</a:t>
-            </a:r>
-            <a:r>
-              <a:rPr sz="1600" dirty="0">
+              <a:t> </a:t>
+            </a:r>
+            <a:r>
+              <a:rPr sz="3000" spc="-5" dirty="0" err="1">
                 <a:solidFill>
                   <a:srgbClr val="FFFFFF"/>
                 </a:solidFill>
                 <a:latin typeface="Arial MT"/>
                 <a:cs typeface="Arial MT"/>
               </a:rPr>
-              <a:t> </a:t>
-            </a:r>
-            <a:r>
-              <a:rPr sz="1600" spc="-5" dirty="0">
+              <a:t>encontramos</a:t>
+            </a:r>
+            <a:r>
+              <a:rPr sz="3000" spc="30" dirty="0">
                 <a:solidFill>
                   <a:srgbClr val="FFFFFF"/>
                 </a:solidFill>
                 <a:latin typeface="Arial MT"/>
                 <a:cs typeface="Arial MT"/>
               </a:rPr>
-              <a:t>com</a:t>
-            </a:r>
-            <a:r>
-              <a:rPr sz="1600" spc="10" dirty="0">
+              <a:t> </a:t>
+            </a:r>
+            <a:r>
+              <a:rPr sz="3000" spc="-5" dirty="0">
                 <a:solidFill>
                   <a:srgbClr val="FFFFFF"/>
                 </a:solidFill>
                 <a:latin typeface="Arial MT"/>
                 <a:cs typeface="Arial MT"/>
               </a:rPr>
-              <a:t> </a:t>
-            </a:r>
-            <a:r>
-              <a:rPr sz="1600" spc="-5" dirty="0">
+              <a:t>características</a:t>
+            </a:r>
+            <a:r>
+              <a:rPr sz="3000" spc="30" dirty="0">
                 <a:solidFill>
                   <a:srgbClr val="FFFFFF"/>
                 </a:solidFill>
                 <a:latin typeface="Arial MT"/>
                 <a:cs typeface="Arial MT"/>
               </a:rPr>
-              <a:t>formulário</a:t>
-            </a:r>
-            <a:r>
-              <a:rPr sz="1600" spc="35" dirty="0">
+              <a:t> </a:t>
+            </a:r>
+            <a:r>
+              <a:rPr sz="3000" spc="-5" dirty="0">
                 <a:solidFill>
                   <a:srgbClr val="FFFFFF"/>
                 </a:solidFill>
                 <a:latin typeface="Arial MT"/>
                 <a:cs typeface="Arial MT"/>
               </a:rPr>
-              <a:t> </a:t>
-            </a:r>
-            <a:r>
-              <a:rPr sz="1600" spc="-5" dirty="0">
+              <a:t>e</a:t>
+            </a:r>
+            <a:r>
+              <a:rPr lang="pt-BR" sz="3000" spc="-5" dirty="0">
                 <a:solidFill>
                   <a:srgbClr val="FFFFFF"/>
                 </a:solidFill>
                 <a:latin typeface="Arial MT"/>
                 <a:cs typeface="Arial MT"/>
               </a:rPr>
-              <a:t>e</a:t>
-            </a:r>
-            <a:r>
-              <a:rPr sz="1600" spc="40" dirty="0">
+              <a:t> </a:t>
+            </a:r>
+            <a:r>
+              <a:rPr sz="3000" spc="-430" dirty="0">
                 <a:solidFill>
                   <a:srgbClr val="FFFFFF"/>
                 </a:solidFill>
@@ -3394,17 +3360,17 @@
               <a:t> </a:t>
             </a:r>
             <a:r>
-              <a:rPr sz="1600" spc="-5" dirty="0">
+              <a:rPr sz="3000" spc="-5" dirty="0">
                 <a:solidFill>
                   <a:srgbClr val="FFFFFF"/>
                 </a:solidFill>
                 <a:latin typeface="Arial MT"/>
                 <a:cs typeface="Arial MT"/>
               </a:rPr>
-              <a:t>encontramos</a:t>
-            </a:r>
-            <a:r>
-              <a:rPr sz="1600" spc="30" dirty="0">
+              <a:t>necessidades</a:t>
+            </a:r>
+            <a:r>
+              <a:rPr sz="3000" spc="-20" dirty="0">
                 <a:solidFill>
                   <a:srgbClr val="FFFFFF"/>
                 </a:solidFill>
@@ -3414,17 +3380,17 @@
               <a:t> </a:t>
             </a:r>
             <a:r>
-              <a:rPr sz="1600" spc="-5" dirty="0">
+              <a:rPr sz="3000" spc="-5" dirty="0">
                 <a:solidFill>
                   <a:srgbClr val="FFFFFF"/>
                 </a:solidFill>
                 <a:latin typeface="Arial MT"/>
                 <a:cs typeface="Arial MT"/>
               </a:rPr>
-              <a:t>características</a:t>
-            </a:r>
-            <a:r>
-              <a:rPr sz="1600" spc="30" dirty="0">
+              <a:t>em</a:t>
+            </a:r>
+            <a:r>
+              <a:rPr sz="3000" spc="10" dirty="0">
                 <a:solidFill>
                   <a:srgbClr val="FFFFFF"/>
                 </a:solidFill>
@@ -3434,17 +3400,17 @@
               <a:t> </a:t>
             </a:r>
             <a:r>
-              <a:rPr sz="1600" spc="-5" dirty="0">
+              <a:rPr sz="3000" spc="-5" dirty="0">
                 <a:solidFill>
                   <a:srgbClr val="FFFFFF"/>
                 </a:solidFill>
                 <a:latin typeface="Arial MT"/>
                 <a:cs typeface="Arial MT"/>
               </a:rPr>
-              <a:t>e </a:t>
-            </a:r>
-            <a:r>
-              <a:rPr sz="1600" spc="-430" dirty="0">
+              <a:t>comum</a:t>
+            </a:r>
+            <a:r>
+              <a:rPr sz="3000" spc="15" dirty="0">
                 <a:solidFill>
                   <a:srgbClr val="FFFFFF"/>
                 </a:solidFill>
@@ -3454,17 +3420,17 @@
               <a:t> </a:t>
             </a:r>
             <a:r>
-              <a:rPr sz="1600" spc="-5" dirty="0">
+              <a:rPr sz="3000" spc="-5" dirty="0">
                 <a:solidFill>
                   <a:srgbClr val="FFFFFF"/>
                 </a:solidFill>
                 <a:latin typeface="Arial MT"/>
                 <a:cs typeface="Arial MT"/>
               </a:rPr>
-              <a:t>necessidades</a:t>
-            </a:r>
-            <a:r>
-              <a:rPr sz="1600" spc="-20" dirty="0">
+              <a:t>entre</a:t>
+            </a:r>
+            <a:r>
+              <a:rPr sz="3000" spc="15" dirty="0">
                 <a:solidFill>
                   <a:srgbClr val="FFFFFF"/>
                 </a:solidFill>
@@ -3474,17 +3440,17 @@
               <a:t> </a:t>
             </a:r>
             <a:r>
-              <a:rPr sz="1600" spc="-5" dirty="0">
+              <a:rPr sz="3000" spc="-5" dirty="0">
                 <a:solidFill>
                   <a:srgbClr val="FFFFFF"/>
                 </a:solidFill>
                 <a:latin typeface="Arial MT"/>
                 <a:cs typeface="Arial MT"/>
               </a:rPr>
-              <a:t>em</a:t>
-            </a:r>
-            <a:r>
-              <a:rPr sz="1600" spc="10" dirty="0">
+              <a:t>esses</a:t>
+            </a:r>
+            <a:r>
+              <a:rPr sz="3000" spc="-10" dirty="0">
                 <a:solidFill>
                   <a:srgbClr val="FFFFFF"/>
                 </a:solidFill>
@@ -3494,2366 +3460,29 @@
               <a:t> </a:t>
             </a:r>
             <a:r>
-              <a:rPr sz="1600" spc="-5" dirty="0">
+              <a:rPr sz="3000" spc="-5" dirty="0" err="1">
                 <a:solidFill>
                   <a:srgbClr val="FFFFFF"/>
                 </a:solidFill>
                 <a:latin typeface="Arial MT"/>
                 <a:cs typeface="Arial MT"/>
               </a:rPr>
-              <a:t>comum</a:t>
-            </a:r>
-            <a:r>
-              <a:rPr sz="1600" spc="15" dirty="0">
+              <a:t>leitores</a:t>
+            </a:r>
+            <a:r>
+              <a:rPr lang="pt-BR" sz="3000" spc="-5" dirty="0">
                 <a:solidFill>
                   <a:srgbClr val="FFFFFF"/>
                 </a:solidFill>
                 <a:latin typeface="Arial MT"/>
                 <a:cs typeface="Arial MT"/>
               </a:rPr>
-              <a:t> </a:t>
-            </a:r>
-            <a:r>
-              <a:rPr sz="1600" spc="-5" dirty="0">
-                <a:solidFill>
-                  <a:srgbClr val="FFFFFF"/>
-                </a:solidFill>
-                <a:latin typeface="Arial MT"/>
-                <a:cs typeface="Arial MT"/>
-              </a:rPr>
-              <a:t>entre</a:t>
-            </a:r>
-            <a:r>
-              <a:rPr sz="1600" spc="15" dirty="0">
-                <a:solidFill>
-                  <a:srgbClr val="FFFFFF"/>
-                </a:solidFill>
-                <a:latin typeface="Arial MT"/>
-                <a:cs typeface="Arial MT"/>
-              </a:rPr>
-              <a:t> </a:t>
-            </a:r>
-            <a:r>
-              <a:rPr sz="1600" spc="-5" dirty="0">
-                <a:solidFill>
-                  <a:srgbClr val="FFFFFF"/>
-                </a:solidFill>
-                <a:latin typeface="Arial MT"/>
-                <a:cs typeface="Arial MT"/>
-              </a:rPr>
-              <a:t>esses</a:t>
-            </a:r>
-            <a:r>
-              <a:rPr sz="1600" spc="-10" dirty="0">
-                <a:solidFill>
-                  <a:srgbClr val="FFFFFF"/>
-                </a:solidFill>
-                <a:latin typeface="Arial MT"/>
-                <a:cs typeface="Arial MT"/>
-              </a:rPr>
-              <a:t> </a:t>
-            </a:r>
-            <a:r>
-              <a:rPr sz="1600" spc="-5" dirty="0">
-                <a:solidFill>
-                  <a:srgbClr val="FFFFFF"/>
-                </a:solidFill>
-                <a:latin typeface="Arial MT"/>
-                <a:cs typeface="Arial MT"/>
-              </a:rPr>
-              <a:t>leitores:</a:t>
-            </a:r>
-            <a:endParaRPr sz="1600">
-              <a:latin typeface="Arial MT"/>
-              <a:cs typeface="Arial MT"/>
-            </a:endParaRPr>
-          </a:p>
-          <a:p>
-            <a:pPr>
-              <a:lnSpc>
-                <a:spcPct val="100000"/>
-              </a:lnSpc>
-              <a:spcBef>
-                <a:spcPts val="20"/>
-              </a:spcBef>
-            </a:pPr>
-            <a:endParaRPr sz="1650">
-              <a:latin typeface="Arial MT"/>
-              <a:cs typeface="Arial MT"/>
-            </a:endParaRPr>
-          </a:p>
-          <a:p>
-            <a:pPr marL="355600" indent="-343535">
-              <a:lnSpc>
-                <a:spcPct val="100000"/>
-              </a:lnSpc>
-              <a:spcBef>
-                <a:spcPts val="5"/>
-              </a:spcBef>
-              <a:buClr>
-                <a:srgbClr val="E7B600"/>
-              </a:buClr>
-              <a:buAutoNum type="arabicPeriod"/>
-              <a:tabLst>
-                <a:tab pos="355600" algn="l"/>
-                <a:tab pos="356235" algn="l"/>
-              </a:tabLst>
-            </a:pPr>
-            <a:r>
-              <a:rPr sz="1600" spc="-5" dirty="0">
-                <a:solidFill>
-                  <a:srgbClr val="FFFFFF"/>
-                </a:solidFill>
-                <a:latin typeface="Arial MT"/>
-                <a:cs typeface="Arial MT"/>
-              </a:rPr>
-              <a:t>Mostram</a:t>
-            </a:r>
-            <a:r>
-              <a:rPr sz="1600" spc="20" dirty="0">
-                <a:solidFill>
-                  <a:srgbClr val="FFFFFF"/>
-                </a:solidFill>
-                <a:latin typeface="Arial MT"/>
-                <a:cs typeface="Arial MT"/>
-              </a:rPr>
-              <a:t> </a:t>
-            </a:r>
-            <a:r>
-              <a:rPr sz="1600" spc="-5" dirty="0">
-                <a:solidFill>
-                  <a:srgbClr val="FFFFFF"/>
-                </a:solidFill>
-                <a:latin typeface="Arial MT"/>
-                <a:cs typeface="Arial MT"/>
-              </a:rPr>
-              <a:t>ser</a:t>
-            </a:r>
-            <a:r>
-              <a:rPr sz="1600" spc="10" dirty="0">
-                <a:solidFill>
-                  <a:srgbClr val="FFFFFF"/>
-                </a:solidFill>
-                <a:latin typeface="Arial MT"/>
-                <a:cs typeface="Arial MT"/>
-              </a:rPr>
-              <a:t> </a:t>
-            </a:r>
-            <a:r>
-              <a:rPr sz="1600" spc="-5" dirty="0">
-                <a:solidFill>
-                  <a:srgbClr val="FFFFFF"/>
-                </a:solidFill>
-                <a:latin typeface="Arial MT"/>
-                <a:cs typeface="Arial MT"/>
-              </a:rPr>
-              <a:t>adeptos</a:t>
-            </a:r>
-            <a:r>
-              <a:rPr sz="1600" spc="20" dirty="0">
-                <a:solidFill>
-                  <a:srgbClr val="FFFFFF"/>
-                </a:solidFill>
-                <a:latin typeface="Arial MT"/>
-                <a:cs typeface="Arial MT"/>
-              </a:rPr>
-              <a:t> </a:t>
-            </a:r>
-            <a:r>
-              <a:rPr sz="1600" spc="-5" dirty="0">
-                <a:solidFill>
-                  <a:srgbClr val="FFFFFF"/>
-                </a:solidFill>
-                <a:latin typeface="Arial MT"/>
-                <a:cs typeface="Arial MT"/>
-              </a:rPr>
-              <a:t>a</a:t>
-            </a:r>
-            <a:r>
-              <a:rPr sz="1600" dirty="0">
-                <a:solidFill>
-                  <a:srgbClr val="FFFFFF"/>
-                </a:solidFill>
-                <a:latin typeface="Arial MT"/>
-                <a:cs typeface="Arial MT"/>
-              </a:rPr>
-              <a:t> </a:t>
-            </a:r>
-            <a:r>
-              <a:rPr sz="1600" spc="-5" dirty="0">
-                <a:solidFill>
-                  <a:srgbClr val="FFFFFF"/>
-                </a:solidFill>
-                <a:latin typeface="Arial MT"/>
-                <a:cs typeface="Arial MT"/>
-              </a:rPr>
-              <a:t>utilização</a:t>
-            </a:r>
-            <a:r>
-              <a:rPr sz="1600" spc="-20" dirty="0">
-                <a:solidFill>
-                  <a:srgbClr val="FFFFFF"/>
-                </a:solidFill>
-                <a:latin typeface="Arial MT"/>
-                <a:cs typeface="Arial MT"/>
-              </a:rPr>
-              <a:t> </a:t>
-            </a:r>
-            <a:r>
-              <a:rPr sz="1600" spc="-5" dirty="0">
-                <a:solidFill>
-                  <a:srgbClr val="FFFFFF"/>
-                </a:solidFill>
-                <a:latin typeface="Arial MT"/>
-                <a:cs typeface="Arial MT"/>
-              </a:rPr>
-              <a:t>de</a:t>
-            </a:r>
-            <a:r>
-              <a:rPr sz="1600" dirty="0">
-                <a:solidFill>
-                  <a:srgbClr val="FFFFFF"/>
-                </a:solidFill>
-                <a:latin typeface="Arial MT"/>
-                <a:cs typeface="Arial MT"/>
-              </a:rPr>
-              <a:t> </a:t>
-            </a:r>
-            <a:r>
-              <a:rPr sz="1600" spc="-5" dirty="0">
-                <a:solidFill>
-                  <a:srgbClr val="FFFFFF"/>
-                </a:solidFill>
-                <a:latin typeface="Arial MT"/>
-                <a:cs typeface="Arial MT"/>
-              </a:rPr>
-              <a:t>redes</a:t>
-            </a:r>
-            <a:r>
-              <a:rPr sz="1600" spc="20" dirty="0">
-                <a:solidFill>
-                  <a:srgbClr val="FFFFFF"/>
-                </a:solidFill>
-                <a:latin typeface="Arial MT"/>
-                <a:cs typeface="Arial MT"/>
-              </a:rPr>
-              <a:t> </a:t>
-            </a:r>
-            <a:r>
-              <a:rPr sz="1600" spc="-5" dirty="0">
-                <a:solidFill>
-                  <a:srgbClr val="FFFFFF"/>
-                </a:solidFill>
-                <a:latin typeface="Arial MT"/>
-                <a:cs typeface="Arial MT"/>
-              </a:rPr>
-              <a:t>sociais.</a:t>
-            </a:r>
-            <a:endParaRPr sz="1600">
-              <a:latin typeface="Arial MT"/>
-              <a:cs typeface="Arial MT"/>
-            </a:endParaRPr>
-          </a:p>
-          <a:p>
-            <a:pPr marL="355600" indent="-343535">
-              <a:lnSpc>
-                <a:spcPct val="100000"/>
-              </a:lnSpc>
-              <a:buClr>
-                <a:srgbClr val="E7B600"/>
-              </a:buClr>
-              <a:buAutoNum type="arabicPeriod"/>
-              <a:tabLst>
-                <a:tab pos="355600" algn="l"/>
-                <a:tab pos="356235" algn="l"/>
-              </a:tabLst>
-            </a:pPr>
-            <a:r>
-              <a:rPr sz="1600" spc="-5" dirty="0">
-                <a:solidFill>
-                  <a:srgbClr val="FFFFFF"/>
-                </a:solidFill>
-                <a:latin typeface="Arial MT"/>
-                <a:cs typeface="Arial MT"/>
-              </a:rPr>
-              <a:t>Sua</a:t>
-            </a:r>
-            <a:r>
-              <a:rPr sz="1600" spc="5" dirty="0">
-                <a:solidFill>
-                  <a:srgbClr val="FFFFFF"/>
-                </a:solidFill>
-                <a:latin typeface="Arial MT"/>
-                <a:cs typeface="Arial MT"/>
-              </a:rPr>
-              <a:t> </a:t>
-            </a:r>
-            <a:r>
-              <a:rPr sz="1600" spc="-5" dirty="0">
-                <a:solidFill>
-                  <a:srgbClr val="FFFFFF"/>
-                </a:solidFill>
-                <a:latin typeface="Arial MT"/>
-                <a:cs typeface="Arial MT"/>
-              </a:rPr>
-              <a:t>escolha</a:t>
-            </a:r>
-            <a:r>
-              <a:rPr sz="1600" dirty="0">
-                <a:solidFill>
-                  <a:srgbClr val="FFFFFF"/>
-                </a:solidFill>
-                <a:latin typeface="Arial MT"/>
-                <a:cs typeface="Arial MT"/>
-              </a:rPr>
-              <a:t> </a:t>
-            </a:r>
-            <a:r>
-              <a:rPr sz="1600" spc="-5" dirty="0">
-                <a:solidFill>
-                  <a:srgbClr val="FFFFFF"/>
-                </a:solidFill>
-                <a:latin typeface="Arial MT"/>
-                <a:cs typeface="Arial MT"/>
-              </a:rPr>
-              <a:t>de</a:t>
-            </a:r>
-            <a:r>
-              <a:rPr sz="1600" spc="5" dirty="0">
-                <a:solidFill>
-                  <a:srgbClr val="FFFFFF"/>
-                </a:solidFill>
-                <a:latin typeface="Arial MT"/>
-                <a:cs typeface="Arial MT"/>
-              </a:rPr>
-              <a:t> </a:t>
-            </a:r>
-            <a:r>
-              <a:rPr sz="1600" spc="-5" dirty="0">
-                <a:solidFill>
-                  <a:srgbClr val="FFFFFF"/>
-                </a:solidFill>
-                <a:latin typeface="Arial MT"/>
-                <a:cs typeface="Arial MT"/>
-              </a:rPr>
-              <a:t>idioma</a:t>
-            </a:r>
-            <a:r>
-              <a:rPr sz="1600" dirty="0">
-                <a:solidFill>
-                  <a:srgbClr val="FFFFFF"/>
-                </a:solidFill>
-                <a:latin typeface="Arial MT"/>
-                <a:cs typeface="Arial MT"/>
-              </a:rPr>
-              <a:t> </a:t>
-            </a:r>
-            <a:r>
-              <a:rPr sz="1600" spc="-5" dirty="0">
-                <a:solidFill>
-                  <a:srgbClr val="FFFFFF"/>
-                </a:solidFill>
-                <a:latin typeface="Arial MT"/>
-                <a:cs typeface="Arial MT"/>
-              </a:rPr>
-              <a:t>de</a:t>
-            </a:r>
-            <a:r>
-              <a:rPr sz="1600" spc="15" dirty="0">
-                <a:solidFill>
-                  <a:srgbClr val="FFFFFF"/>
-                </a:solidFill>
-                <a:latin typeface="Arial MT"/>
-                <a:cs typeface="Arial MT"/>
-              </a:rPr>
-              <a:t> </a:t>
-            </a:r>
-            <a:r>
-              <a:rPr sz="1600" spc="-5" dirty="0">
-                <a:solidFill>
-                  <a:srgbClr val="FFFFFF"/>
-                </a:solidFill>
-                <a:latin typeface="Arial MT"/>
-                <a:cs typeface="Arial MT"/>
-              </a:rPr>
-              <a:t>leitura</a:t>
-            </a:r>
-            <a:r>
-              <a:rPr sz="1600" spc="10" dirty="0">
-                <a:solidFill>
-                  <a:srgbClr val="FFFFFF"/>
-                </a:solidFill>
-                <a:latin typeface="Arial MT"/>
-                <a:cs typeface="Arial MT"/>
-              </a:rPr>
-              <a:t> </a:t>
-            </a:r>
-            <a:r>
-              <a:rPr sz="1600" spc="-5" dirty="0">
-                <a:solidFill>
-                  <a:srgbClr val="FFFFFF"/>
-                </a:solidFill>
-                <a:latin typeface="Arial MT"/>
-                <a:cs typeface="Arial MT"/>
-              </a:rPr>
-              <a:t>é</a:t>
-            </a:r>
-            <a:r>
-              <a:rPr sz="1600" spc="5" dirty="0">
-                <a:solidFill>
-                  <a:srgbClr val="FFFFFF"/>
-                </a:solidFill>
-                <a:latin typeface="Arial MT"/>
-                <a:cs typeface="Arial MT"/>
-              </a:rPr>
-              <a:t> </a:t>
-            </a:r>
-            <a:r>
-              <a:rPr sz="1600" spc="-5" dirty="0">
-                <a:solidFill>
-                  <a:srgbClr val="FFFFFF"/>
-                </a:solidFill>
-                <a:latin typeface="Arial MT"/>
-                <a:cs typeface="Arial MT"/>
-              </a:rPr>
-              <a:t>predominantemente</a:t>
-            </a:r>
-            <a:r>
-              <a:rPr sz="1600" spc="30" dirty="0">
-                <a:solidFill>
-                  <a:srgbClr val="FFFFFF"/>
-                </a:solidFill>
-                <a:latin typeface="Arial MT"/>
-                <a:cs typeface="Arial MT"/>
-              </a:rPr>
-              <a:t> </a:t>
-            </a:r>
-            <a:r>
-              <a:rPr sz="1600" spc="-5" dirty="0">
-                <a:solidFill>
-                  <a:srgbClr val="FFFFFF"/>
-                </a:solidFill>
-                <a:latin typeface="Arial MT"/>
-                <a:cs typeface="Arial MT"/>
-              </a:rPr>
-              <a:t>em</a:t>
-            </a:r>
-            <a:r>
-              <a:rPr sz="1600" spc="20" dirty="0">
-                <a:solidFill>
-                  <a:srgbClr val="FFFFFF"/>
-                </a:solidFill>
-                <a:latin typeface="Arial MT"/>
-                <a:cs typeface="Arial MT"/>
-              </a:rPr>
-              <a:t> </a:t>
-            </a:r>
-            <a:r>
-              <a:rPr sz="1600" spc="-5" dirty="0">
-                <a:solidFill>
-                  <a:srgbClr val="FFFFFF"/>
-                </a:solidFill>
-                <a:latin typeface="Arial MT"/>
-                <a:cs typeface="Arial MT"/>
-              </a:rPr>
-              <a:t>português.</a:t>
-            </a:r>
-            <a:endParaRPr sz="1600">
-              <a:latin typeface="Arial MT"/>
-              <a:cs typeface="Arial MT"/>
-            </a:endParaRPr>
-          </a:p>
-          <a:p>
-            <a:pPr marL="355600" marR="297180" indent="-343535">
-              <a:lnSpc>
-                <a:spcPct val="100000"/>
-              </a:lnSpc>
-              <a:buClr>
-                <a:srgbClr val="E7B600"/>
-              </a:buClr>
-              <a:buAutoNum type="arabicPeriod"/>
-              <a:tabLst>
-                <a:tab pos="355600" algn="l"/>
-                <a:tab pos="356235" algn="l"/>
-              </a:tabLst>
-            </a:pPr>
-            <a:r>
-              <a:rPr sz="1600" spc="-5" dirty="0">
-                <a:solidFill>
-                  <a:srgbClr val="FFFFFF"/>
-                </a:solidFill>
-                <a:latin typeface="Arial MT"/>
-                <a:cs typeface="Arial MT"/>
-              </a:rPr>
-              <a:t>Metade</a:t>
-            </a:r>
-            <a:r>
-              <a:rPr sz="1600" spc="20" dirty="0">
-                <a:solidFill>
-                  <a:srgbClr val="FFFFFF"/>
-                </a:solidFill>
-                <a:latin typeface="Arial MT"/>
-                <a:cs typeface="Arial MT"/>
-              </a:rPr>
-              <a:t> </a:t>
-            </a:r>
-            <a:r>
-              <a:rPr sz="1600" spc="-5" dirty="0">
-                <a:solidFill>
-                  <a:srgbClr val="FFFFFF"/>
-                </a:solidFill>
-                <a:latin typeface="Arial MT"/>
-                <a:cs typeface="Arial MT"/>
-              </a:rPr>
-              <a:t>já</a:t>
-            </a:r>
-            <a:r>
-              <a:rPr sz="1600" spc="5" dirty="0">
-                <a:solidFill>
-                  <a:srgbClr val="FFFFFF"/>
-                </a:solidFill>
-                <a:latin typeface="Arial MT"/>
-                <a:cs typeface="Arial MT"/>
-              </a:rPr>
-              <a:t> </a:t>
-            </a:r>
-            <a:r>
-              <a:rPr sz="1600" spc="-5" dirty="0">
-                <a:solidFill>
-                  <a:srgbClr val="FFFFFF"/>
-                </a:solidFill>
-                <a:latin typeface="Arial MT"/>
-                <a:cs typeface="Arial MT"/>
-              </a:rPr>
-              <a:t>fez</a:t>
-            </a:r>
-            <a:r>
-              <a:rPr sz="1600" spc="25" dirty="0">
-                <a:solidFill>
-                  <a:srgbClr val="FFFFFF"/>
-                </a:solidFill>
-                <a:latin typeface="Arial MT"/>
-                <a:cs typeface="Arial MT"/>
-              </a:rPr>
-              <a:t> </a:t>
-            </a:r>
-            <a:r>
-              <a:rPr sz="1600" spc="-5" dirty="0">
-                <a:solidFill>
-                  <a:srgbClr val="FFFFFF"/>
-                </a:solidFill>
-                <a:latin typeface="Arial MT"/>
-                <a:cs typeface="Arial MT"/>
-              </a:rPr>
-              <a:t>utilização</a:t>
-            </a:r>
-            <a:r>
-              <a:rPr sz="1600" spc="-30" dirty="0">
-                <a:solidFill>
-                  <a:srgbClr val="FFFFFF"/>
-                </a:solidFill>
-                <a:latin typeface="Arial MT"/>
-                <a:cs typeface="Arial MT"/>
-              </a:rPr>
-              <a:t> </a:t>
-            </a:r>
-            <a:r>
-              <a:rPr sz="1600" spc="-5" dirty="0">
-                <a:solidFill>
-                  <a:srgbClr val="FFFFFF"/>
-                </a:solidFill>
-                <a:latin typeface="Arial MT"/>
-                <a:cs typeface="Arial MT"/>
-              </a:rPr>
-              <a:t>de</a:t>
-            </a:r>
-            <a:r>
-              <a:rPr sz="1600" spc="25" dirty="0">
-                <a:solidFill>
-                  <a:srgbClr val="FFFFFF"/>
-                </a:solidFill>
-                <a:latin typeface="Arial MT"/>
-                <a:cs typeface="Arial MT"/>
-              </a:rPr>
-              <a:t> </a:t>
-            </a:r>
-            <a:r>
-              <a:rPr sz="1600" spc="-5" dirty="0">
-                <a:solidFill>
-                  <a:srgbClr val="FFFFFF"/>
-                </a:solidFill>
-                <a:latin typeface="Arial MT"/>
-                <a:cs typeface="Arial MT"/>
-              </a:rPr>
-              <a:t>aplicativos</a:t>
-            </a:r>
-            <a:r>
-              <a:rPr sz="1600" dirty="0">
-                <a:solidFill>
-                  <a:srgbClr val="FFFFFF"/>
-                </a:solidFill>
-                <a:latin typeface="Arial MT"/>
-                <a:cs typeface="Arial MT"/>
-              </a:rPr>
-              <a:t> </a:t>
-            </a:r>
-            <a:r>
-              <a:rPr sz="1600" spc="-5" dirty="0">
-                <a:solidFill>
-                  <a:srgbClr val="FFFFFF"/>
-                </a:solidFill>
-                <a:latin typeface="Arial MT"/>
-                <a:cs typeface="Arial MT"/>
-              </a:rPr>
-              <a:t>de</a:t>
-            </a:r>
-            <a:r>
-              <a:rPr sz="1600" spc="-15" dirty="0">
-                <a:solidFill>
-                  <a:srgbClr val="FFFFFF"/>
-                </a:solidFill>
-                <a:latin typeface="Arial MT"/>
-                <a:cs typeface="Arial MT"/>
-              </a:rPr>
-              <a:t> </a:t>
-            </a:r>
-            <a:r>
-              <a:rPr sz="1600" spc="-5" dirty="0">
-                <a:solidFill>
-                  <a:srgbClr val="FFFFFF"/>
-                </a:solidFill>
-                <a:latin typeface="Arial MT"/>
-                <a:cs typeface="Arial MT"/>
-              </a:rPr>
-              <a:t>organização</a:t>
-            </a:r>
-            <a:r>
-              <a:rPr sz="1600" spc="5" dirty="0">
-                <a:solidFill>
-                  <a:srgbClr val="FFFFFF"/>
-                </a:solidFill>
-                <a:latin typeface="Arial MT"/>
-                <a:cs typeface="Arial MT"/>
-              </a:rPr>
-              <a:t> </a:t>
-            </a:r>
-            <a:r>
-              <a:rPr sz="1600" spc="-5" dirty="0">
-                <a:solidFill>
-                  <a:srgbClr val="FFFFFF"/>
-                </a:solidFill>
-                <a:latin typeface="Arial MT"/>
-                <a:cs typeface="Arial MT"/>
-              </a:rPr>
-              <a:t>de</a:t>
-            </a:r>
-            <a:r>
-              <a:rPr sz="1600" spc="5" dirty="0">
-                <a:solidFill>
-                  <a:srgbClr val="FFFFFF"/>
-                </a:solidFill>
-                <a:latin typeface="Arial MT"/>
-                <a:cs typeface="Arial MT"/>
-              </a:rPr>
-              <a:t> </a:t>
-            </a:r>
-            <a:r>
-              <a:rPr sz="1600" spc="-5" dirty="0">
-                <a:solidFill>
-                  <a:srgbClr val="FFFFFF"/>
-                </a:solidFill>
-                <a:latin typeface="Arial MT"/>
-                <a:cs typeface="Arial MT"/>
-              </a:rPr>
-              <a:t>suas</a:t>
-            </a:r>
-            <a:r>
-              <a:rPr sz="1600" spc="15" dirty="0">
-                <a:solidFill>
-                  <a:srgbClr val="FFFFFF"/>
-                </a:solidFill>
-                <a:latin typeface="Arial MT"/>
-                <a:cs typeface="Arial MT"/>
-              </a:rPr>
-              <a:t> </a:t>
-            </a:r>
-            <a:r>
-              <a:rPr sz="1600" spc="-5" dirty="0">
-                <a:solidFill>
-                  <a:srgbClr val="FFFFFF"/>
-                </a:solidFill>
-                <a:latin typeface="Arial MT"/>
-                <a:cs typeface="Arial MT"/>
-              </a:rPr>
-              <a:t>mídias</a:t>
-            </a:r>
-            <a:r>
-              <a:rPr sz="1600" spc="15" dirty="0">
-                <a:solidFill>
-                  <a:srgbClr val="FFFFFF"/>
-                </a:solidFill>
-                <a:latin typeface="Arial MT"/>
-                <a:cs typeface="Arial MT"/>
-              </a:rPr>
-              <a:t> </a:t>
-            </a:r>
-            <a:r>
-              <a:rPr sz="1600" spc="-5" dirty="0">
-                <a:solidFill>
-                  <a:srgbClr val="FFFFFF"/>
-                </a:solidFill>
-                <a:latin typeface="Arial MT"/>
-                <a:cs typeface="Arial MT"/>
-              </a:rPr>
-              <a:t>favoritas </a:t>
-            </a:r>
-            <a:r>
-              <a:rPr sz="1600" spc="-430" dirty="0">
-                <a:solidFill>
-                  <a:srgbClr val="FFFFFF"/>
-                </a:solidFill>
-                <a:latin typeface="Arial MT"/>
-                <a:cs typeface="Arial MT"/>
-              </a:rPr>
-              <a:t> </a:t>
-            </a:r>
-            <a:r>
-              <a:rPr sz="1600" spc="-5" dirty="0">
-                <a:solidFill>
-                  <a:srgbClr val="FFFFFF"/>
-                </a:solidFill>
-                <a:latin typeface="Arial MT"/>
-                <a:cs typeface="Arial MT"/>
-              </a:rPr>
-              <a:t>(séries,</a:t>
-            </a:r>
-            <a:r>
-              <a:rPr sz="1600" spc="10" dirty="0">
-                <a:solidFill>
-                  <a:srgbClr val="FFFFFF"/>
-                </a:solidFill>
-                <a:latin typeface="Arial MT"/>
-                <a:cs typeface="Arial MT"/>
-              </a:rPr>
-              <a:t> </a:t>
-            </a:r>
-            <a:r>
-              <a:rPr sz="1600" spc="-5" dirty="0">
-                <a:solidFill>
-                  <a:srgbClr val="FFFFFF"/>
-                </a:solidFill>
-                <a:latin typeface="Arial MT"/>
-                <a:cs typeface="Arial MT"/>
-              </a:rPr>
-              <a:t>filmes,</a:t>
-            </a:r>
-            <a:r>
-              <a:rPr sz="1600" dirty="0">
-                <a:solidFill>
-                  <a:srgbClr val="FFFFFF"/>
-                </a:solidFill>
-                <a:latin typeface="Arial MT"/>
-                <a:cs typeface="Arial MT"/>
-              </a:rPr>
-              <a:t> </a:t>
-            </a:r>
-            <a:r>
-              <a:rPr sz="1600" spc="-5" dirty="0">
-                <a:solidFill>
-                  <a:srgbClr val="FFFFFF"/>
-                </a:solidFill>
-                <a:latin typeface="Arial MT"/>
-                <a:cs typeface="Arial MT"/>
-              </a:rPr>
-              <a:t>animes, etc.),</a:t>
-            </a:r>
-            <a:r>
-              <a:rPr sz="1600" spc="35" dirty="0">
-                <a:solidFill>
-                  <a:srgbClr val="FFFFFF"/>
-                </a:solidFill>
-                <a:latin typeface="Arial MT"/>
-                <a:cs typeface="Arial MT"/>
-              </a:rPr>
-              <a:t> </a:t>
-            </a:r>
-            <a:r>
-              <a:rPr sz="1600" spc="-5" dirty="0">
-                <a:solidFill>
-                  <a:srgbClr val="FFFFFF"/>
-                </a:solidFill>
-                <a:latin typeface="Arial MT"/>
-                <a:cs typeface="Arial MT"/>
-              </a:rPr>
-              <a:t>e outra</a:t>
-            </a:r>
-            <a:r>
-              <a:rPr sz="1600" spc="25" dirty="0">
-                <a:solidFill>
-                  <a:srgbClr val="FFFFFF"/>
-                </a:solidFill>
-                <a:latin typeface="Arial MT"/>
-                <a:cs typeface="Arial MT"/>
-              </a:rPr>
-              <a:t> </a:t>
-            </a:r>
-            <a:r>
-              <a:rPr sz="1600" spc="-5" dirty="0">
-                <a:solidFill>
-                  <a:srgbClr val="FFFFFF"/>
-                </a:solidFill>
-                <a:latin typeface="Arial MT"/>
-                <a:cs typeface="Arial MT"/>
-              </a:rPr>
-              <a:t>metade</a:t>
-            </a:r>
-            <a:r>
-              <a:rPr sz="1600" spc="10" dirty="0">
-                <a:solidFill>
-                  <a:srgbClr val="FFFFFF"/>
-                </a:solidFill>
-                <a:latin typeface="Arial MT"/>
-                <a:cs typeface="Arial MT"/>
-              </a:rPr>
-              <a:t> </a:t>
-            </a:r>
-            <a:r>
-              <a:rPr sz="1600" spc="-5" dirty="0">
-                <a:solidFill>
-                  <a:srgbClr val="FFFFFF"/>
-                </a:solidFill>
-                <a:latin typeface="Arial MT"/>
-                <a:cs typeface="Arial MT"/>
-              </a:rPr>
-              <a:t>nunca</a:t>
-            </a:r>
-            <a:r>
-              <a:rPr sz="1600" dirty="0">
-                <a:solidFill>
-                  <a:srgbClr val="FFFFFF"/>
-                </a:solidFill>
-                <a:latin typeface="Arial MT"/>
-                <a:cs typeface="Arial MT"/>
-              </a:rPr>
-              <a:t> </a:t>
-            </a:r>
-            <a:r>
-              <a:rPr sz="1600" spc="-5" dirty="0">
-                <a:solidFill>
-                  <a:srgbClr val="FFFFFF"/>
-                </a:solidFill>
-                <a:latin typeface="Arial MT"/>
-                <a:cs typeface="Arial MT"/>
-              </a:rPr>
-              <a:t>utilizou.</a:t>
-            </a:r>
-            <a:endParaRPr sz="1600">
-              <a:latin typeface="Arial MT"/>
-              <a:cs typeface="Arial MT"/>
-            </a:endParaRPr>
-          </a:p>
-          <a:p>
-            <a:pPr marL="355600" indent="-343535">
-              <a:lnSpc>
-                <a:spcPct val="100000"/>
-              </a:lnSpc>
-              <a:buClr>
-                <a:srgbClr val="E7B600"/>
-              </a:buClr>
-              <a:buAutoNum type="arabicPeriod"/>
-              <a:tabLst>
-                <a:tab pos="355600" algn="l"/>
-                <a:tab pos="356235" algn="l"/>
-              </a:tabLst>
-            </a:pPr>
-            <a:r>
-              <a:rPr sz="1600" spc="-5" dirty="0">
-                <a:solidFill>
-                  <a:srgbClr val="FFFFFF"/>
-                </a:solidFill>
-                <a:latin typeface="Arial MT"/>
-                <a:cs typeface="Arial MT"/>
-              </a:rPr>
-              <a:t>Entre</a:t>
-            </a:r>
-            <a:r>
-              <a:rPr sz="1600" spc="20" dirty="0">
-                <a:solidFill>
-                  <a:srgbClr val="FFFFFF"/>
-                </a:solidFill>
-                <a:latin typeface="Arial MT"/>
-                <a:cs typeface="Arial MT"/>
-              </a:rPr>
-              <a:t> </a:t>
-            </a:r>
-            <a:r>
-              <a:rPr sz="1600" spc="-5" dirty="0">
-                <a:solidFill>
-                  <a:srgbClr val="FFFFFF"/>
-                </a:solidFill>
-                <a:latin typeface="Arial MT"/>
-                <a:cs typeface="Arial MT"/>
-              </a:rPr>
-              <a:t>os</a:t>
-            </a:r>
-            <a:r>
-              <a:rPr sz="1600" spc="10" dirty="0">
-                <a:solidFill>
-                  <a:srgbClr val="FFFFFF"/>
-                </a:solidFill>
-                <a:latin typeface="Arial MT"/>
-                <a:cs typeface="Arial MT"/>
-              </a:rPr>
-              <a:t> </a:t>
-            </a:r>
-            <a:r>
-              <a:rPr sz="1600" spc="-5" dirty="0">
-                <a:solidFill>
-                  <a:srgbClr val="FFFFFF"/>
-                </a:solidFill>
-                <a:latin typeface="Arial MT"/>
-                <a:cs typeface="Arial MT"/>
-              </a:rPr>
-              <a:t>motivos</a:t>
-            </a:r>
-            <a:r>
-              <a:rPr sz="1600" spc="10" dirty="0">
-                <a:solidFill>
-                  <a:srgbClr val="FFFFFF"/>
-                </a:solidFill>
-                <a:latin typeface="Arial MT"/>
-                <a:cs typeface="Arial MT"/>
-              </a:rPr>
-              <a:t> </a:t>
-            </a:r>
-            <a:r>
-              <a:rPr sz="1600" spc="-5" dirty="0">
-                <a:solidFill>
-                  <a:srgbClr val="FFFFFF"/>
-                </a:solidFill>
-                <a:latin typeface="Arial MT"/>
-                <a:cs typeface="Arial MT"/>
-              </a:rPr>
-              <a:t>de</a:t>
-            </a:r>
-            <a:r>
-              <a:rPr sz="1600" spc="20" dirty="0">
-                <a:solidFill>
-                  <a:srgbClr val="FFFFFF"/>
-                </a:solidFill>
-                <a:latin typeface="Arial MT"/>
-                <a:cs typeface="Arial MT"/>
-              </a:rPr>
-              <a:t> </a:t>
-            </a:r>
-            <a:r>
-              <a:rPr sz="1600" spc="-5" dirty="0">
-                <a:solidFill>
-                  <a:srgbClr val="FFFFFF"/>
-                </a:solidFill>
-                <a:latin typeface="Arial MT"/>
-                <a:cs typeface="Arial MT"/>
-              </a:rPr>
-              <a:t>utilização</a:t>
-            </a:r>
-            <a:r>
-              <a:rPr sz="1600" spc="-30" dirty="0">
-                <a:solidFill>
-                  <a:srgbClr val="FFFFFF"/>
-                </a:solidFill>
-                <a:latin typeface="Arial MT"/>
-                <a:cs typeface="Arial MT"/>
-              </a:rPr>
-              <a:t> </a:t>
-            </a:r>
-            <a:r>
-              <a:rPr sz="1600" spc="-5" dirty="0">
-                <a:solidFill>
-                  <a:srgbClr val="FFFFFF"/>
-                </a:solidFill>
-                <a:latin typeface="Arial MT"/>
-                <a:cs typeface="Arial MT"/>
-              </a:rPr>
-              <a:t>de</a:t>
-            </a:r>
-            <a:r>
-              <a:rPr sz="1600" spc="25" dirty="0">
-                <a:solidFill>
-                  <a:srgbClr val="FFFFFF"/>
-                </a:solidFill>
-                <a:latin typeface="Arial MT"/>
-                <a:cs typeface="Arial MT"/>
-              </a:rPr>
-              <a:t> </a:t>
-            </a:r>
-            <a:r>
-              <a:rPr sz="1600" spc="-5" dirty="0">
-                <a:solidFill>
-                  <a:srgbClr val="FFFFFF"/>
-                </a:solidFill>
-                <a:latin typeface="Arial MT"/>
-                <a:cs typeface="Arial MT"/>
-              </a:rPr>
-              <a:t>aplicações</a:t>
-            </a:r>
-            <a:r>
-              <a:rPr sz="1600" spc="-20" dirty="0">
-                <a:solidFill>
-                  <a:srgbClr val="FFFFFF"/>
-                </a:solidFill>
-                <a:latin typeface="Arial MT"/>
-                <a:cs typeface="Arial MT"/>
-              </a:rPr>
-              <a:t> </a:t>
-            </a:r>
-            <a:r>
-              <a:rPr sz="1600" spc="-5" dirty="0">
-                <a:solidFill>
-                  <a:srgbClr val="FFFFFF"/>
-                </a:solidFill>
-                <a:latin typeface="Arial MT"/>
-                <a:cs typeface="Arial MT"/>
-              </a:rPr>
-              <a:t>deste</a:t>
-            </a:r>
-            <a:r>
-              <a:rPr sz="1600" spc="20" dirty="0">
-                <a:solidFill>
-                  <a:srgbClr val="FFFFFF"/>
-                </a:solidFill>
-                <a:latin typeface="Arial MT"/>
-                <a:cs typeface="Arial MT"/>
-              </a:rPr>
-              <a:t> </a:t>
-            </a:r>
-            <a:r>
-              <a:rPr sz="1600" spc="-5" dirty="0">
-                <a:solidFill>
-                  <a:srgbClr val="FFFFFF"/>
-                </a:solidFill>
-                <a:latin typeface="Arial MT"/>
-                <a:cs typeface="Arial MT"/>
-              </a:rPr>
-              <a:t>domínio,</a:t>
-            </a:r>
-            <a:r>
-              <a:rPr sz="1600" spc="20" dirty="0">
-                <a:solidFill>
-                  <a:srgbClr val="FFFFFF"/>
-                </a:solidFill>
-                <a:latin typeface="Arial MT"/>
-                <a:cs typeface="Arial MT"/>
-              </a:rPr>
-              <a:t> </a:t>
-            </a:r>
-            <a:r>
-              <a:rPr sz="1600" spc="-5" dirty="0">
-                <a:solidFill>
-                  <a:srgbClr val="FFFFFF"/>
-                </a:solidFill>
-                <a:latin typeface="Arial MT"/>
-                <a:cs typeface="Arial MT"/>
-              </a:rPr>
-              <a:t>encontramos:</a:t>
-            </a:r>
-            <a:endParaRPr sz="1600">
-              <a:latin typeface="Arial MT"/>
-              <a:cs typeface="Arial MT"/>
-            </a:endParaRPr>
-          </a:p>
-          <a:p>
-            <a:pPr marL="412115" indent="-400050">
-              <a:lnSpc>
-                <a:spcPct val="100000"/>
-              </a:lnSpc>
-              <a:buClr>
-                <a:srgbClr val="E7B600"/>
-              </a:buClr>
-              <a:buAutoNum type="arabicPeriod"/>
-              <a:tabLst>
-                <a:tab pos="412115" algn="l"/>
-                <a:tab pos="412750" algn="l"/>
-              </a:tabLst>
-            </a:pPr>
-            <a:r>
-              <a:rPr sz="1600" spc="-5" dirty="0">
-                <a:solidFill>
-                  <a:srgbClr val="FFFFFF"/>
-                </a:solidFill>
-                <a:latin typeface="Arial MT"/>
-                <a:cs typeface="Arial MT"/>
-              </a:rPr>
-              <a:t>Organizar</a:t>
-            </a:r>
-            <a:r>
-              <a:rPr sz="1600" spc="-10" dirty="0">
-                <a:solidFill>
-                  <a:srgbClr val="FFFFFF"/>
-                </a:solidFill>
-                <a:latin typeface="Arial MT"/>
-                <a:cs typeface="Arial MT"/>
-              </a:rPr>
-              <a:t> </a:t>
-            </a:r>
-            <a:r>
-              <a:rPr sz="1600" spc="-5" dirty="0">
-                <a:solidFill>
-                  <a:srgbClr val="FFFFFF"/>
-                </a:solidFill>
-                <a:latin typeface="Arial MT"/>
-                <a:cs typeface="Arial MT"/>
-              </a:rPr>
-              <a:t>leituras;</a:t>
-            </a:r>
-            <a:endParaRPr sz="1600">
-              <a:latin typeface="Arial MT"/>
-              <a:cs typeface="Arial MT"/>
-            </a:endParaRPr>
-          </a:p>
-          <a:p>
-            <a:pPr marL="412115" indent="-400050">
-              <a:lnSpc>
-                <a:spcPct val="100000"/>
-              </a:lnSpc>
-              <a:buClr>
-                <a:srgbClr val="E7B600"/>
-              </a:buClr>
-              <a:buAutoNum type="arabicPeriod"/>
-              <a:tabLst>
-                <a:tab pos="412115" algn="l"/>
-                <a:tab pos="412750" algn="l"/>
-              </a:tabLst>
-            </a:pPr>
-            <a:r>
-              <a:rPr sz="1600" spc="-5" dirty="0">
-                <a:solidFill>
-                  <a:srgbClr val="FFFFFF"/>
-                </a:solidFill>
-                <a:latin typeface="Arial MT"/>
-                <a:cs typeface="Arial MT"/>
-              </a:rPr>
-              <a:t>Descobrir</a:t>
-            </a:r>
-            <a:r>
-              <a:rPr sz="1600" spc="10" dirty="0">
-                <a:solidFill>
-                  <a:srgbClr val="FFFFFF"/>
-                </a:solidFill>
-                <a:latin typeface="Arial MT"/>
-                <a:cs typeface="Arial MT"/>
-              </a:rPr>
-              <a:t> </a:t>
-            </a:r>
-            <a:r>
-              <a:rPr sz="1600" spc="-5" dirty="0">
-                <a:solidFill>
-                  <a:srgbClr val="FFFFFF"/>
-                </a:solidFill>
-                <a:latin typeface="Arial MT"/>
-                <a:cs typeface="Arial MT"/>
-              </a:rPr>
-              <a:t>novos</a:t>
-            </a:r>
-            <a:r>
-              <a:rPr sz="1600" spc="5" dirty="0">
-                <a:solidFill>
-                  <a:srgbClr val="FFFFFF"/>
-                </a:solidFill>
-                <a:latin typeface="Arial MT"/>
-                <a:cs typeface="Arial MT"/>
-              </a:rPr>
-              <a:t> </a:t>
-            </a:r>
-            <a:r>
-              <a:rPr sz="1600" spc="-5" dirty="0">
-                <a:solidFill>
-                  <a:srgbClr val="FFFFFF"/>
-                </a:solidFill>
-                <a:latin typeface="Arial MT"/>
-                <a:cs typeface="Arial MT"/>
-              </a:rPr>
-              <a:t>filmes,</a:t>
-            </a:r>
-            <a:r>
-              <a:rPr sz="1600" spc="-10" dirty="0">
-                <a:solidFill>
-                  <a:srgbClr val="FFFFFF"/>
-                </a:solidFill>
-                <a:latin typeface="Arial MT"/>
-                <a:cs typeface="Arial MT"/>
-              </a:rPr>
-              <a:t> </a:t>
-            </a:r>
-            <a:r>
-              <a:rPr sz="1600" spc="-5" dirty="0">
-                <a:solidFill>
-                  <a:srgbClr val="FFFFFF"/>
-                </a:solidFill>
-                <a:latin typeface="Arial MT"/>
-                <a:cs typeface="Arial MT"/>
-              </a:rPr>
-              <a:t>mangás,</a:t>
-            </a:r>
-            <a:r>
-              <a:rPr sz="1600" spc="15" dirty="0">
-                <a:solidFill>
-                  <a:srgbClr val="FFFFFF"/>
-                </a:solidFill>
-                <a:latin typeface="Arial MT"/>
-                <a:cs typeface="Arial MT"/>
-              </a:rPr>
-              <a:t> </a:t>
-            </a:r>
-            <a:r>
-              <a:rPr sz="1600" spc="-5" dirty="0">
-                <a:solidFill>
-                  <a:srgbClr val="FFFFFF"/>
-                </a:solidFill>
-                <a:latin typeface="Arial MT"/>
-                <a:cs typeface="Arial MT"/>
-              </a:rPr>
-              <a:t>séries;</a:t>
-            </a:r>
-            <a:endParaRPr sz="1600">
-              <a:latin typeface="Arial MT"/>
-              <a:cs typeface="Arial MT"/>
-            </a:endParaRPr>
-          </a:p>
-          <a:p>
-            <a:pPr marL="401320" indent="-389255">
-              <a:lnSpc>
-                <a:spcPct val="100000"/>
-              </a:lnSpc>
-              <a:spcBef>
-                <a:spcPts val="5"/>
-              </a:spcBef>
-              <a:buClr>
-                <a:srgbClr val="E7B600"/>
-              </a:buClr>
-              <a:buAutoNum type="arabicPeriod"/>
-              <a:tabLst>
-                <a:tab pos="401320" algn="l"/>
-                <a:tab pos="401955" algn="l"/>
-              </a:tabLst>
-            </a:pPr>
-            <a:r>
-              <a:rPr sz="1600" spc="-10" dirty="0">
-                <a:solidFill>
-                  <a:srgbClr val="FFFFFF"/>
-                </a:solidFill>
-                <a:latin typeface="Arial MT"/>
-                <a:cs typeface="Arial MT"/>
-              </a:rPr>
-              <a:t>Avaliar</a:t>
-            </a:r>
-            <a:r>
-              <a:rPr sz="1600" spc="-35" dirty="0">
-                <a:solidFill>
-                  <a:srgbClr val="FFFFFF"/>
-                </a:solidFill>
-                <a:latin typeface="Arial MT"/>
-                <a:cs typeface="Arial MT"/>
-              </a:rPr>
-              <a:t> </a:t>
-            </a:r>
-            <a:r>
-              <a:rPr sz="1600" spc="-5" dirty="0">
-                <a:solidFill>
-                  <a:srgbClr val="FFFFFF"/>
-                </a:solidFill>
-                <a:latin typeface="Arial MT"/>
-                <a:cs typeface="Arial MT"/>
-              </a:rPr>
-              <a:t>as</a:t>
-            </a:r>
-            <a:r>
-              <a:rPr sz="1600" spc="15" dirty="0">
-                <a:solidFill>
-                  <a:srgbClr val="FFFFFF"/>
-                </a:solidFill>
-                <a:latin typeface="Arial MT"/>
-                <a:cs typeface="Arial MT"/>
-              </a:rPr>
-              <a:t> </a:t>
-            </a:r>
-            <a:r>
-              <a:rPr sz="1600" spc="-5" dirty="0">
-                <a:solidFill>
-                  <a:srgbClr val="FFFFFF"/>
-                </a:solidFill>
-                <a:latin typeface="Arial MT"/>
-                <a:cs typeface="Arial MT"/>
-              </a:rPr>
-              <a:t>obras</a:t>
-            </a:r>
-            <a:r>
-              <a:rPr sz="1600" spc="-10" dirty="0">
-                <a:solidFill>
-                  <a:srgbClr val="FFFFFF"/>
-                </a:solidFill>
-                <a:latin typeface="Arial MT"/>
-                <a:cs typeface="Arial MT"/>
-              </a:rPr>
-              <a:t> </a:t>
-            </a:r>
-            <a:r>
-              <a:rPr sz="1600" spc="-5" dirty="0">
-                <a:solidFill>
-                  <a:srgbClr val="FFFFFF"/>
-                </a:solidFill>
-                <a:latin typeface="Arial MT"/>
-                <a:cs typeface="Arial MT"/>
-              </a:rPr>
-              <a:t>que</a:t>
-            </a:r>
-            <a:r>
-              <a:rPr sz="1600" spc="10" dirty="0">
-                <a:solidFill>
-                  <a:srgbClr val="FFFFFF"/>
-                </a:solidFill>
-                <a:latin typeface="Arial MT"/>
-                <a:cs typeface="Arial MT"/>
-              </a:rPr>
-              <a:t> </a:t>
-            </a:r>
-            <a:r>
-              <a:rPr sz="1600" spc="-5" dirty="0">
-                <a:solidFill>
-                  <a:srgbClr val="FFFFFF"/>
-                </a:solidFill>
-                <a:latin typeface="Arial MT"/>
-                <a:cs typeface="Arial MT"/>
-              </a:rPr>
-              <a:t>consomem.</a:t>
-            </a:r>
-            <a:endParaRPr sz="1600">
-              <a:latin typeface="Arial MT"/>
-              <a:cs typeface="Arial MT"/>
-            </a:endParaRPr>
-          </a:p>
-          <a:p>
-            <a:pPr marL="355600" indent="-343535">
-              <a:lnSpc>
-                <a:spcPct val="100000"/>
-              </a:lnSpc>
-              <a:buClr>
-                <a:srgbClr val="E7B600"/>
-              </a:buClr>
-              <a:buAutoNum type="arabicPeriod"/>
-              <a:tabLst>
-                <a:tab pos="355600" algn="l"/>
-                <a:tab pos="356235" algn="l"/>
-              </a:tabLst>
-            </a:pPr>
-            <a:r>
-              <a:rPr sz="1600" spc="-5" dirty="0">
-                <a:solidFill>
-                  <a:srgbClr val="FFFFFF"/>
-                </a:solidFill>
-                <a:latin typeface="Arial MT"/>
-                <a:cs typeface="Arial MT"/>
-              </a:rPr>
-              <a:t>Formas</a:t>
-            </a:r>
-            <a:r>
-              <a:rPr sz="1600" spc="30" dirty="0">
-                <a:solidFill>
-                  <a:srgbClr val="FFFFFF"/>
-                </a:solidFill>
-                <a:latin typeface="Arial MT"/>
-                <a:cs typeface="Arial MT"/>
-              </a:rPr>
-              <a:t> </a:t>
-            </a:r>
-            <a:r>
-              <a:rPr sz="1600" spc="-5" dirty="0">
-                <a:solidFill>
-                  <a:srgbClr val="FFFFFF"/>
-                </a:solidFill>
-                <a:latin typeface="Arial MT"/>
-                <a:cs typeface="Arial MT"/>
-              </a:rPr>
-              <a:t>distintas</a:t>
-            </a:r>
-            <a:r>
-              <a:rPr sz="1600" dirty="0">
-                <a:solidFill>
-                  <a:srgbClr val="FFFFFF"/>
-                </a:solidFill>
-                <a:latin typeface="Arial MT"/>
-                <a:cs typeface="Arial MT"/>
-              </a:rPr>
-              <a:t> </a:t>
-            </a:r>
-            <a:r>
-              <a:rPr sz="1600" spc="-5" dirty="0">
-                <a:solidFill>
-                  <a:srgbClr val="FFFFFF"/>
-                </a:solidFill>
-                <a:latin typeface="Arial MT"/>
-                <a:cs typeface="Arial MT"/>
-              </a:rPr>
-              <a:t>e</a:t>
-            </a:r>
-            <a:r>
-              <a:rPr sz="1600" dirty="0">
-                <a:solidFill>
-                  <a:srgbClr val="FFFFFF"/>
-                </a:solidFill>
-                <a:latin typeface="Arial MT"/>
-                <a:cs typeface="Arial MT"/>
-              </a:rPr>
-              <a:t> </a:t>
-            </a:r>
-            <a:r>
-              <a:rPr sz="1600" spc="-5" dirty="0">
-                <a:solidFill>
-                  <a:srgbClr val="FFFFFF"/>
-                </a:solidFill>
-                <a:latin typeface="Arial MT"/>
-                <a:cs typeface="Arial MT"/>
-              </a:rPr>
-              <a:t>individuais</a:t>
-            </a:r>
-            <a:r>
-              <a:rPr sz="1600" spc="-25" dirty="0">
-                <a:solidFill>
-                  <a:srgbClr val="FFFFFF"/>
-                </a:solidFill>
-                <a:latin typeface="Arial MT"/>
-                <a:cs typeface="Arial MT"/>
-              </a:rPr>
-              <a:t> </a:t>
-            </a:r>
-            <a:r>
-              <a:rPr sz="1600" spc="-5" dirty="0">
-                <a:solidFill>
-                  <a:srgbClr val="FFFFFF"/>
-                </a:solidFill>
-                <a:latin typeface="Arial MT"/>
-                <a:cs typeface="Arial MT"/>
-              </a:rPr>
-              <a:t>de</a:t>
-            </a:r>
-            <a:r>
-              <a:rPr sz="1600" spc="15" dirty="0">
-                <a:solidFill>
-                  <a:srgbClr val="FFFFFF"/>
-                </a:solidFill>
-                <a:latin typeface="Arial MT"/>
-                <a:cs typeface="Arial MT"/>
-              </a:rPr>
-              <a:t> </a:t>
-            </a:r>
-            <a:r>
-              <a:rPr sz="1600" spc="-5" dirty="0">
-                <a:solidFill>
-                  <a:srgbClr val="FFFFFF"/>
-                </a:solidFill>
-                <a:latin typeface="Arial MT"/>
-                <a:cs typeface="Arial MT"/>
-              </a:rPr>
-              <a:t>organização de</a:t>
-            </a:r>
-            <a:r>
-              <a:rPr sz="1600" spc="15" dirty="0">
-                <a:solidFill>
-                  <a:srgbClr val="FFFFFF"/>
-                </a:solidFill>
-                <a:latin typeface="Arial MT"/>
-                <a:cs typeface="Arial MT"/>
-              </a:rPr>
-              <a:t> </a:t>
-            </a:r>
-            <a:r>
-              <a:rPr sz="1600" spc="-5" dirty="0">
-                <a:solidFill>
-                  <a:srgbClr val="FFFFFF"/>
-                </a:solidFill>
-                <a:latin typeface="Arial MT"/>
-                <a:cs typeface="Arial MT"/>
-              </a:rPr>
-              <a:t>leituras</a:t>
-            </a:r>
-            <a:r>
-              <a:rPr sz="1600" dirty="0">
-                <a:solidFill>
-                  <a:srgbClr val="FFFFFF"/>
-                </a:solidFill>
-                <a:latin typeface="Arial MT"/>
-                <a:cs typeface="Arial MT"/>
-              </a:rPr>
-              <a:t> </a:t>
-            </a:r>
-            <a:r>
-              <a:rPr sz="1600" spc="-5" dirty="0">
-                <a:solidFill>
-                  <a:srgbClr val="FFFFFF"/>
-                </a:solidFill>
-                <a:latin typeface="Arial MT"/>
-                <a:cs typeface="Arial MT"/>
-              </a:rPr>
-              <a:t>e</a:t>
-            </a:r>
-            <a:r>
-              <a:rPr sz="1600" spc="20" dirty="0">
-                <a:solidFill>
-                  <a:srgbClr val="FFFFFF"/>
-                </a:solidFill>
-                <a:latin typeface="Arial MT"/>
-                <a:cs typeface="Arial MT"/>
-              </a:rPr>
-              <a:t> </a:t>
-            </a:r>
-            <a:r>
-              <a:rPr sz="1600" spc="-5" dirty="0">
-                <a:solidFill>
-                  <a:srgbClr val="FFFFFF"/>
-                </a:solidFill>
-                <a:latin typeface="Arial MT"/>
-                <a:cs typeface="Arial MT"/>
-              </a:rPr>
-              <a:t>coleções.</a:t>
-            </a:r>
-            <a:endParaRPr sz="1600">
-              <a:latin typeface="Arial MT"/>
-              <a:cs typeface="Arial MT"/>
-            </a:endParaRPr>
-          </a:p>
-          <a:p>
-            <a:pPr marL="355600" marR="216535" indent="-343535">
-              <a:lnSpc>
-                <a:spcPct val="100000"/>
-              </a:lnSpc>
-              <a:buClr>
-                <a:srgbClr val="E7B600"/>
-              </a:buClr>
-              <a:buAutoNum type="arabicPeriod"/>
-              <a:tabLst>
-                <a:tab pos="355600" algn="l"/>
-                <a:tab pos="356235" algn="l"/>
-              </a:tabLst>
-            </a:pPr>
-            <a:r>
-              <a:rPr sz="1600" spc="-5" dirty="0">
-                <a:solidFill>
-                  <a:srgbClr val="FFFFFF"/>
-                </a:solidFill>
-                <a:latin typeface="Arial MT"/>
-                <a:cs typeface="Arial MT"/>
-              </a:rPr>
-              <a:t>Maioria</a:t>
-            </a:r>
-            <a:r>
-              <a:rPr sz="1600" spc="5" dirty="0">
-                <a:solidFill>
-                  <a:srgbClr val="FFFFFF"/>
-                </a:solidFill>
-                <a:latin typeface="Arial MT"/>
-                <a:cs typeface="Arial MT"/>
-              </a:rPr>
-              <a:t> </a:t>
-            </a:r>
-            <a:r>
-              <a:rPr sz="1600" spc="-5" dirty="0">
-                <a:solidFill>
-                  <a:srgbClr val="FFFFFF"/>
-                </a:solidFill>
-                <a:latin typeface="Arial MT"/>
-                <a:cs typeface="Arial MT"/>
-              </a:rPr>
-              <a:t>afirma</a:t>
-            </a:r>
-            <a:r>
-              <a:rPr sz="1600" spc="20" dirty="0">
-                <a:solidFill>
-                  <a:srgbClr val="FFFFFF"/>
-                </a:solidFill>
-                <a:latin typeface="Arial MT"/>
-                <a:cs typeface="Arial MT"/>
-              </a:rPr>
-              <a:t> </a:t>
-            </a:r>
-            <a:r>
-              <a:rPr sz="1600" spc="-5" dirty="0">
-                <a:solidFill>
-                  <a:srgbClr val="FFFFFF"/>
-                </a:solidFill>
-                <a:latin typeface="Arial MT"/>
-                <a:cs typeface="Arial MT"/>
-              </a:rPr>
-              <a:t>que</a:t>
-            </a:r>
-            <a:r>
-              <a:rPr sz="1600" spc="20" dirty="0">
-                <a:solidFill>
-                  <a:srgbClr val="FFFFFF"/>
-                </a:solidFill>
-                <a:latin typeface="Arial MT"/>
-                <a:cs typeface="Arial MT"/>
-              </a:rPr>
-              <a:t> </a:t>
-            </a:r>
-            <a:r>
-              <a:rPr sz="1600" spc="-5" dirty="0">
-                <a:solidFill>
-                  <a:srgbClr val="FFFFFF"/>
-                </a:solidFill>
-                <a:latin typeface="Arial MT"/>
-                <a:cs typeface="Arial MT"/>
-              </a:rPr>
-              <a:t>uma</a:t>
-            </a:r>
-            <a:r>
-              <a:rPr sz="1600" spc="20" dirty="0">
-                <a:solidFill>
-                  <a:srgbClr val="FFFFFF"/>
-                </a:solidFill>
-                <a:latin typeface="Arial MT"/>
-                <a:cs typeface="Arial MT"/>
-              </a:rPr>
-              <a:t> </a:t>
-            </a:r>
-            <a:r>
-              <a:rPr sz="1600" spc="-5" dirty="0">
-                <a:solidFill>
-                  <a:srgbClr val="FFFFFF"/>
-                </a:solidFill>
-                <a:latin typeface="Arial MT"/>
-                <a:cs typeface="Arial MT"/>
-              </a:rPr>
-              <a:t>aplicação</a:t>
-            </a:r>
-            <a:r>
-              <a:rPr sz="1600" spc="-15" dirty="0">
-                <a:solidFill>
-                  <a:srgbClr val="FFFFFF"/>
-                </a:solidFill>
-                <a:latin typeface="Arial MT"/>
-                <a:cs typeface="Arial MT"/>
-              </a:rPr>
-              <a:t> </a:t>
-            </a:r>
-            <a:r>
-              <a:rPr sz="1600" spc="-5" dirty="0">
-                <a:solidFill>
-                  <a:srgbClr val="FFFFFF"/>
-                </a:solidFill>
-                <a:latin typeface="Arial MT"/>
-                <a:cs typeface="Arial MT"/>
-              </a:rPr>
-              <a:t>para</a:t>
-            </a:r>
-            <a:r>
-              <a:rPr sz="1600" spc="15" dirty="0">
-                <a:solidFill>
-                  <a:srgbClr val="FFFFFF"/>
-                </a:solidFill>
-                <a:latin typeface="Arial MT"/>
-                <a:cs typeface="Arial MT"/>
-              </a:rPr>
-              <a:t> </a:t>
-            </a:r>
-            <a:r>
-              <a:rPr sz="1600" spc="-5" dirty="0">
-                <a:solidFill>
-                  <a:srgbClr val="FFFFFF"/>
-                </a:solidFill>
-                <a:latin typeface="Arial MT"/>
-                <a:cs typeface="Arial MT"/>
-              </a:rPr>
-              <a:t>auxiliar</a:t>
-            </a:r>
-            <a:r>
-              <a:rPr sz="1600" spc="-10" dirty="0">
-                <a:solidFill>
-                  <a:srgbClr val="FFFFFF"/>
-                </a:solidFill>
-                <a:latin typeface="Arial MT"/>
-                <a:cs typeface="Arial MT"/>
-              </a:rPr>
-              <a:t> </a:t>
-            </a:r>
-            <a:r>
-              <a:rPr sz="1600" spc="-5" dirty="0">
-                <a:solidFill>
-                  <a:srgbClr val="FFFFFF"/>
-                </a:solidFill>
-                <a:latin typeface="Arial MT"/>
-                <a:cs typeface="Arial MT"/>
-              </a:rPr>
-              <a:t>e</a:t>
-            </a:r>
-            <a:r>
-              <a:rPr sz="1600" spc="5" dirty="0">
-                <a:solidFill>
-                  <a:srgbClr val="FFFFFF"/>
-                </a:solidFill>
-                <a:latin typeface="Arial MT"/>
-                <a:cs typeface="Arial MT"/>
-              </a:rPr>
-              <a:t> </a:t>
-            </a:r>
-            <a:r>
-              <a:rPr sz="1600" spc="-5" dirty="0">
-                <a:solidFill>
-                  <a:srgbClr val="FFFFFF"/>
-                </a:solidFill>
-                <a:latin typeface="Arial MT"/>
-                <a:cs typeface="Arial MT"/>
-              </a:rPr>
-              <a:t>facilitar</a:t>
-            </a:r>
-            <a:r>
-              <a:rPr sz="1600" spc="5" dirty="0">
-                <a:solidFill>
-                  <a:srgbClr val="FFFFFF"/>
-                </a:solidFill>
-                <a:latin typeface="Arial MT"/>
-                <a:cs typeface="Arial MT"/>
-              </a:rPr>
-              <a:t> </a:t>
-            </a:r>
-            <a:r>
-              <a:rPr sz="1600" spc="-5" dirty="0">
-                <a:solidFill>
-                  <a:srgbClr val="FFFFFF"/>
-                </a:solidFill>
-                <a:latin typeface="Arial MT"/>
-                <a:cs typeface="Arial MT"/>
-              </a:rPr>
-              <a:t>a</a:t>
-            </a:r>
-            <a:r>
-              <a:rPr sz="1600" spc="5" dirty="0">
-                <a:solidFill>
-                  <a:srgbClr val="FFFFFF"/>
-                </a:solidFill>
-                <a:latin typeface="Arial MT"/>
-                <a:cs typeface="Arial MT"/>
-              </a:rPr>
-              <a:t> </a:t>
-            </a:r>
-            <a:r>
-              <a:rPr sz="1600" spc="-5" dirty="0">
-                <a:solidFill>
-                  <a:srgbClr val="FFFFFF"/>
-                </a:solidFill>
-                <a:latin typeface="Arial MT"/>
-                <a:cs typeface="Arial MT"/>
-              </a:rPr>
-              <a:t>organização</a:t>
-            </a:r>
-            <a:r>
-              <a:rPr sz="1600" spc="5" dirty="0">
-                <a:solidFill>
-                  <a:srgbClr val="FFFFFF"/>
-                </a:solidFill>
-                <a:latin typeface="Arial MT"/>
-                <a:cs typeface="Arial MT"/>
-              </a:rPr>
-              <a:t> </a:t>
-            </a:r>
-            <a:r>
-              <a:rPr sz="1600" spc="-5" dirty="0">
-                <a:solidFill>
-                  <a:srgbClr val="FFFFFF"/>
-                </a:solidFill>
-                <a:latin typeface="Arial MT"/>
-                <a:cs typeface="Arial MT"/>
-              </a:rPr>
-              <a:t>de</a:t>
-            </a:r>
-            <a:r>
-              <a:rPr sz="1600" spc="5" dirty="0">
-                <a:solidFill>
-                  <a:srgbClr val="FFFFFF"/>
-                </a:solidFill>
-                <a:latin typeface="Arial MT"/>
-                <a:cs typeface="Arial MT"/>
-              </a:rPr>
-              <a:t> </a:t>
-            </a:r>
-            <a:r>
-              <a:rPr sz="1600" spc="-5" dirty="0">
-                <a:solidFill>
-                  <a:srgbClr val="FFFFFF"/>
-                </a:solidFill>
-                <a:latin typeface="Arial MT"/>
-                <a:cs typeface="Arial MT"/>
-              </a:rPr>
-              <a:t>suas </a:t>
-            </a:r>
-            <a:r>
-              <a:rPr sz="1600" spc="-430" dirty="0">
-                <a:solidFill>
-                  <a:srgbClr val="FFFFFF"/>
-                </a:solidFill>
-                <a:latin typeface="Arial MT"/>
-                <a:cs typeface="Arial MT"/>
-              </a:rPr>
-              <a:t> </a:t>
-            </a:r>
-            <a:r>
-              <a:rPr sz="1600" spc="-5" dirty="0">
-                <a:solidFill>
-                  <a:srgbClr val="FFFFFF"/>
-                </a:solidFill>
-                <a:latin typeface="Arial MT"/>
-                <a:cs typeface="Arial MT"/>
-              </a:rPr>
-              <a:t>leituras</a:t>
-            </a:r>
-            <a:r>
-              <a:rPr sz="1600" dirty="0">
-                <a:solidFill>
-                  <a:srgbClr val="FFFFFF"/>
-                </a:solidFill>
-                <a:latin typeface="Arial MT"/>
-                <a:cs typeface="Arial MT"/>
-              </a:rPr>
-              <a:t> </a:t>
-            </a:r>
-            <a:r>
-              <a:rPr sz="1600" spc="-5" dirty="0">
-                <a:solidFill>
-                  <a:srgbClr val="FFFFFF"/>
-                </a:solidFill>
-                <a:latin typeface="Arial MT"/>
-                <a:cs typeface="Arial MT"/>
-              </a:rPr>
-              <a:t>de</a:t>
-            </a:r>
-            <a:r>
-              <a:rPr sz="1600" dirty="0">
-                <a:solidFill>
-                  <a:srgbClr val="FFFFFF"/>
-                </a:solidFill>
-                <a:latin typeface="Arial MT"/>
-                <a:cs typeface="Arial MT"/>
-              </a:rPr>
-              <a:t> </a:t>
-            </a:r>
-            <a:r>
-              <a:rPr sz="1600" spc="-5" dirty="0">
-                <a:solidFill>
-                  <a:srgbClr val="FFFFFF"/>
-                </a:solidFill>
-                <a:latin typeface="Arial MT"/>
-                <a:cs typeface="Arial MT"/>
-              </a:rPr>
-              <a:t>quadrinho</a:t>
-            </a:r>
-            <a:r>
-              <a:rPr sz="1600" spc="5" dirty="0">
-                <a:solidFill>
-                  <a:srgbClr val="FFFFFF"/>
-                </a:solidFill>
-                <a:latin typeface="Arial MT"/>
-                <a:cs typeface="Arial MT"/>
-              </a:rPr>
-              <a:t> </a:t>
-            </a:r>
-            <a:r>
-              <a:rPr sz="1600" spc="-5" dirty="0">
-                <a:solidFill>
-                  <a:srgbClr val="FFFFFF"/>
-                </a:solidFill>
-                <a:latin typeface="Arial MT"/>
-                <a:cs typeface="Arial MT"/>
-              </a:rPr>
-              <a:t>seria</a:t>
-            </a:r>
-            <a:r>
-              <a:rPr sz="1600" dirty="0">
-                <a:solidFill>
-                  <a:srgbClr val="FFFFFF"/>
-                </a:solidFill>
-                <a:latin typeface="Arial MT"/>
-                <a:cs typeface="Arial MT"/>
-              </a:rPr>
-              <a:t> </a:t>
-            </a:r>
-            <a:r>
-              <a:rPr sz="1600" spc="-5" dirty="0">
-                <a:solidFill>
-                  <a:srgbClr val="FFFFFF"/>
-                </a:solidFill>
-                <a:latin typeface="Arial MT"/>
-                <a:cs typeface="Arial MT"/>
-              </a:rPr>
-              <a:t>útil,</a:t>
-            </a:r>
-            <a:r>
-              <a:rPr sz="1600" spc="5" dirty="0">
-                <a:solidFill>
-                  <a:srgbClr val="FFFFFF"/>
-                </a:solidFill>
-                <a:latin typeface="Arial MT"/>
-                <a:cs typeface="Arial MT"/>
-              </a:rPr>
-              <a:t> </a:t>
-            </a:r>
-            <a:r>
-              <a:rPr sz="1600" spc="-5" dirty="0">
-                <a:solidFill>
-                  <a:srgbClr val="FFFFFF"/>
-                </a:solidFill>
-                <a:latin typeface="Arial MT"/>
-                <a:cs typeface="Arial MT"/>
-              </a:rPr>
-              <a:t>e</a:t>
-            </a:r>
-            <a:r>
-              <a:rPr sz="1600" spc="15" dirty="0">
-                <a:solidFill>
-                  <a:srgbClr val="FFFFFF"/>
-                </a:solidFill>
-                <a:latin typeface="Arial MT"/>
-                <a:cs typeface="Arial MT"/>
-              </a:rPr>
-              <a:t> </a:t>
-            </a:r>
-            <a:r>
-              <a:rPr sz="1600" spc="-5" dirty="0">
-                <a:solidFill>
-                  <a:srgbClr val="FFFFFF"/>
-                </a:solidFill>
-                <a:latin typeface="Arial MT"/>
-                <a:cs typeface="Arial MT"/>
-              </a:rPr>
-              <a:t>confirmam</a:t>
-            </a:r>
-            <a:r>
-              <a:rPr sz="1600" spc="20" dirty="0">
-                <a:solidFill>
-                  <a:srgbClr val="FFFFFF"/>
-                </a:solidFill>
-                <a:latin typeface="Arial MT"/>
-                <a:cs typeface="Arial MT"/>
-              </a:rPr>
-              <a:t> </a:t>
-            </a:r>
-            <a:r>
-              <a:rPr sz="1600" spc="-5" dirty="0">
-                <a:solidFill>
-                  <a:srgbClr val="FFFFFF"/>
-                </a:solidFill>
-                <a:latin typeface="Arial MT"/>
-                <a:cs typeface="Arial MT"/>
-              </a:rPr>
-              <a:t>que</a:t>
-            </a:r>
-            <a:r>
-              <a:rPr sz="1600" dirty="0">
-                <a:solidFill>
-                  <a:srgbClr val="FFFFFF"/>
-                </a:solidFill>
-                <a:latin typeface="Arial MT"/>
-                <a:cs typeface="Arial MT"/>
-              </a:rPr>
-              <a:t> </a:t>
-            </a:r>
-            <a:r>
-              <a:rPr sz="1600" spc="-5" dirty="0">
-                <a:solidFill>
-                  <a:srgbClr val="FFFFFF"/>
-                </a:solidFill>
-                <a:latin typeface="Arial MT"/>
-                <a:cs typeface="Arial MT"/>
-              </a:rPr>
-              <a:t>utilizariam</a:t>
-            </a:r>
-            <a:r>
-              <a:rPr sz="1600" dirty="0">
-                <a:solidFill>
-                  <a:srgbClr val="FFFFFF"/>
-                </a:solidFill>
-                <a:latin typeface="Arial MT"/>
-                <a:cs typeface="Arial MT"/>
-              </a:rPr>
-              <a:t> </a:t>
-            </a:r>
-            <a:r>
-              <a:rPr sz="1600" spc="-5" dirty="0">
-                <a:solidFill>
-                  <a:srgbClr val="FFFFFF"/>
-                </a:solidFill>
-                <a:latin typeface="Arial MT"/>
-                <a:cs typeface="Arial MT"/>
-              </a:rPr>
-              <a:t>essa</a:t>
-            </a:r>
-            <a:r>
-              <a:rPr sz="1600" dirty="0">
-                <a:solidFill>
-                  <a:srgbClr val="FFFFFF"/>
-                </a:solidFill>
-                <a:latin typeface="Arial MT"/>
-                <a:cs typeface="Arial MT"/>
-              </a:rPr>
-              <a:t> </a:t>
-            </a:r>
-            <a:r>
-              <a:rPr sz="1600" spc="-5" dirty="0">
-                <a:solidFill>
-                  <a:srgbClr val="FFFFFF"/>
-                </a:solidFill>
-                <a:latin typeface="Arial MT"/>
-                <a:cs typeface="Arial MT"/>
-              </a:rPr>
-              <a:t>aplicação.</a:t>
-            </a:r>
-            <a:endParaRPr sz="1600">
-              <a:latin typeface="Arial MT"/>
-              <a:cs typeface="Arial MT"/>
-            </a:endParaRPr>
-          </a:p>
-          <a:p>
-            <a:pPr marL="355600" indent="-343535">
-              <a:lnSpc>
-                <a:spcPct val="100000"/>
-              </a:lnSpc>
-              <a:buClr>
-                <a:srgbClr val="E7B600"/>
-              </a:buClr>
-              <a:buAutoNum type="arabicPeriod"/>
-              <a:tabLst>
-                <a:tab pos="356235" algn="l"/>
-              </a:tabLst>
-            </a:pPr>
-            <a:r>
-              <a:rPr sz="1600" spc="-5" dirty="0">
-                <a:solidFill>
-                  <a:srgbClr val="FFFFFF"/>
-                </a:solidFill>
-                <a:latin typeface="Arial MT"/>
-                <a:cs typeface="Arial MT"/>
-              </a:rPr>
-              <a:t>Como</a:t>
-            </a:r>
-            <a:r>
-              <a:rPr sz="1600" spc="20" dirty="0">
-                <a:solidFill>
-                  <a:srgbClr val="FFFFFF"/>
-                </a:solidFill>
-                <a:latin typeface="Arial MT"/>
-                <a:cs typeface="Arial MT"/>
-              </a:rPr>
-              <a:t> </a:t>
-            </a:r>
-            <a:r>
-              <a:rPr sz="1600" spc="-5" dirty="0">
-                <a:solidFill>
-                  <a:srgbClr val="FFFFFF"/>
-                </a:solidFill>
-                <a:latin typeface="Arial MT"/>
-                <a:cs typeface="Arial MT"/>
-              </a:rPr>
-              <a:t>serviço específico</a:t>
-            </a:r>
-            <a:r>
-              <a:rPr sz="1600" spc="5" dirty="0">
-                <a:solidFill>
-                  <a:srgbClr val="FFFFFF"/>
-                </a:solidFill>
-                <a:latin typeface="Arial MT"/>
-                <a:cs typeface="Arial MT"/>
-              </a:rPr>
-              <a:t> </a:t>
-            </a:r>
-            <a:r>
-              <a:rPr sz="1600" spc="-5" dirty="0">
-                <a:solidFill>
-                  <a:srgbClr val="FFFFFF"/>
-                </a:solidFill>
-                <a:latin typeface="Arial MT"/>
-                <a:cs typeface="Arial MT"/>
-              </a:rPr>
-              <a:t>que</a:t>
-            </a:r>
-            <a:r>
-              <a:rPr sz="1600" spc="5" dirty="0">
-                <a:solidFill>
-                  <a:srgbClr val="FFFFFF"/>
-                </a:solidFill>
-                <a:latin typeface="Arial MT"/>
-                <a:cs typeface="Arial MT"/>
-              </a:rPr>
-              <a:t> </a:t>
-            </a:r>
-            <a:r>
-              <a:rPr sz="1600" spc="-5" dirty="0">
-                <a:solidFill>
-                  <a:srgbClr val="FFFFFF"/>
-                </a:solidFill>
-                <a:latin typeface="Arial MT"/>
-                <a:cs typeface="Arial MT"/>
-              </a:rPr>
-              <a:t>gostariam</a:t>
-            </a:r>
-            <a:r>
-              <a:rPr sz="1600" spc="25" dirty="0">
-                <a:solidFill>
-                  <a:srgbClr val="FFFFFF"/>
-                </a:solidFill>
-                <a:latin typeface="Arial MT"/>
-                <a:cs typeface="Arial MT"/>
-              </a:rPr>
-              <a:t> </a:t>
-            </a:r>
-            <a:r>
-              <a:rPr sz="1600" spc="-5" dirty="0">
-                <a:solidFill>
-                  <a:srgbClr val="FFFFFF"/>
-                </a:solidFill>
-                <a:latin typeface="Arial MT"/>
-                <a:cs typeface="Arial MT"/>
-              </a:rPr>
-              <a:t>de</a:t>
-            </a:r>
-            <a:r>
-              <a:rPr sz="1600" spc="5" dirty="0">
-                <a:solidFill>
-                  <a:srgbClr val="FFFFFF"/>
-                </a:solidFill>
-                <a:latin typeface="Arial MT"/>
-                <a:cs typeface="Arial MT"/>
-              </a:rPr>
-              <a:t> </a:t>
-            </a:r>
-            <a:r>
-              <a:rPr sz="1600" spc="-25" dirty="0">
-                <a:solidFill>
-                  <a:srgbClr val="FFFFFF"/>
-                </a:solidFill>
-                <a:latin typeface="Arial MT"/>
-                <a:cs typeface="Arial MT"/>
-              </a:rPr>
-              <a:t>ver,</a:t>
-            </a:r>
-            <a:r>
-              <a:rPr sz="1600" spc="20" dirty="0">
-                <a:solidFill>
-                  <a:srgbClr val="FFFFFF"/>
-                </a:solidFill>
-                <a:latin typeface="Arial MT"/>
-                <a:cs typeface="Arial MT"/>
-              </a:rPr>
-              <a:t> </a:t>
-            </a:r>
-            <a:r>
-              <a:rPr sz="1600" spc="-5" dirty="0">
-                <a:solidFill>
-                  <a:srgbClr val="FFFFFF"/>
-                </a:solidFill>
-                <a:latin typeface="Arial MT"/>
-                <a:cs typeface="Arial MT"/>
-              </a:rPr>
-              <a:t>identificamos</a:t>
-            </a:r>
-            <a:r>
-              <a:rPr sz="1600" spc="5" dirty="0">
-                <a:solidFill>
-                  <a:srgbClr val="FFFFFF"/>
-                </a:solidFill>
-                <a:latin typeface="Arial MT"/>
-                <a:cs typeface="Arial MT"/>
-              </a:rPr>
-              <a:t> </a:t>
-            </a:r>
-            <a:r>
-              <a:rPr sz="1600" spc="-5" dirty="0">
-                <a:solidFill>
-                  <a:srgbClr val="FFFFFF"/>
-                </a:solidFill>
-                <a:latin typeface="Arial MT"/>
-                <a:cs typeface="Arial MT"/>
-              </a:rPr>
-              <a:t>diversos,</a:t>
-            </a:r>
-            <a:r>
-              <a:rPr sz="1600" spc="5" dirty="0">
-                <a:solidFill>
-                  <a:srgbClr val="FFFFFF"/>
-                </a:solidFill>
-                <a:latin typeface="Arial MT"/>
-                <a:cs typeface="Arial MT"/>
-              </a:rPr>
-              <a:t> </a:t>
-            </a:r>
-            <a:r>
-              <a:rPr sz="1600" spc="-5" dirty="0">
-                <a:solidFill>
-                  <a:srgbClr val="FFFFFF"/>
-                </a:solidFill>
-                <a:latin typeface="Arial MT"/>
-                <a:cs typeface="Arial MT"/>
-              </a:rPr>
-              <a:t>porém</a:t>
-            </a:r>
-            <a:r>
-              <a:rPr sz="1600" spc="20" dirty="0">
-                <a:solidFill>
-                  <a:srgbClr val="FFFFFF"/>
-                </a:solidFill>
-                <a:latin typeface="Arial MT"/>
-                <a:cs typeface="Arial MT"/>
-              </a:rPr>
-              <a:t> </a:t>
-            </a:r>
-            <a:r>
-              <a:rPr sz="1600" spc="-5" dirty="0">
-                <a:solidFill>
-                  <a:srgbClr val="FFFFFF"/>
-                </a:solidFill>
-                <a:latin typeface="Arial MT"/>
-                <a:cs typeface="Arial MT"/>
-              </a:rPr>
-              <a:t>a</a:t>
-            </a:r>
-            <a:endParaRPr sz="1600">
-              <a:latin typeface="Arial MT"/>
-              <a:cs typeface="Arial MT"/>
-            </a:endParaRPr>
-          </a:p>
-          <a:p>
-            <a:pPr marL="355600">
-              <a:lnSpc>
-                <a:spcPct val="100000"/>
-              </a:lnSpc>
-            </a:pPr>
-            <a:r>
-              <a:rPr sz="1600" spc="-5" dirty="0">
-                <a:solidFill>
-                  <a:srgbClr val="FFFFFF"/>
-                </a:solidFill>
-                <a:latin typeface="Arial MT"/>
-                <a:cs typeface="Arial MT"/>
-              </a:rPr>
-              <a:t>possibilidade</a:t>
-            </a:r>
-            <a:r>
-              <a:rPr sz="1600" spc="-40" dirty="0">
-                <a:solidFill>
-                  <a:srgbClr val="FFFFFF"/>
-                </a:solidFill>
-                <a:latin typeface="Arial MT"/>
-                <a:cs typeface="Arial MT"/>
-              </a:rPr>
-              <a:t> </a:t>
-            </a:r>
-            <a:r>
-              <a:rPr sz="1600" spc="-5" dirty="0">
-                <a:solidFill>
-                  <a:srgbClr val="FFFFFF"/>
-                </a:solidFill>
-                <a:latin typeface="Arial MT"/>
-                <a:cs typeface="Arial MT"/>
-              </a:rPr>
-              <a:t>de</a:t>
-            </a:r>
-            <a:r>
-              <a:rPr sz="1600" spc="15" dirty="0">
-                <a:solidFill>
-                  <a:srgbClr val="FFFFFF"/>
-                </a:solidFill>
-                <a:latin typeface="Arial MT"/>
-                <a:cs typeface="Arial MT"/>
-              </a:rPr>
-              <a:t> </a:t>
-            </a:r>
-            <a:r>
-              <a:rPr sz="1600" spc="-5" dirty="0">
-                <a:solidFill>
-                  <a:srgbClr val="FFFFFF"/>
-                </a:solidFill>
-                <a:latin typeface="Arial MT"/>
-                <a:cs typeface="Arial MT"/>
-              </a:rPr>
-              <a:t>avaliar</a:t>
-            </a:r>
-            <a:r>
-              <a:rPr sz="1600" spc="-10" dirty="0">
-                <a:solidFill>
-                  <a:srgbClr val="FFFFFF"/>
-                </a:solidFill>
-                <a:latin typeface="Arial MT"/>
-                <a:cs typeface="Arial MT"/>
-              </a:rPr>
-              <a:t> </a:t>
-            </a:r>
-            <a:r>
-              <a:rPr sz="1600" spc="-5" dirty="0">
-                <a:solidFill>
-                  <a:srgbClr val="FFFFFF"/>
-                </a:solidFill>
-                <a:latin typeface="Arial MT"/>
-                <a:cs typeface="Arial MT"/>
-              </a:rPr>
-              <a:t>quadrinhos</a:t>
-            </a:r>
-            <a:r>
-              <a:rPr sz="1600" spc="5" dirty="0">
-                <a:solidFill>
-                  <a:srgbClr val="FFFFFF"/>
-                </a:solidFill>
-                <a:latin typeface="Arial MT"/>
-                <a:cs typeface="Arial MT"/>
-              </a:rPr>
-              <a:t> </a:t>
-            </a:r>
-            <a:r>
-              <a:rPr sz="1600" dirty="0">
-                <a:solidFill>
-                  <a:srgbClr val="FFFFFF"/>
-                </a:solidFill>
-                <a:latin typeface="Arial MT"/>
-                <a:cs typeface="Arial MT"/>
-              </a:rPr>
-              <a:t>lidos</a:t>
-            </a:r>
-            <a:r>
-              <a:rPr sz="1600" spc="-15" dirty="0">
-                <a:solidFill>
-                  <a:srgbClr val="FFFFFF"/>
-                </a:solidFill>
-                <a:latin typeface="Arial MT"/>
-                <a:cs typeface="Arial MT"/>
-              </a:rPr>
-              <a:t> </a:t>
-            </a:r>
-            <a:r>
-              <a:rPr sz="1600" spc="-5" dirty="0">
-                <a:solidFill>
-                  <a:srgbClr val="FFFFFF"/>
-                </a:solidFill>
-                <a:latin typeface="Arial MT"/>
-                <a:cs typeface="Arial MT"/>
-              </a:rPr>
-              <a:t>se</a:t>
-            </a:r>
-            <a:r>
-              <a:rPr sz="1600" spc="5" dirty="0">
-                <a:solidFill>
-                  <a:srgbClr val="FFFFFF"/>
-                </a:solidFill>
-                <a:latin typeface="Arial MT"/>
-                <a:cs typeface="Arial MT"/>
-              </a:rPr>
-              <a:t> </a:t>
-            </a:r>
-            <a:r>
-              <a:rPr sz="1600" spc="-5" dirty="0">
-                <a:solidFill>
-                  <a:srgbClr val="FFFFFF"/>
-                </a:solidFill>
-                <a:latin typeface="Arial MT"/>
-                <a:cs typeface="Arial MT"/>
-              </a:rPr>
-              <a:t>destaca.</a:t>
-            </a:r>
-            <a:endParaRPr sz="1600">
+              <a:t>.</a:t>
+            </a:r>
+            <a:endParaRPr sz="3000" spc="-5" dirty="0">
+              <a:solidFill>
+                <a:srgbClr val="FFFFFF"/>
+              </a:solidFill>
               <a:latin typeface="Arial MT"/>
               <a:cs typeface="Arial MT"/>
             </a:endParaRPr>
@@ -5869,6 +3498,1367 @@
 </file>
 
 <file path=ppt/slides/slide3.xml><?xml version="1.0" encoding="utf-8"?>
+<p:sld xmlns:a="http://schemas.openxmlformats.org/drawingml/2006/main" xmlns:r="http://schemas.openxmlformats.org/officeDocument/2006/relationships" xmlns:p="http://schemas.openxmlformats.org/presentationml/2006/main" showMasterSp="0">
+  <p:cSld>
+    <p:spTree>
+      <p:nvGrpSpPr>
+        <p:cNvPr id="1" name=""/>
+        <p:cNvGrpSpPr/>
+        <p:nvPr/>
+      </p:nvGrpSpPr>
+      <p:grpSpPr>
+        <a:xfrm>
+          <a:off x="0" y="0"/>
+          <a:ext cx="0" cy="0"/>
+          <a:chOff x="0" y="0"/>
+          <a:chExt cx="0" cy="0"/>
+        </a:xfrm>
+      </p:grpSpPr>
+      <p:sp>
+        <p:nvSpPr>
+          <p:cNvPr id="2" name="object 2"/>
+          <p:cNvSpPr/>
+          <p:nvPr/>
+        </p:nvSpPr>
+        <p:spPr>
+          <a:xfrm>
+            <a:off x="0" y="0"/>
+            <a:ext cx="9144000" cy="6858000"/>
+          </a:xfrm>
+          <a:custGeom>
+            <a:avLst/>
+            <a:gdLst/>
+            <a:ahLst/>
+            <a:cxnLst/>
+            <a:rect l="l" t="t" r="r" b="b"/>
+            <a:pathLst>
+              <a:path w="9144000" h="6858000">
+                <a:moveTo>
+                  <a:pt x="9144000" y="0"/>
+                </a:moveTo>
+                <a:lnTo>
+                  <a:pt x="0" y="0"/>
+                </a:lnTo>
+                <a:lnTo>
+                  <a:pt x="0" y="6858000"/>
+                </a:lnTo>
+                <a:lnTo>
+                  <a:pt x="9144000" y="6858000"/>
+                </a:lnTo>
+                <a:lnTo>
+                  <a:pt x="9144000" y="0"/>
+                </a:lnTo>
+                <a:close/>
+              </a:path>
+            </a:pathLst>
+          </a:custGeom>
+          <a:solidFill>
+            <a:srgbClr val="291F4F"/>
+          </a:solidFill>
+        </p:spPr>
+        <p:txBody>
+          <a:bodyPr wrap="square" lIns="0" tIns="0" rIns="0" bIns="0" rtlCol="0"/>
+          <a:lstStyle/>
+          <a:p>
+            <a:endParaRPr/>
+          </a:p>
+        </p:txBody>
+      </p:sp>
+      <p:pic>
+        <p:nvPicPr>
+          <p:cNvPr id="3" name="object 3"/>
+          <p:cNvPicPr/>
+          <p:nvPr/>
+        </p:nvPicPr>
+        <p:blipFill>
+          <a:blip r:embed="rId2" cstate="print"/>
+          <a:stretch>
+            <a:fillRect/>
+          </a:stretch>
+        </p:blipFill>
+        <p:spPr>
+          <a:xfrm>
+            <a:off x="7958328" y="71627"/>
+            <a:ext cx="1037844" cy="914400"/>
+          </a:xfrm>
+          <a:prstGeom prst="rect">
+            <a:avLst/>
+          </a:prstGeom>
+        </p:spPr>
+      </p:pic>
+      <p:sp>
+        <p:nvSpPr>
+          <p:cNvPr id="4" name="object 4"/>
+          <p:cNvSpPr txBox="1">
+            <a:spLocks noGrp="1"/>
+          </p:cNvSpPr>
+          <p:nvPr>
+            <p:ph type="title"/>
+          </p:nvPr>
+        </p:nvSpPr>
+        <p:spPr>
+          <a:xfrm>
+            <a:off x="3040" y="405511"/>
+            <a:ext cx="9138785" cy="635000"/>
+          </a:xfrm>
+          <a:prstGeom prst="rect">
+            <a:avLst/>
+          </a:prstGeom>
+        </p:spPr>
+        <p:txBody>
+          <a:bodyPr vert="horz" wrap="square" lIns="0" tIns="12065" rIns="0" bIns="0" rtlCol="0" anchor="t">
+            <a:spAutoFit/>
+          </a:bodyPr>
+          <a:lstStyle/>
+          <a:p>
+            <a:pPr marL="12700" algn="ctr">
+              <a:spcBef>
+                <a:spcPts val="95"/>
+              </a:spcBef>
+            </a:pPr>
+            <a:r>
+              <a:rPr lang="pt-BR" spc="-5" dirty="0">
+                <a:solidFill>
+                  <a:srgbClr val="E7B600"/>
+                </a:solidFill>
+              </a:rPr>
+              <a:t>Público Alvo</a:t>
+            </a:r>
+          </a:p>
+        </p:txBody>
+      </p:sp>
+      <p:sp>
+        <p:nvSpPr>
+          <p:cNvPr id="5" name="object 5"/>
+          <p:cNvSpPr txBox="1"/>
+          <p:nvPr/>
+        </p:nvSpPr>
+        <p:spPr>
+          <a:xfrm>
+            <a:off x="2844" y="1284478"/>
+            <a:ext cx="9144385" cy="473848"/>
+          </a:xfrm>
+          <a:prstGeom prst="rect">
+            <a:avLst/>
+          </a:prstGeom>
+        </p:spPr>
+        <p:txBody>
+          <a:bodyPr vert="horz" wrap="square" lIns="0" tIns="12065" rIns="0" bIns="0" rtlCol="0" anchor="t">
+            <a:spAutoFit/>
+          </a:bodyPr>
+          <a:lstStyle/>
+          <a:p>
+            <a:pPr marL="469265" indent="-457200">
+              <a:lnSpc>
+                <a:spcPct val="100000"/>
+              </a:lnSpc>
+              <a:spcBef>
+                <a:spcPts val="5"/>
+              </a:spcBef>
+              <a:buClr>
+                <a:srgbClr val="E7B600"/>
+              </a:buClr>
+              <a:buFont typeface="Arial"/>
+              <a:buChar char="•"/>
+              <a:tabLst>
+                <a:tab pos="355600" algn="l"/>
+                <a:tab pos="356235" algn="l"/>
+              </a:tabLst>
+            </a:pPr>
+            <a:endParaRPr lang="pt-BR" sz="3000" spc="-5" dirty="0">
+              <a:solidFill>
+                <a:srgbClr val="FFFFFF"/>
+              </a:solidFill>
+              <a:latin typeface="Arial MT"/>
+              <a:cs typeface="Arial MT"/>
+            </a:endParaRPr>
+          </a:p>
+        </p:txBody>
+      </p:sp>
+      <p:graphicFrame>
+        <p:nvGraphicFramePr>
+          <p:cNvPr id="7" name="Tabela 6">
+            <a:extLst>
+              <a:ext uri="{FF2B5EF4-FFF2-40B4-BE49-F238E27FC236}">
+                <a16:creationId xmlns:a16="http://schemas.microsoft.com/office/drawing/2014/main" id="{0FD11FB4-7AFE-0FA7-DFC0-15556F65D496}"/>
+              </a:ext>
+            </a:extLst>
+          </p:cNvPr>
+          <p:cNvGraphicFramePr>
+            <a:graphicFrameLocks noGrp="1"/>
+          </p:cNvGraphicFramePr>
+          <p:nvPr>
+            <p:extLst>
+              <p:ext uri="{D42A27DB-BD31-4B8C-83A1-F6EECF244321}">
+                <p14:modId xmlns:p14="http://schemas.microsoft.com/office/powerpoint/2010/main" val="781087196"/>
+              </p:ext>
+            </p:extLst>
+          </p:nvPr>
+        </p:nvGraphicFramePr>
+        <p:xfrm>
+          <a:off x="768246" y="1452172"/>
+          <a:ext cx="7608123" cy="4519783"/>
+        </p:xfrm>
+        <a:graphic>
+          <a:graphicData uri="http://schemas.openxmlformats.org/drawingml/2006/table">
+            <a:tbl>
+              <a:tblPr firstRow="1" bandRow="1">
+                <a:tableStyleId>{5C22544A-7EE6-4342-B048-85BDC9FD1C3A}</a:tableStyleId>
+              </a:tblPr>
+              <a:tblGrid>
+                <a:gridCol w="1889434">
+                  <a:extLst>
+                    <a:ext uri="{9D8B030D-6E8A-4147-A177-3AD203B41FA5}">
+                      <a16:colId xmlns:a16="http://schemas.microsoft.com/office/drawing/2014/main" val="482039719"/>
+                    </a:ext>
+                  </a:extLst>
+                </a:gridCol>
+                <a:gridCol w="5718689">
+                  <a:extLst>
+                    <a:ext uri="{9D8B030D-6E8A-4147-A177-3AD203B41FA5}">
+                      <a16:colId xmlns:a16="http://schemas.microsoft.com/office/drawing/2014/main" val="1987553291"/>
+                    </a:ext>
+                  </a:extLst>
+                </a:gridCol>
+              </a:tblGrid>
+              <a:tr h="1058680">
+                <a:tc gridSpan="2">
+                  <a:txBody>
+                    <a:bodyPr/>
+                    <a:lstStyle/>
+                    <a:p>
+                      <a:pPr fontAlgn="t"/>
+                      <a:endParaRPr lang="pt-BR" sz="2000" dirty="0">
+                        <a:effectLst/>
+                      </a:endParaRPr>
+                    </a:p>
+                    <a:p>
+                      <a:pPr algn="just" rtl="0" fontAlgn="base"/>
+                      <a:r>
+                        <a:rPr lang="pt-BR" sz="2000" b="1" i="0" dirty="0">
+                          <a:solidFill>
+                            <a:srgbClr val="000000"/>
+                          </a:solidFill>
+                          <a:effectLst/>
+                          <a:latin typeface="Arial"/>
+                        </a:rPr>
+                        <a:t>Perfil 01: Leitor 1</a:t>
+                      </a:r>
+                      <a:r>
+                        <a:rPr lang="pt-BR" sz="2000" b="0" i="0" dirty="0">
+                          <a:solidFill>
+                            <a:srgbClr val="000000"/>
+                          </a:solidFill>
+                          <a:effectLst/>
+                          <a:latin typeface="Arial"/>
+                        </a:rPr>
+                        <a:t> </a:t>
+                      </a:r>
+                      <a:endParaRPr lang="pt-BR" sz="2000" b="0" i="0">
+                        <a:effectLst/>
+                        <a:latin typeface="Arial"/>
+                      </a:endParaRPr>
+                    </a:p>
+                  </a:txBody>
+                  <a:tcPr>
+                    <a:lnL w="9525" cap="flat" cmpd="sng" algn="ctr">
+                      <a:solidFill>
+                        <a:schemeClr val="bg1"/>
+                      </a:solidFill>
+                      <a:prstDash val="solid"/>
+                      <a:round/>
+                      <a:headEnd type="none" w="med" len="med"/>
+                      <a:tailEnd type="none" w="med" len="med"/>
+                    </a:lnL>
+                    <a:lnR w="9525" cap="flat" cmpd="sng" algn="ctr">
+                      <a:solidFill>
+                        <a:schemeClr val="bg1"/>
+                      </a:solidFill>
+                      <a:prstDash val="solid"/>
+                      <a:round/>
+                      <a:headEnd type="none" w="med" len="med"/>
+                      <a:tailEnd type="none" w="med" len="med"/>
+                    </a:lnR>
+                    <a:lnT w="9525" cap="flat" cmpd="sng" algn="ctr">
+                      <a:solidFill>
+                        <a:schemeClr val="bg1"/>
+                      </a:solidFill>
+                      <a:prstDash val="solid"/>
+                      <a:round/>
+                      <a:headEnd type="none" w="med" len="med"/>
+                      <a:tailEnd type="none" w="med" len="med"/>
+                    </a:lnT>
+                    <a:lnB w="9525" cap="flat" cmpd="sng" algn="ctr">
+                      <a:solidFill>
+                        <a:schemeClr val="bg1"/>
+                      </a:solidFill>
+                      <a:prstDash val="solid"/>
+                      <a:round/>
+                      <a:headEnd type="none" w="med" len="med"/>
+                      <a:tailEnd type="none" w="med" len="med"/>
+                    </a:lnB>
+                  </a:tcPr>
+                </a:tc>
+                <a:tc hMerge="1">
+                  <a:txBody>
+                    <a:bodyPr/>
+                    <a:lstStyle/>
+                    <a:p>
+                      <a:endParaRPr lang="pt-BR"/>
+                    </a:p>
+                  </a:txBody>
+                  <a:tcPr/>
+                </a:tc>
+                <a:extLst>
+                  <a:ext uri="{0D108BD9-81ED-4DB2-BD59-A6C34878D82A}">
+                    <a16:rowId xmlns:a16="http://schemas.microsoft.com/office/drawing/2014/main" val="612311144"/>
+                  </a:ext>
+                </a:extLst>
+              </a:tr>
+              <a:tr h="1845663">
+                <a:tc>
+                  <a:txBody>
+                    <a:bodyPr/>
+                    <a:lstStyle/>
+                    <a:p>
+                      <a:pPr fontAlgn="t"/>
+                      <a:endParaRPr lang="pt-BR" sz="2000" dirty="0">
+                        <a:effectLst/>
+                      </a:endParaRPr>
+                    </a:p>
+                    <a:p>
+                      <a:pPr algn="just" rtl="0" fontAlgn="base"/>
+                      <a:r>
+                        <a:rPr lang="pt-BR" sz="2000" b="1" i="0" dirty="0">
+                          <a:solidFill>
+                            <a:srgbClr val="000000"/>
+                          </a:solidFill>
+                          <a:effectLst/>
+                          <a:latin typeface="Arial"/>
+                        </a:rPr>
+                        <a:t>Descrição: </a:t>
+                      </a:r>
+                      <a:r>
+                        <a:rPr lang="pt-BR" sz="2000" b="0" i="0" dirty="0">
+                          <a:solidFill>
+                            <a:srgbClr val="000000"/>
+                          </a:solidFill>
+                          <a:effectLst/>
+                          <a:latin typeface="Arial"/>
+                        </a:rPr>
+                        <a:t> </a:t>
+                      </a:r>
+                      <a:endParaRPr lang="pt-BR" sz="2000" b="0" i="0">
+                        <a:effectLst/>
+                        <a:latin typeface="Arial"/>
+                      </a:endParaRPr>
+                    </a:p>
+                  </a:txBody>
+                  <a:tcPr>
+                    <a:lnL w="9525" cap="flat" cmpd="sng" algn="ctr">
+                      <a:solidFill>
+                        <a:schemeClr val="bg1"/>
+                      </a:solidFill>
+                      <a:prstDash val="solid"/>
+                      <a:round/>
+                      <a:headEnd type="none" w="med" len="med"/>
+                      <a:tailEnd type="none" w="med" len="med"/>
+                    </a:lnL>
+                    <a:lnR w="9525" cap="flat" cmpd="sng" algn="ctr">
+                      <a:solidFill>
+                        <a:schemeClr val="bg1"/>
+                      </a:solidFill>
+                      <a:prstDash val="solid"/>
+                      <a:round/>
+                      <a:headEnd type="none" w="med" len="med"/>
+                      <a:tailEnd type="none" w="med" len="med"/>
+                    </a:lnR>
+                    <a:lnT w="9525" cap="flat" cmpd="sng" algn="ctr">
+                      <a:solidFill>
+                        <a:schemeClr val="bg1"/>
+                      </a:solidFill>
+                      <a:prstDash val="solid"/>
+                      <a:round/>
+                      <a:headEnd type="none" w="med" len="med"/>
+                      <a:tailEnd type="none" w="med" len="med"/>
+                    </a:lnT>
+                    <a:lnB w="9525" cap="flat" cmpd="sng" algn="ctr">
+                      <a:solidFill>
+                        <a:schemeClr val="bg1"/>
+                      </a:solidFill>
+                      <a:prstDash val="solid"/>
+                      <a:round/>
+                      <a:headEnd type="none" w="med" len="med"/>
+                      <a:tailEnd type="none" w="med" len="med"/>
+                    </a:lnB>
+                  </a:tcPr>
+                </a:tc>
+                <a:tc>
+                  <a:txBody>
+                    <a:bodyPr/>
+                    <a:lstStyle/>
+                    <a:p>
+                      <a:pPr fontAlgn="t"/>
+                      <a:endParaRPr lang="pt-BR" sz="2000" dirty="0">
+                        <a:effectLst/>
+                      </a:endParaRPr>
+                    </a:p>
+                    <a:p>
+                      <a:pPr algn="just" rtl="0" fontAlgn="base"/>
+                      <a:r>
+                        <a:rPr lang="pt-BR" sz="2000" b="0" i="0" dirty="0">
+                          <a:solidFill>
+                            <a:srgbClr val="000000"/>
+                          </a:solidFill>
+                          <a:effectLst/>
+                          <a:latin typeface="Arial"/>
+                        </a:rPr>
+                        <a:t>Leitor de quadrinhos em sua maioria entre 18-25 anos, que já tem familiaridade com aplicações de organização digital, e costumes individuais de organização. </a:t>
+                      </a:r>
+                      <a:endParaRPr lang="pt-BR" sz="2000" b="0" i="0">
+                        <a:effectLst/>
+                        <a:latin typeface="Arial"/>
+                      </a:endParaRPr>
+                    </a:p>
+                  </a:txBody>
+                  <a:tcPr>
+                    <a:lnL w="9525" cap="flat" cmpd="sng" algn="ctr">
+                      <a:solidFill>
+                        <a:schemeClr val="bg1"/>
+                      </a:solidFill>
+                      <a:prstDash val="solid"/>
+                      <a:round/>
+                      <a:headEnd type="none" w="med" len="med"/>
+                      <a:tailEnd type="none" w="med" len="med"/>
+                    </a:lnL>
+                    <a:lnR w="9525" cap="flat" cmpd="sng" algn="ctr">
+                      <a:solidFill>
+                        <a:schemeClr val="bg1"/>
+                      </a:solidFill>
+                      <a:prstDash val="solid"/>
+                      <a:round/>
+                      <a:headEnd type="none" w="med" len="med"/>
+                      <a:tailEnd type="none" w="med" len="med"/>
+                    </a:lnR>
+                    <a:lnT w="9525" cap="flat" cmpd="sng" algn="ctr">
+                      <a:solidFill>
+                        <a:schemeClr val="bg1"/>
+                      </a:solidFill>
+                      <a:prstDash val="solid"/>
+                      <a:round/>
+                      <a:headEnd type="none" w="med" len="med"/>
+                      <a:tailEnd type="none" w="med" len="med"/>
+                    </a:lnT>
+                    <a:lnB w="9525" cap="flat" cmpd="sng" algn="ctr">
+                      <a:solidFill>
+                        <a:schemeClr val="bg1"/>
+                      </a:solidFill>
+                      <a:prstDash val="solid"/>
+                      <a:round/>
+                      <a:headEnd type="none" w="med" len="med"/>
+                      <a:tailEnd type="none" w="med" len="med"/>
+                    </a:lnB>
+                  </a:tcPr>
+                </a:tc>
+                <a:extLst>
+                  <a:ext uri="{0D108BD9-81ED-4DB2-BD59-A6C34878D82A}">
+                    <a16:rowId xmlns:a16="http://schemas.microsoft.com/office/drawing/2014/main" val="2652367634"/>
+                  </a:ext>
+                </a:extLst>
+              </a:tr>
+              <a:tr h="1540745">
+                <a:tc>
+                  <a:txBody>
+                    <a:bodyPr/>
+                    <a:lstStyle/>
+                    <a:p>
+                      <a:pPr fontAlgn="t"/>
+                      <a:endParaRPr lang="pt-BR" sz="2000" dirty="0">
+                        <a:effectLst/>
+                      </a:endParaRPr>
+                    </a:p>
+                    <a:p>
+                      <a:pPr algn="just" rtl="0" fontAlgn="base"/>
+                      <a:r>
+                        <a:rPr lang="pt-BR" sz="2000" b="1" i="0" dirty="0">
+                          <a:solidFill>
+                            <a:srgbClr val="000000"/>
+                          </a:solidFill>
+                          <a:effectLst/>
+                          <a:latin typeface="Arial"/>
+                        </a:rPr>
+                        <a:t>Necessidades: </a:t>
+                      </a:r>
+                      <a:r>
+                        <a:rPr lang="pt-BR" sz="2000" b="0" i="0" dirty="0">
+                          <a:solidFill>
+                            <a:srgbClr val="000000"/>
+                          </a:solidFill>
+                          <a:effectLst/>
+                          <a:latin typeface="Arial"/>
+                        </a:rPr>
+                        <a:t> </a:t>
+                      </a:r>
+                      <a:endParaRPr lang="pt-BR" sz="2000" b="0" i="0">
+                        <a:effectLst/>
+                        <a:latin typeface="Arial"/>
+                      </a:endParaRPr>
+                    </a:p>
+                  </a:txBody>
+                  <a:tcPr>
+                    <a:lnL w="9525" cap="flat" cmpd="sng" algn="ctr">
+                      <a:solidFill>
+                        <a:schemeClr val="bg1"/>
+                      </a:solidFill>
+                      <a:prstDash val="solid"/>
+                      <a:round/>
+                      <a:headEnd type="none" w="med" len="med"/>
+                      <a:tailEnd type="none" w="med" len="med"/>
+                    </a:lnL>
+                    <a:lnR w="9525" cap="flat" cmpd="sng" algn="ctr">
+                      <a:solidFill>
+                        <a:schemeClr val="bg1"/>
+                      </a:solidFill>
+                      <a:prstDash val="solid"/>
+                      <a:round/>
+                      <a:headEnd type="none" w="med" len="med"/>
+                      <a:tailEnd type="none" w="med" len="med"/>
+                    </a:lnR>
+                    <a:lnT w="9525" cap="flat" cmpd="sng" algn="ctr">
+                      <a:solidFill>
+                        <a:schemeClr val="bg1"/>
+                      </a:solidFill>
+                      <a:prstDash val="solid"/>
+                      <a:round/>
+                      <a:headEnd type="none" w="med" len="med"/>
+                      <a:tailEnd type="none" w="med" len="med"/>
+                    </a:lnT>
+                    <a:lnB w="9525" cap="flat" cmpd="sng" algn="ctr">
+                      <a:solidFill>
+                        <a:schemeClr val="bg1"/>
+                      </a:solidFill>
+                      <a:prstDash val="solid"/>
+                      <a:round/>
+                      <a:headEnd type="none" w="med" len="med"/>
+                      <a:tailEnd type="none" w="med" len="med"/>
+                    </a:lnB>
+                  </a:tcPr>
+                </a:tc>
+                <a:tc>
+                  <a:txBody>
+                    <a:bodyPr/>
+                    <a:lstStyle/>
+                    <a:p>
+                      <a:pPr fontAlgn="t"/>
+                      <a:endParaRPr lang="pt-BR" sz="2000" dirty="0">
+                        <a:effectLst/>
+                      </a:endParaRPr>
+                    </a:p>
+                    <a:p>
+                      <a:pPr marL="342900" lvl="0" indent="-342900" algn="just" rtl="0" fontAlgn="base">
+                        <a:buFont typeface="+mj-lt"/>
+                        <a:buAutoNum type="arabicPeriod"/>
+                      </a:pPr>
+                      <a:r>
+                        <a:rPr lang="pt-BR" sz="2000" b="0" i="0" dirty="0">
+                          <a:solidFill>
+                            <a:srgbClr val="000000"/>
+                          </a:solidFill>
+                          <a:effectLst/>
+                          <a:latin typeface="Arial"/>
+                        </a:rPr>
+                        <a:t>Organização das leituras de quadrinhos. </a:t>
+                      </a:r>
+                      <a:endParaRPr lang="pt-BR" sz="2000" b="0" i="0">
+                        <a:effectLst/>
+                        <a:latin typeface="Arial"/>
+                      </a:endParaRPr>
+                    </a:p>
+                    <a:p>
+                      <a:pPr marL="342900" lvl="0" indent="-342900" algn="just" rtl="0" fontAlgn="base">
+                        <a:buFont typeface="+mj-lt"/>
+                        <a:buAutoNum type="arabicPeriod" startAt="2"/>
+                      </a:pPr>
+                      <a:r>
+                        <a:rPr lang="pt-BR" sz="2000" b="0" i="0" dirty="0">
+                          <a:solidFill>
+                            <a:srgbClr val="000000"/>
+                          </a:solidFill>
+                          <a:effectLst/>
+                          <a:latin typeface="Arial"/>
+                        </a:rPr>
+                        <a:t>Avaliar e dar notas aos quadrinhos. </a:t>
+                      </a:r>
+                      <a:endParaRPr lang="pt-BR" sz="2000" b="0" i="0">
+                        <a:effectLst/>
+                        <a:latin typeface="Arial"/>
+                      </a:endParaRPr>
+                    </a:p>
+                    <a:p>
+                      <a:pPr marL="342900" lvl="0" indent="-342900" algn="just" rtl="0" fontAlgn="base">
+                        <a:buFont typeface="+mj-lt"/>
+                        <a:buAutoNum type="arabicPeriod" startAt="3"/>
+                      </a:pPr>
+                      <a:r>
+                        <a:rPr lang="pt-BR" sz="2000" b="0" i="0">
+                          <a:solidFill>
+                            <a:srgbClr val="000000"/>
+                          </a:solidFill>
+                          <a:effectLst/>
+                          <a:latin typeface="Arial"/>
+                        </a:rPr>
+                        <a:t>Descoberta de novos quadrinhos. </a:t>
+                      </a:r>
+                      <a:endParaRPr lang="pt-BR" sz="2000" b="0" i="0">
+                        <a:effectLst/>
+                        <a:latin typeface="Arial"/>
+                      </a:endParaRPr>
+                    </a:p>
+                    <a:p>
+                      <a:pPr marL="342900" lvl="0" indent="-342900" algn="just" rtl="0" fontAlgn="base">
+                        <a:buFont typeface="+mj-lt"/>
+                        <a:buAutoNum type="arabicPeriod" startAt="4"/>
+                      </a:pPr>
+                      <a:r>
+                        <a:rPr lang="pt-BR" sz="2000" b="0" i="0">
+                          <a:solidFill>
+                            <a:srgbClr val="000000"/>
+                          </a:solidFill>
+                          <a:effectLst/>
+                          <a:latin typeface="Arial"/>
+                        </a:rPr>
+                        <a:t>Saber o progresso de leitura. </a:t>
+                      </a:r>
+                      <a:endParaRPr lang="pt-BR" sz="2000" b="0" i="0">
+                        <a:effectLst/>
+                        <a:latin typeface="Arial"/>
+                      </a:endParaRPr>
+                    </a:p>
+                  </a:txBody>
+                  <a:tcPr>
+                    <a:lnL w="9525" cap="flat" cmpd="sng" algn="ctr">
+                      <a:solidFill>
+                        <a:schemeClr val="bg1"/>
+                      </a:solidFill>
+                      <a:prstDash val="solid"/>
+                      <a:round/>
+                      <a:headEnd type="none" w="med" len="med"/>
+                      <a:tailEnd type="none" w="med" len="med"/>
+                    </a:lnL>
+                    <a:lnR w="9525" cap="flat" cmpd="sng" algn="ctr">
+                      <a:solidFill>
+                        <a:schemeClr val="bg1"/>
+                      </a:solidFill>
+                      <a:prstDash val="solid"/>
+                      <a:round/>
+                      <a:headEnd type="none" w="med" len="med"/>
+                      <a:tailEnd type="none" w="med" len="med"/>
+                    </a:lnR>
+                    <a:lnT w="9525" cap="flat" cmpd="sng" algn="ctr">
+                      <a:solidFill>
+                        <a:schemeClr val="bg1"/>
+                      </a:solidFill>
+                      <a:prstDash val="solid"/>
+                      <a:round/>
+                      <a:headEnd type="none" w="med" len="med"/>
+                      <a:tailEnd type="none" w="med" len="med"/>
+                    </a:lnT>
+                    <a:lnB w="9525" cap="flat" cmpd="sng" algn="ctr">
+                      <a:solidFill>
+                        <a:schemeClr val="bg1"/>
+                      </a:solidFill>
+                      <a:prstDash val="solid"/>
+                      <a:round/>
+                      <a:headEnd type="none" w="med" len="med"/>
+                      <a:tailEnd type="none" w="med" len="med"/>
+                    </a:lnB>
+                  </a:tcPr>
+                </a:tc>
+                <a:extLst>
+                  <a:ext uri="{0D108BD9-81ED-4DB2-BD59-A6C34878D82A}">
+                    <a16:rowId xmlns:a16="http://schemas.microsoft.com/office/drawing/2014/main" val="1344057035"/>
+                  </a:ext>
+                </a:extLst>
+              </a:tr>
+            </a:tbl>
+          </a:graphicData>
+        </a:graphic>
+      </p:graphicFrame>
+      <p:sp>
+        <p:nvSpPr>
+          <p:cNvPr id="8" name="CaixaDeTexto 7">
+            <a:extLst>
+              <a:ext uri="{FF2B5EF4-FFF2-40B4-BE49-F238E27FC236}">
+                <a16:creationId xmlns:a16="http://schemas.microsoft.com/office/drawing/2014/main" id="{C64F570B-590B-2D98-1B29-3F37F91AC0B7}"/>
+              </a:ext>
+            </a:extLst>
+          </p:cNvPr>
+          <p:cNvSpPr txBox="1"/>
+          <p:nvPr/>
+        </p:nvSpPr>
+        <p:spPr>
+          <a:xfrm>
+            <a:off x="3200400" y="3200400"/>
+            <a:ext cx="2743200" cy="707886"/>
+          </a:xfrm>
+          <a:prstGeom prst="rect">
+            <a:avLst/>
+          </a:prstGeom>
+          <a:noFill/>
+        </p:spPr>
+        <p:txBody>
+          <a:bodyPr rot="0" spcFirstLastPara="0" vertOverflow="overflow" horzOverflow="overflow" vert="horz" wrap="square" lIns="91440" tIns="45720" rIns="91440" bIns="45720" numCol="1" spcCol="0" rtlCol="0" fromWordArt="0" anchor="t" anchorCtr="0" forceAA="0" compatLnSpc="1">
+            <a:prstTxWarp prst="textNoShape">
+              <a:avLst/>
+            </a:prstTxWarp>
+            <a:spAutoFit/>
+          </a:bodyPr>
+          <a:lstStyle/>
+          <a:p>
+            <a:pPr algn="just"/>
+            <a:endParaRPr lang="en-US" sz="1100">
+              <a:solidFill>
+                <a:srgbClr val="0070C0"/>
+              </a:solidFill>
+              <a:latin typeface="Arial"/>
+              <a:cs typeface="Arial"/>
+            </a:endParaRPr>
+          </a:p>
+          <a:p>
+            <a:endParaRPr lang="en-US">
+              <a:latin typeface="Segoe UI"/>
+              <a:cs typeface="Segoe UI"/>
+            </a:endParaRPr>
+          </a:p>
+          <a:p>
+            <a:pPr algn="just"/>
+            <a:endParaRPr lang="en-US" sz="1100">
+              <a:latin typeface="Arial"/>
+              <a:cs typeface="Arial"/>
+            </a:endParaRPr>
+          </a:p>
+        </p:txBody>
+      </p:sp>
+    </p:spTree>
+    <p:extLst>
+      <p:ext uri="{BB962C8B-B14F-4D97-AF65-F5344CB8AC3E}">
+        <p14:creationId xmlns:p14="http://schemas.microsoft.com/office/powerpoint/2010/main" val="501800597"/>
+      </p:ext>
+    </p:extLst>
+  </p:cSld>
+  <p:clrMapOvr>
+    <a:masterClrMapping/>
+  </p:clrMapOvr>
+</p:sld>
+</file>
+
+<file path=ppt/slides/slide4.xml><?xml version="1.0" encoding="utf-8"?>
+<p:sld xmlns:a="http://schemas.openxmlformats.org/drawingml/2006/main" xmlns:r="http://schemas.openxmlformats.org/officeDocument/2006/relationships" xmlns:p="http://schemas.openxmlformats.org/presentationml/2006/main" showMasterSp="0">
+  <p:cSld>
+    <p:spTree>
+      <p:nvGrpSpPr>
+        <p:cNvPr id="1" name=""/>
+        <p:cNvGrpSpPr/>
+        <p:nvPr/>
+      </p:nvGrpSpPr>
+      <p:grpSpPr>
+        <a:xfrm>
+          <a:off x="0" y="0"/>
+          <a:ext cx="0" cy="0"/>
+          <a:chOff x="0" y="0"/>
+          <a:chExt cx="0" cy="0"/>
+        </a:xfrm>
+      </p:grpSpPr>
+      <p:sp>
+        <p:nvSpPr>
+          <p:cNvPr id="2" name="object 2"/>
+          <p:cNvSpPr/>
+          <p:nvPr/>
+        </p:nvSpPr>
+        <p:spPr>
+          <a:xfrm>
+            <a:off x="0" y="0"/>
+            <a:ext cx="9144000" cy="6858000"/>
+          </a:xfrm>
+          <a:custGeom>
+            <a:avLst/>
+            <a:gdLst/>
+            <a:ahLst/>
+            <a:cxnLst/>
+            <a:rect l="l" t="t" r="r" b="b"/>
+            <a:pathLst>
+              <a:path w="9144000" h="6858000">
+                <a:moveTo>
+                  <a:pt x="9144000" y="0"/>
+                </a:moveTo>
+                <a:lnTo>
+                  <a:pt x="0" y="0"/>
+                </a:lnTo>
+                <a:lnTo>
+                  <a:pt x="0" y="6858000"/>
+                </a:lnTo>
+                <a:lnTo>
+                  <a:pt x="9144000" y="6858000"/>
+                </a:lnTo>
+                <a:lnTo>
+                  <a:pt x="9144000" y="0"/>
+                </a:lnTo>
+                <a:close/>
+              </a:path>
+            </a:pathLst>
+          </a:custGeom>
+          <a:solidFill>
+            <a:srgbClr val="291F4F"/>
+          </a:solidFill>
+        </p:spPr>
+        <p:txBody>
+          <a:bodyPr wrap="square" lIns="0" tIns="0" rIns="0" bIns="0" rtlCol="0"/>
+          <a:lstStyle/>
+          <a:p>
+            <a:endParaRPr/>
+          </a:p>
+        </p:txBody>
+      </p:sp>
+      <p:pic>
+        <p:nvPicPr>
+          <p:cNvPr id="3" name="object 3"/>
+          <p:cNvPicPr/>
+          <p:nvPr/>
+        </p:nvPicPr>
+        <p:blipFill>
+          <a:blip r:embed="rId2" cstate="print"/>
+          <a:stretch>
+            <a:fillRect/>
+          </a:stretch>
+        </p:blipFill>
+        <p:spPr>
+          <a:xfrm>
+            <a:off x="7958328" y="71627"/>
+            <a:ext cx="1037844" cy="914400"/>
+          </a:xfrm>
+          <a:prstGeom prst="rect">
+            <a:avLst/>
+          </a:prstGeom>
+        </p:spPr>
+      </p:pic>
+      <p:sp>
+        <p:nvSpPr>
+          <p:cNvPr id="4" name="object 4"/>
+          <p:cNvSpPr txBox="1">
+            <a:spLocks noGrp="1"/>
+          </p:cNvSpPr>
+          <p:nvPr>
+            <p:ph type="title"/>
+          </p:nvPr>
+        </p:nvSpPr>
+        <p:spPr>
+          <a:xfrm>
+            <a:off x="3040" y="405511"/>
+            <a:ext cx="9138785" cy="635000"/>
+          </a:xfrm>
+          <a:prstGeom prst="rect">
+            <a:avLst/>
+          </a:prstGeom>
+        </p:spPr>
+        <p:txBody>
+          <a:bodyPr vert="horz" wrap="square" lIns="0" tIns="12065" rIns="0" bIns="0" rtlCol="0" anchor="t">
+            <a:spAutoFit/>
+          </a:bodyPr>
+          <a:lstStyle/>
+          <a:p>
+            <a:pPr marL="12700" algn="ctr">
+              <a:spcBef>
+                <a:spcPts val="95"/>
+              </a:spcBef>
+            </a:pPr>
+            <a:r>
+              <a:rPr lang="pt-BR" spc="-5" dirty="0">
+                <a:solidFill>
+                  <a:srgbClr val="E7B600"/>
+                </a:solidFill>
+              </a:rPr>
+              <a:t>Público Alvo</a:t>
+            </a:r>
+          </a:p>
+        </p:txBody>
+      </p:sp>
+      <p:sp>
+        <p:nvSpPr>
+          <p:cNvPr id="5" name="object 5"/>
+          <p:cNvSpPr txBox="1"/>
+          <p:nvPr/>
+        </p:nvSpPr>
+        <p:spPr>
+          <a:xfrm>
+            <a:off x="2844" y="1284478"/>
+            <a:ext cx="9144385" cy="473848"/>
+          </a:xfrm>
+          <a:prstGeom prst="rect">
+            <a:avLst/>
+          </a:prstGeom>
+        </p:spPr>
+        <p:txBody>
+          <a:bodyPr vert="horz" wrap="square" lIns="0" tIns="12065" rIns="0" bIns="0" rtlCol="0" anchor="t">
+            <a:spAutoFit/>
+          </a:bodyPr>
+          <a:lstStyle/>
+          <a:p>
+            <a:pPr marL="469265" indent="-457200">
+              <a:lnSpc>
+                <a:spcPct val="100000"/>
+              </a:lnSpc>
+              <a:spcBef>
+                <a:spcPts val="5"/>
+              </a:spcBef>
+              <a:buClr>
+                <a:srgbClr val="E7B600"/>
+              </a:buClr>
+              <a:buFont typeface="Arial"/>
+              <a:buChar char="•"/>
+              <a:tabLst>
+                <a:tab pos="355600" algn="l"/>
+                <a:tab pos="356235" algn="l"/>
+              </a:tabLst>
+            </a:pPr>
+            <a:endParaRPr lang="pt-BR" sz="3000" spc="-5" dirty="0">
+              <a:solidFill>
+                <a:srgbClr val="FFFFFF"/>
+              </a:solidFill>
+              <a:latin typeface="Arial MT"/>
+              <a:cs typeface="Arial MT"/>
+            </a:endParaRPr>
+          </a:p>
+        </p:txBody>
+      </p:sp>
+      <p:graphicFrame>
+        <p:nvGraphicFramePr>
+          <p:cNvPr id="9" name="Tabela 8">
+            <a:extLst>
+              <a:ext uri="{FF2B5EF4-FFF2-40B4-BE49-F238E27FC236}">
+                <a16:creationId xmlns:a16="http://schemas.microsoft.com/office/drawing/2014/main" id="{A209829F-A155-0F83-4394-934E6562DF3C}"/>
+              </a:ext>
+            </a:extLst>
+          </p:cNvPr>
+          <p:cNvGraphicFramePr>
+            <a:graphicFrameLocks noGrp="1"/>
+          </p:cNvGraphicFramePr>
+          <p:nvPr>
+            <p:extLst>
+              <p:ext uri="{D42A27DB-BD31-4B8C-83A1-F6EECF244321}">
+                <p14:modId xmlns:p14="http://schemas.microsoft.com/office/powerpoint/2010/main" val="3959505687"/>
+              </p:ext>
+            </p:extLst>
+          </p:nvPr>
+        </p:nvGraphicFramePr>
+        <p:xfrm>
+          <a:off x="861934" y="1433434"/>
+          <a:ext cx="7420563" cy="4656317"/>
+        </p:xfrm>
+        <a:graphic>
+          <a:graphicData uri="http://schemas.openxmlformats.org/drawingml/2006/table">
+            <a:tbl>
+              <a:tblPr firstRow="1" bandRow="1">
+                <a:tableStyleId>{5C22544A-7EE6-4342-B048-85BDC9FD1C3A}</a:tableStyleId>
+              </a:tblPr>
+              <a:tblGrid>
+                <a:gridCol w="1845911">
+                  <a:extLst>
+                    <a:ext uri="{9D8B030D-6E8A-4147-A177-3AD203B41FA5}">
+                      <a16:colId xmlns:a16="http://schemas.microsoft.com/office/drawing/2014/main" val="3131755001"/>
+                    </a:ext>
+                  </a:extLst>
+                </a:gridCol>
+                <a:gridCol w="5574652">
+                  <a:extLst>
+                    <a:ext uri="{9D8B030D-6E8A-4147-A177-3AD203B41FA5}">
+                      <a16:colId xmlns:a16="http://schemas.microsoft.com/office/drawing/2014/main" val="744684701"/>
+                    </a:ext>
+                  </a:extLst>
+                </a:gridCol>
+              </a:tblGrid>
+              <a:tr h="1021204">
+                <a:tc gridSpan="2">
+                  <a:txBody>
+                    <a:bodyPr/>
+                    <a:lstStyle/>
+                    <a:p>
+                      <a:pPr fontAlgn="t"/>
+                      <a:endParaRPr lang="pt-BR" sz="2000" dirty="0">
+                        <a:effectLst/>
+                      </a:endParaRPr>
+                    </a:p>
+                    <a:p>
+                      <a:pPr algn="just" rtl="0" fontAlgn="base"/>
+                      <a:r>
+                        <a:rPr lang="pt-BR" sz="2000" b="1" dirty="0">
+                          <a:solidFill>
+                            <a:schemeClr val="tx1"/>
+                          </a:solidFill>
+                          <a:effectLst/>
+                          <a:latin typeface="Arial"/>
+                        </a:rPr>
+                        <a:t>Perfil 02: Leitor 2</a:t>
+                      </a:r>
+                      <a:r>
+                        <a:rPr lang="pt-BR" sz="2000" dirty="0">
+                          <a:solidFill>
+                            <a:schemeClr val="tx1"/>
+                          </a:solidFill>
+                          <a:effectLst/>
+                          <a:latin typeface="Arial"/>
+                        </a:rPr>
+                        <a:t> </a:t>
+                      </a:r>
+                    </a:p>
+                  </a:txBody>
+                  <a:tcPr>
+                    <a:lnL w="9525" cap="flat" cmpd="sng" algn="ctr">
+                      <a:solidFill>
+                        <a:schemeClr val="bg1"/>
+                      </a:solidFill>
+                      <a:prstDash val="solid"/>
+                      <a:round/>
+                      <a:headEnd type="none" w="med" len="med"/>
+                      <a:tailEnd type="none" w="med" len="med"/>
+                    </a:lnL>
+                    <a:lnR w="9525" cap="flat" cmpd="sng" algn="ctr">
+                      <a:solidFill>
+                        <a:schemeClr val="bg1"/>
+                      </a:solidFill>
+                      <a:prstDash val="solid"/>
+                      <a:round/>
+                      <a:headEnd type="none" w="med" len="med"/>
+                      <a:tailEnd type="none" w="med" len="med"/>
+                    </a:lnR>
+                    <a:lnT w="9525" cap="flat" cmpd="sng" algn="ctr">
+                      <a:solidFill>
+                        <a:schemeClr val="bg1"/>
+                      </a:solidFill>
+                      <a:prstDash val="solid"/>
+                      <a:round/>
+                      <a:headEnd type="none" w="med" len="med"/>
+                      <a:tailEnd type="none" w="med" len="med"/>
+                    </a:lnT>
+                    <a:lnB w="9525" cap="flat" cmpd="sng" algn="ctr">
+                      <a:solidFill>
+                        <a:schemeClr val="bg1"/>
+                      </a:solidFill>
+                      <a:prstDash val="solid"/>
+                      <a:round/>
+                      <a:headEnd type="none" w="med" len="med"/>
+                      <a:tailEnd type="none" w="med" len="med"/>
+                    </a:lnB>
+                  </a:tcPr>
+                </a:tc>
+                <a:tc hMerge="1">
+                  <a:txBody>
+                    <a:bodyPr/>
+                    <a:lstStyle/>
+                    <a:p>
+                      <a:endParaRPr lang="pt-BR"/>
+                    </a:p>
+                  </a:txBody>
+                  <a:tcPr/>
+                </a:tc>
+                <a:extLst>
+                  <a:ext uri="{0D108BD9-81ED-4DB2-BD59-A6C34878D82A}">
+                    <a16:rowId xmlns:a16="http://schemas.microsoft.com/office/drawing/2014/main" val="3556004977"/>
+                  </a:ext>
+                </a:extLst>
+              </a:tr>
+              <a:tr h="2164204">
+                <a:tc>
+                  <a:txBody>
+                    <a:bodyPr/>
+                    <a:lstStyle/>
+                    <a:p>
+                      <a:pPr fontAlgn="t"/>
+                      <a:endParaRPr lang="pt-BR" sz="2000" dirty="0">
+                        <a:effectLst/>
+                      </a:endParaRPr>
+                    </a:p>
+                    <a:p>
+                      <a:pPr algn="just" rtl="0" fontAlgn="base"/>
+                      <a:r>
+                        <a:rPr lang="pt-BR" sz="2000" b="1" dirty="0">
+                          <a:effectLst/>
+                          <a:latin typeface="Arial"/>
+                        </a:rPr>
+                        <a:t>Descrição: </a:t>
+                      </a:r>
+                      <a:r>
+                        <a:rPr lang="pt-BR" sz="2000" dirty="0">
+                          <a:effectLst/>
+                          <a:latin typeface="Arial"/>
+                        </a:rPr>
+                        <a:t> </a:t>
+                      </a:r>
+                    </a:p>
+                  </a:txBody>
+                  <a:tcPr>
+                    <a:lnL w="9525" cap="flat" cmpd="sng" algn="ctr">
+                      <a:solidFill>
+                        <a:schemeClr val="bg1"/>
+                      </a:solidFill>
+                      <a:prstDash val="solid"/>
+                      <a:round/>
+                      <a:headEnd type="none" w="med" len="med"/>
+                      <a:tailEnd type="none" w="med" len="med"/>
+                    </a:lnL>
+                    <a:lnR w="9525" cap="flat" cmpd="sng" algn="ctr">
+                      <a:solidFill>
+                        <a:schemeClr val="bg1"/>
+                      </a:solidFill>
+                      <a:prstDash val="solid"/>
+                      <a:round/>
+                      <a:headEnd type="none" w="med" len="med"/>
+                      <a:tailEnd type="none" w="med" len="med"/>
+                    </a:lnR>
+                    <a:lnT w="9525" cap="flat" cmpd="sng" algn="ctr">
+                      <a:solidFill>
+                        <a:schemeClr val="bg1"/>
+                      </a:solidFill>
+                      <a:prstDash val="solid"/>
+                      <a:round/>
+                      <a:headEnd type="none" w="med" len="med"/>
+                      <a:tailEnd type="none" w="med" len="med"/>
+                    </a:lnT>
+                    <a:lnB w="9525" cap="flat" cmpd="sng" algn="ctr">
+                      <a:solidFill>
+                        <a:schemeClr val="bg1"/>
+                      </a:solidFill>
+                      <a:prstDash val="solid"/>
+                      <a:round/>
+                      <a:headEnd type="none" w="med" len="med"/>
+                      <a:tailEnd type="none" w="med" len="med"/>
+                    </a:lnB>
+                  </a:tcPr>
+                </a:tc>
+                <a:tc>
+                  <a:txBody>
+                    <a:bodyPr/>
+                    <a:lstStyle/>
+                    <a:p>
+                      <a:pPr algn="just" rtl="0" fontAlgn="base"/>
+                      <a:endParaRPr lang="pt-BR" sz="2000" dirty="0">
+                        <a:effectLst/>
+                        <a:latin typeface="Arial"/>
+                      </a:endParaRPr>
+                    </a:p>
+                    <a:p>
+                      <a:pPr lvl="0" algn="just">
+                        <a:buNone/>
+                      </a:pPr>
+                      <a:r>
+                        <a:rPr lang="pt-BR" sz="2000" dirty="0">
+                          <a:effectLst/>
+                          <a:latin typeface="Arial"/>
+                        </a:rPr>
+                        <a:t>Leitor de quadrinhos em faixas etárias variadas, que nunca utilizaram uma aplicação de organização digital, sem costumes de organização, mas que gostaria de começar a organizar suas coleções com facilidade. </a:t>
+                      </a:r>
+                      <a:endParaRPr lang="pt-BR"/>
+                    </a:p>
+                  </a:txBody>
+                  <a:tcPr>
+                    <a:lnL w="9525" cap="flat" cmpd="sng" algn="ctr">
+                      <a:solidFill>
+                        <a:schemeClr val="bg1"/>
+                      </a:solidFill>
+                      <a:prstDash val="solid"/>
+                      <a:round/>
+                      <a:headEnd type="none" w="med" len="med"/>
+                      <a:tailEnd type="none" w="med" len="med"/>
+                    </a:lnL>
+                    <a:lnR w="9525" cap="flat" cmpd="sng" algn="ctr">
+                      <a:solidFill>
+                        <a:schemeClr val="bg1"/>
+                      </a:solidFill>
+                      <a:prstDash val="solid"/>
+                      <a:round/>
+                      <a:headEnd type="none" w="med" len="med"/>
+                      <a:tailEnd type="none" w="med" len="med"/>
+                    </a:lnR>
+                    <a:lnT w="9525" cap="flat" cmpd="sng" algn="ctr">
+                      <a:solidFill>
+                        <a:schemeClr val="bg1"/>
+                      </a:solidFill>
+                      <a:prstDash val="solid"/>
+                      <a:round/>
+                      <a:headEnd type="none" w="med" len="med"/>
+                      <a:tailEnd type="none" w="med" len="med"/>
+                    </a:lnT>
+                    <a:lnB w="9525" cap="flat" cmpd="sng" algn="ctr">
+                      <a:solidFill>
+                        <a:schemeClr val="bg1"/>
+                      </a:solidFill>
+                      <a:prstDash val="solid"/>
+                      <a:round/>
+                      <a:headEnd type="none" w="med" len="med"/>
+                      <a:tailEnd type="none" w="med" len="med"/>
+                    </a:lnB>
+                  </a:tcPr>
+                </a:tc>
+                <a:extLst>
+                  <a:ext uri="{0D108BD9-81ED-4DB2-BD59-A6C34878D82A}">
+                    <a16:rowId xmlns:a16="http://schemas.microsoft.com/office/drawing/2014/main" val="1462982167"/>
+                  </a:ext>
+                </a:extLst>
+              </a:tr>
+              <a:tr h="1470909">
+                <a:tc>
+                  <a:txBody>
+                    <a:bodyPr/>
+                    <a:lstStyle/>
+                    <a:p>
+                      <a:pPr fontAlgn="t"/>
+                      <a:endParaRPr lang="pt-BR" sz="2000" dirty="0">
+                        <a:effectLst/>
+                      </a:endParaRPr>
+                    </a:p>
+                    <a:p>
+                      <a:pPr algn="just" rtl="0" fontAlgn="base"/>
+                      <a:r>
+                        <a:rPr lang="pt-BR" sz="2000" b="1" dirty="0">
+                          <a:effectLst/>
+                          <a:latin typeface="Arial"/>
+                        </a:rPr>
+                        <a:t>Necessidades: </a:t>
+                      </a:r>
+                      <a:r>
+                        <a:rPr lang="pt-BR" sz="2000" dirty="0">
+                          <a:effectLst/>
+                          <a:latin typeface="Arial"/>
+                        </a:rPr>
+                        <a:t> </a:t>
+                      </a:r>
+                    </a:p>
+                  </a:txBody>
+                  <a:tcPr>
+                    <a:lnL w="9525" cap="flat" cmpd="sng" algn="ctr">
+                      <a:solidFill>
+                        <a:schemeClr val="bg1"/>
+                      </a:solidFill>
+                      <a:prstDash val="solid"/>
+                      <a:round/>
+                      <a:headEnd type="none" w="med" len="med"/>
+                      <a:tailEnd type="none" w="med" len="med"/>
+                    </a:lnL>
+                    <a:lnR w="9525" cap="flat" cmpd="sng" algn="ctr">
+                      <a:solidFill>
+                        <a:schemeClr val="bg1"/>
+                      </a:solidFill>
+                      <a:prstDash val="solid"/>
+                      <a:round/>
+                      <a:headEnd type="none" w="med" len="med"/>
+                      <a:tailEnd type="none" w="med" len="med"/>
+                    </a:lnR>
+                    <a:lnT w="9525" cap="flat" cmpd="sng" algn="ctr">
+                      <a:solidFill>
+                        <a:schemeClr val="bg1"/>
+                      </a:solidFill>
+                      <a:prstDash val="solid"/>
+                      <a:round/>
+                      <a:headEnd type="none" w="med" len="med"/>
+                      <a:tailEnd type="none" w="med" len="med"/>
+                    </a:lnT>
+                    <a:lnB w="9525" cap="flat" cmpd="sng" algn="ctr">
+                      <a:solidFill>
+                        <a:schemeClr val="bg1"/>
+                      </a:solidFill>
+                      <a:prstDash val="solid"/>
+                      <a:round/>
+                      <a:headEnd type="none" w="med" len="med"/>
+                      <a:tailEnd type="none" w="med" len="med"/>
+                    </a:lnB>
+                  </a:tcPr>
+                </a:tc>
+                <a:tc>
+                  <a:txBody>
+                    <a:bodyPr/>
+                    <a:lstStyle/>
+                    <a:p>
+                      <a:pPr fontAlgn="t"/>
+                      <a:endParaRPr lang="pt-BR" sz="2000" dirty="0">
+                        <a:effectLst/>
+                      </a:endParaRPr>
+                    </a:p>
+                    <a:p>
+                      <a:pPr marL="342900" lvl="0" indent="-342900" algn="just" rtl="0" fontAlgn="base">
+                        <a:buFont typeface="+mj-lt"/>
+                        <a:buAutoNum type="arabicPeriod"/>
+                      </a:pPr>
+                      <a:r>
+                        <a:rPr lang="pt-BR" sz="2000" dirty="0">
+                          <a:effectLst/>
+                          <a:latin typeface="Arial"/>
+                        </a:rPr>
+                        <a:t>Ambiente digital simplificado, bem intuitivo, de fácil entendimento para organizar leituras de quadrinhos. </a:t>
+                      </a:r>
+                    </a:p>
+                  </a:txBody>
+                  <a:tcPr>
+                    <a:lnL w="9525" cap="flat" cmpd="sng" algn="ctr">
+                      <a:solidFill>
+                        <a:schemeClr val="bg1"/>
+                      </a:solidFill>
+                      <a:prstDash val="solid"/>
+                      <a:round/>
+                      <a:headEnd type="none" w="med" len="med"/>
+                      <a:tailEnd type="none" w="med" len="med"/>
+                    </a:lnL>
+                    <a:lnR w="9525" cap="flat" cmpd="sng" algn="ctr">
+                      <a:solidFill>
+                        <a:schemeClr val="bg1"/>
+                      </a:solidFill>
+                      <a:prstDash val="solid"/>
+                      <a:round/>
+                      <a:headEnd type="none" w="med" len="med"/>
+                      <a:tailEnd type="none" w="med" len="med"/>
+                    </a:lnR>
+                    <a:lnT w="9525" cap="flat" cmpd="sng" algn="ctr">
+                      <a:solidFill>
+                        <a:schemeClr val="bg1"/>
+                      </a:solidFill>
+                      <a:prstDash val="solid"/>
+                      <a:round/>
+                      <a:headEnd type="none" w="med" len="med"/>
+                      <a:tailEnd type="none" w="med" len="med"/>
+                    </a:lnT>
+                    <a:lnB w="9525" cap="flat" cmpd="sng" algn="ctr">
+                      <a:solidFill>
+                        <a:schemeClr val="bg1"/>
+                      </a:solidFill>
+                      <a:prstDash val="solid"/>
+                      <a:round/>
+                      <a:headEnd type="none" w="med" len="med"/>
+                      <a:tailEnd type="none" w="med" len="med"/>
+                    </a:lnB>
+                  </a:tcPr>
+                </a:tc>
+                <a:extLst>
+                  <a:ext uri="{0D108BD9-81ED-4DB2-BD59-A6C34878D82A}">
+                    <a16:rowId xmlns:a16="http://schemas.microsoft.com/office/drawing/2014/main" val="2925188170"/>
+                  </a:ext>
+                </a:extLst>
+              </a:tr>
+            </a:tbl>
+          </a:graphicData>
+        </a:graphic>
+      </p:graphicFrame>
+    </p:spTree>
+    <p:extLst>
+      <p:ext uri="{BB962C8B-B14F-4D97-AF65-F5344CB8AC3E}">
+        <p14:creationId xmlns:p14="http://schemas.microsoft.com/office/powerpoint/2010/main" val="1283361217"/>
+      </p:ext>
+    </p:extLst>
+  </p:cSld>
+  <p:clrMapOvr>
+    <a:masterClrMapping/>
+  </p:clrMapOvr>
+</p:sld>
+</file>
+
+<file path=ppt/slides/slide5.xml><?xml version="1.0" encoding="utf-8"?>
 <p:sld xmlns:a="http://schemas.openxmlformats.org/drawingml/2006/main" xmlns:r="http://schemas.openxmlformats.org/officeDocument/2006/relationships" xmlns:p="http://schemas.openxmlformats.org/presentationml/2006/main" showMasterSp="0">
   <p:cSld>
     <p:spTree>
@@ -5959,8 +4949,8 @@
         </p:nvSpPr>
         <p:spPr>
           <a:xfrm>
-            <a:off x="705508" y="1812643"/>
-            <a:ext cx="7995920" cy="3426579"/>
+            <a:off x="574344" y="2496570"/>
+            <a:ext cx="7995920" cy="1859483"/>
           </a:xfrm>
           <a:prstGeom prst="rect">
             <a:avLst/>
@@ -5972,7 +4962,7 @@
           </a:bodyPr>
           <a:lstStyle/>
           <a:p>
-            <a:pPr marL="12700" marR="5080">
+            <a:pPr marL="12700" marR="5080" algn="ctr">
               <a:spcBef>
                 <a:spcPts val="100"/>
               </a:spcBef>
@@ -5987,252 +4977,36 @@
               </a:tabLst>
             </a:pPr>
             <a:r>
-              <a:rPr dirty="0">
+              <a:rPr sz="3000" dirty="0">
                 <a:latin typeface="Arial MT"/>
               </a:rPr>
-              <a:t>O objetivo deste projeto é desenvolver uma aplicação web acessível e intuitiva, que  oferte ao leitor de quadrinhos um espaço digital onde possa organizar suas leituras e  coleções.</a:t>
-            </a:r>
-            <a:endParaRPr>
-              <a:latin typeface="Arial MT"/>
-            </a:endParaRPr>
-          </a:p>
-          <a:p>
-            <a:pPr marL="12700" marR="5080">
-              <a:spcBef>
-                <a:spcPts val="100"/>
-              </a:spcBef>
-              <a:tabLst>
-                <a:tab pos="1474470" algn="l"/>
-                <a:tab pos="1957070" algn="l"/>
-                <a:tab pos="2669540" algn="l"/>
-                <a:tab pos="3863975" algn="l"/>
-                <a:tab pos="4794250" algn="l"/>
-                <a:tab pos="6191885" algn="l"/>
-                <a:tab pos="6675120" algn="l"/>
-              </a:tabLst>
-            </a:pPr>
-            <a:endParaRPr>
-              <a:latin typeface="Arial MT"/>
-            </a:endParaRPr>
-          </a:p>
-          <a:p>
-            <a:pPr marL="12700" marR="5080">
-              <a:spcBef>
-                <a:spcPts val="100"/>
-              </a:spcBef>
-              <a:tabLst>
-                <a:tab pos="1474470" algn="l"/>
-                <a:tab pos="1957070" algn="l"/>
-                <a:tab pos="2669540" algn="l"/>
-                <a:tab pos="3863975" algn="l"/>
-                <a:tab pos="4794250" algn="l"/>
-                <a:tab pos="6191885" algn="l"/>
-                <a:tab pos="6675120" algn="l"/>
-              </a:tabLst>
-            </a:pPr>
-            <a:r>
-              <a:rPr dirty="0">
+              <a:t>O objetivo deste projeto é desenvolver uma aplicação web acessível e intuitiva, que</a:t>
+            </a:r>
+            <a:r>
+              <a:rPr lang="pt-BR" sz="3000" dirty="0">
                 <a:latin typeface="Arial MT"/>
               </a:rPr>
-              <a:t>Como </a:t>
-            </a:r>
-            <a:r>
-              <a:rPr dirty="0" err="1">
+              <a:t> </a:t>
+            </a:r>
+            <a:r>
+              <a:rPr sz="3000" dirty="0">
                 <a:latin typeface="Arial MT"/>
               </a:rPr>
-              <a:t>objetivos</a:t>
-            </a:r>
-            <a:r>
-              <a:rPr dirty="0">
+              <a:t> oferte ao leitor de quadrinhos um espaço digital onde possa organizar suas leituras e</a:t>
+            </a:r>
+            <a:r>
+              <a:rPr lang="pt-BR" sz="3000" dirty="0">
                 <a:latin typeface="Arial MT"/>
               </a:rPr>
-              <a:t> </a:t>
-            </a:r>
-            <a:r>
-              <a:rPr dirty="0" err="1">
+              <a:t> </a:t>
+            </a:r>
+            <a:r>
+              <a:rPr sz="3000" dirty="0">
                 <a:latin typeface="Arial MT"/>
               </a:rPr>
-              <a:t>específicos</a:t>
-            </a:r>
-            <a:r>
-              <a:rPr dirty="0">
-                <a:latin typeface="Arial MT"/>
-              </a:rPr>
-              <a:t>, </a:t>
-            </a:r>
-            <a:r>
-              <a:rPr dirty="0" err="1">
-                <a:latin typeface="Arial MT"/>
-              </a:rPr>
-              <a:t>podemos</a:t>
-            </a:r>
-            <a:r>
-              <a:rPr dirty="0">
-                <a:latin typeface="Arial MT"/>
-              </a:rPr>
-              <a:t> </a:t>
-            </a:r>
-            <a:r>
-              <a:rPr dirty="0" err="1">
-                <a:latin typeface="Arial MT"/>
-              </a:rPr>
-              <a:t>destacar</a:t>
-            </a:r>
-            <a:r>
-              <a:rPr dirty="0">
-                <a:latin typeface="Arial MT"/>
-              </a:rPr>
-              <a:t>:</a:t>
-            </a:r>
-          </a:p>
-          <a:p>
-            <a:pPr marL="12700" marR="5080">
-              <a:spcBef>
-                <a:spcPts val="100"/>
-              </a:spcBef>
-              <a:tabLst>
-                <a:tab pos="1474470" algn="l"/>
-                <a:tab pos="1957070" algn="l"/>
-                <a:tab pos="2669540" algn="l"/>
-                <a:tab pos="3863975" algn="l"/>
-                <a:tab pos="4794250" algn="l"/>
-                <a:tab pos="6191885" algn="l"/>
-                <a:tab pos="6675120" algn="l"/>
-              </a:tabLst>
-            </a:pPr>
-            <a:endParaRPr lang="pt-BR" dirty="0">
-              <a:latin typeface="Arial MT"/>
-            </a:endParaRPr>
-          </a:p>
-          <a:p>
-            <a:pPr marL="285750" marR="5080" indent="-285750">
-              <a:spcBef>
-                <a:spcPts val="100"/>
-              </a:spcBef>
-              <a:buClr>
-                <a:srgbClr val="E7B600"/>
-              </a:buClr>
-              <a:buFont typeface="Arial"/>
-              <a:buChar char="•"/>
-              <a:tabLst>
-                <a:tab pos="1474470" algn="l"/>
-                <a:tab pos="1957070" algn="l"/>
-                <a:tab pos="2669540" algn="l"/>
-                <a:tab pos="3863975" algn="l"/>
-                <a:tab pos="4794250" algn="l"/>
-                <a:tab pos="6191885" algn="l"/>
-                <a:tab pos="6675120" algn="l"/>
-              </a:tabLst>
-            </a:pPr>
-            <a:r>
-              <a:rPr dirty="0">
-                <a:latin typeface="Arial MT"/>
-              </a:rPr>
-              <a:t>Permitir que o leitor organize seus quadrinhos com aqueles que já leu, está lendo, e</a:t>
-            </a:r>
-            <a:r>
-              <a:rPr lang="pt-BR" dirty="0">
-                <a:latin typeface="Arial MT"/>
-              </a:rPr>
-              <a:t> </a:t>
-            </a:r>
-            <a:r>
-              <a:rPr dirty="0">
-                <a:latin typeface="Arial MT"/>
-              </a:rPr>
-              <a:t> deseja ler;</a:t>
-            </a:r>
-            <a:endParaRPr>
-              <a:latin typeface="Arial MT"/>
-            </a:endParaRPr>
-          </a:p>
-          <a:p>
-            <a:pPr marL="285750" marR="5080" indent="-285750">
-              <a:spcBef>
-                <a:spcPts val="100"/>
-              </a:spcBef>
-              <a:buClr>
-                <a:srgbClr val="E7B600"/>
-              </a:buClr>
-              <a:buFont typeface="Arial"/>
-              <a:buChar char="•"/>
-              <a:tabLst>
-                <a:tab pos="1474470" algn="l"/>
-                <a:tab pos="1957070" algn="l"/>
-                <a:tab pos="2669540" algn="l"/>
-                <a:tab pos="3863975" algn="l"/>
-                <a:tab pos="4794250" algn="l"/>
-                <a:tab pos="6191885" algn="l"/>
-                <a:tab pos="6675120" algn="l"/>
-              </a:tabLst>
-            </a:pPr>
-            <a:r>
-              <a:rPr dirty="0">
-                <a:latin typeface="Arial MT"/>
-              </a:rPr>
-              <a:t>Permitir que o leitor avalie os quadrinhos que já leu;</a:t>
-            </a:r>
-            <a:endParaRPr>
-              <a:latin typeface="Arial MT"/>
-            </a:endParaRPr>
-          </a:p>
-          <a:p>
-            <a:pPr marL="285750" marR="5080" indent="-285750">
-              <a:spcBef>
-                <a:spcPts val="100"/>
-              </a:spcBef>
-              <a:buClr>
-                <a:srgbClr val="E7B600"/>
-              </a:buClr>
-              <a:buFont typeface="Arial"/>
-              <a:buChar char="•"/>
-              <a:tabLst>
-                <a:tab pos="1474470" algn="l"/>
-                <a:tab pos="1957070" algn="l"/>
-                <a:tab pos="2669540" algn="l"/>
-                <a:tab pos="3863975" algn="l"/>
-                <a:tab pos="4794250" algn="l"/>
-                <a:tab pos="6191885" algn="l"/>
-                <a:tab pos="6675120" algn="l"/>
-              </a:tabLst>
-            </a:pPr>
-            <a:r>
-              <a:rPr dirty="0">
-                <a:latin typeface="Arial MT"/>
-              </a:rPr>
-              <a:t>Possibilitar ao leitor a descoberta e pesquisa de novos quadrinhos;</a:t>
-            </a:r>
-            <a:endParaRPr>
-              <a:latin typeface="Arial MT"/>
-            </a:endParaRPr>
-          </a:p>
-          <a:p>
-            <a:pPr marL="285750" marR="5080" indent="-285750">
-              <a:spcBef>
-                <a:spcPts val="100"/>
-              </a:spcBef>
-              <a:buClr>
-                <a:srgbClr val="E7B600"/>
-              </a:buClr>
-              <a:buFont typeface="Arial"/>
-              <a:buChar char="•"/>
-              <a:tabLst>
-                <a:tab pos="1474470" algn="l"/>
-                <a:tab pos="1957070" algn="l"/>
-                <a:tab pos="2669540" algn="l"/>
-                <a:tab pos="3863975" algn="l"/>
-                <a:tab pos="4794250" algn="l"/>
-                <a:tab pos="6191885" algn="l"/>
-                <a:tab pos="6675120" algn="l"/>
-              </a:tabLst>
-            </a:pPr>
-            <a:r>
-              <a:rPr dirty="0">
-                <a:latin typeface="Arial MT"/>
-              </a:rPr>
-              <a:t>Ofertar uma plataforma de uso gratuito e em português para leitores de quadrinhos.</a:t>
-            </a:r>
-            <a:endParaRPr>
+              <a:t> coleções.</a:t>
+            </a:r>
+            <a:endParaRPr lang="pt-BR" sz="3000" dirty="0">
               <a:latin typeface="Arial MT"/>
             </a:endParaRPr>
           </a:p>
@@ -6251,7 +5025,7 @@
 </p:sld>
 </file>
 
-<file path=ppt/slides/slide4.xml><?xml version="1.0" encoding="utf-8"?>
+<file path=ppt/slides/slide6.xml><?xml version="1.0" encoding="utf-8"?>
 <p:sld xmlns:a="http://schemas.openxmlformats.org/drawingml/2006/main" xmlns:r="http://schemas.openxmlformats.org/officeDocument/2006/relationships" xmlns:p="http://schemas.openxmlformats.org/presentationml/2006/main">
   <p:cSld>
     <p:spTree>
@@ -6355,7 +5129,7 @@
 </p:sld>
 </file>
 
-<file path=ppt/slides/slide5.xml><?xml version="1.0" encoding="utf-8"?>
+<file path=ppt/slides/slide7.xml><?xml version="1.0" encoding="utf-8"?>
 <p:sld xmlns:a="http://schemas.openxmlformats.org/drawingml/2006/main" xmlns:r="http://schemas.openxmlformats.org/officeDocument/2006/relationships" xmlns:p="http://schemas.openxmlformats.org/presentationml/2006/main" showMasterSp="0">
   <p:cSld>
     <p:spTree>
@@ -8697,7 +7471,7 @@
 </p:sld>
 </file>
 
-<file path=ppt/slides/slide6.xml><?xml version="1.0" encoding="utf-8"?>
+<file path=ppt/slides/slide8.xml><?xml version="1.0" encoding="utf-8"?>
 <p:sld xmlns:a="http://schemas.openxmlformats.org/drawingml/2006/main" xmlns:r="http://schemas.openxmlformats.org/officeDocument/2006/relationships" xmlns:p="http://schemas.openxmlformats.org/presentationml/2006/main" showMasterSp="0">
   <p:cSld>
     <p:spTree>
@@ -11119,7 +9893,7 @@
 </p:sld>
 </file>
 
-<file path=ppt/slides/slide7.xml><?xml version="1.0" encoding="utf-8"?>
+<file path=ppt/slides/slide9.xml><?xml version="1.0" encoding="utf-8"?>
 <p:sld xmlns:a="http://schemas.openxmlformats.org/drawingml/2006/main" xmlns:r="http://schemas.openxmlformats.org/officeDocument/2006/relationships" xmlns:p="http://schemas.openxmlformats.org/presentationml/2006/main" showMasterSp="0">
   <p:cSld>
     <p:spTree>
